--- a/data/2020-21/cs/tf-cs-04a.pptx
+++ b/data/2020-21/cs/tf-cs-04a.pptx
@@ -30,25 +30,27 @@
     <p:sldId id="299" r:id="rId24"/>
     <p:sldId id="302" r:id="rId25"/>
     <p:sldId id="286" r:id="rId26"/>
-    <p:sldId id="275" r:id="rId27"/>
-    <p:sldId id="276" r:id="rId28"/>
-    <p:sldId id="277" r:id="rId29"/>
-    <p:sldId id="278" r:id="rId30"/>
-    <p:sldId id="282" r:id="rId31"/>
-    <p:sldId id="281" r:id="rId32"/>
-    <p:sldId id="279" r:id="rId33"/>
-    <p:sldId id="280" r:id="rId34"/>
-    <p:sldId id="272" r:id="rId35"/>
-    <p:sldId id="257" r:id="rId36"/>
-    <p:sldId id="258" r:id="rId37"/>
-    <p:sldId id="260" r:id="rId38"/>
-    <p:sldId id="273" r:id="rId39"/>
-    <p:sldId id="261" r:id="rId40"/>
-    <p:sldId id="263" r:id="rId41"/>
-    <p:sldId id="264" r:id="rId42"/>
-    <p:sldId id="265" r:id="rId43"/>
-    <p:sldId id="267" r:id="rId44"/>
-    <p:sldId id="268" r:id="rId45"/>
+    <p:sldId id="326" r:id="rId27"/>
+    <p:sldId id="275" r:id="rId28"/>
+    <p:sldId id="276" r:id="rId29"/>
+    <p:sldId id="277" r:id="rId30"/>
+    <p:sldId id="278" r:id="rId31"/>
+    <p:sldId id="282" r:id="rId32"/>
+    <p:sldId id="281" r:id="rId33"/>
+    <p:sldId id="279" r:id="rId34"/>
+    <p:sldId id="280" r:id="rId35"/>
+    <p:sldId id="327" r:id="rId36"/>
+    <p:sldId id="272" r:id="rId37"/>
+    <p:sldId id="257" r:id="rId38"/>
+    <p:sldId id="258" r:id="rId39"/>
+    <p:sldId id="260" r:id="rId40"/>
+    <p:sldId id="273" r:id="rId41"/>
+    <p:sldId id="261" r:id="rId42"/>
+    <p:sldId id="263" r:id="rId43"/>
+    <p:sldId id="264" r:id="rId44"/>
+    <p:sldId id="265" r:id="rId45"/>
+    <p:sldId id="267" r:id="rId46"/>
+    <p:sldId id="268" r:id="rId47"/>
   </p:sldIdLst>
   <p:sldSz cx="12192000" cy="6858000"/>
   <p:notesSz cx="6858000" cy="9144000"/>
@@ -189,6 +191,7 @@
         </p14:section>
         <p14:section name="ex02" id="{DF6FC865-10B5-4B52-8A47-8BFE1FF2F35B}">
           <p14:sldIdLst>
+            <p14:sldId id="326"/>
             <p14:sldId id="275"/>
             <p14:sldId id="276"/>
             <p14:sldId id="277"/>
@@ -201,6 +204,7 @@
         </p14:section>
         <p14:section name="ex01" id="{46663426-B5FD-4696-8D93-64DC7A284E7A}">
           <p14:sldIdLst>
+            <p14:sldId id="327"/>
             <p14:sldId id="272"/>
             <p14:sldId id="257"/>
             <p14:sldId id="258"/>
@@ -3899,6 +3903,13 @@
   <p:clrMapOvr>
     <a:masterClrMapping/>
   </p:clrMapOvr>
+  <p:timing>
+    <p:tnLst>
+      <p:par>
+        <p:cTn id="1" dur="indefinite" restart="never" nodeType="tmRoot"/>
+      </p:par>
+    </p:tnLst>
+  </p:timing>
 </p:sld>
 </file>
 
@@ -4113,6 +4124,13 @@
   <p:clrMapOvr>
     <a:masterClrMapping/>
   </p:clrMapOvr>
+  <p:timing>
+    <p:tnLst>
+      <p:par>
+        <p:cTn id="1" dur="indefinite" restart="never" nodeType="tmRoot"/>
+      </p:par>
+    </p:tnLst>
+  </p:timing>
 </p:sld>
 </file>
 
@@ -4275,6 +4293,13 @@
   <p:clrMapOvr>
     <a:masterClrMapping/>
   </p:clrMapOvr>
+  <p:timing>
+    <p:tnLst>
+      <p:par>
+        <p:cTn id="1" dur="indefinite" restart="never" nodeType="tmRoot"/>
+      </p:par>
+    </p:tnLst>
+  </p:timing>
 </p:sld>
 </file>
 
@@ -10604,7 +10629,40 @@
             <a:spLocks noGrp="1"/>
           </p:cNvSpPr>
           <p:nvPr>
-            <p:ph type="title"/>
+            <p:ph type="ctrTitle"/>
+          </p:nvPr>
+        </p:nvSpPr>
+        <p:spPr/>
+        <p:txBody>
+          <a:bodyPr>
+            <a:normAutofit/>
+          </a:bodyPr>
+          <a:lstStyle/>
+          <a:p>
+            <a:r>
+              <a:rPr lang="en-US" dirty="0"/>
+              <a:t>2</a:t>
+            </a:r>
+            <a:r>
+              <a:rPr lang="en-US" dirty="0" smtClean="0"/>
+              <a:t>. cvi</a:t>
+            </a:r>
+            <a:r>
+              <a:rPr lang="cs-CZ" dirty="0" smtClean="0"/>
+              <a:t>čení</a:t>
+            </a:r>
+            <a:endParaRPr lang="cs-CZ" sz="6000" dirty="0"/>
+          </a:p>
+        </p:txBody>
+      </p:sp>
+      <p:sp>
+        <p:nvSpPr>
+          <p:cNvPr id="4" name="Subtitle 3"/>
+          <p:cNvSpPr>
+            <a:spLocks noGrp="1"/>
+          </p:cNvSpPr>
+          <p:nvPr>
+            <p:ph type="subTitle" idx="1"/>
           </p:nvPr>
         </p:nvSpPr>
         <p:spPr/>
@@ -10612,57 +10670,14 @@
           <a:bodyPr/>
           <a:lstStyle/>
           <a:p>
-            <a:r>
-              <a:rPr lang="cs-CZ" dirty="0" smtClean="0"/>
-              <a:t>Arduino</a:t>
-            </a:r>
-            <a:endParaRPr lang="cs-CZ" dirty="0"/>
-          </a:p>
-        </p:txBody>
-      </p:sp>
-      <p:sp>
-        <p:nvSpPr>
-          <p:cNvPr id="3" name="Content Placeholder 2"/>
-          <p:cNvSpPr>
-            <a:spLocks noGrp="1"/>
-          </p:cNvSpPr>
-          <p:nvPr>
-            <p:ph idx="1"/>
-          </p:nvPr>
-        </p:nvSpPr>
-        <p:spPr/>
-        <p:txBody>
-          <a:bodyPr/>
-          <a:lstStyle/>
-          <a:p>
-            <a:r>
-              <a:rPr lang="cs-CZ" dirty="0" smtClean="0"/>
-              <a:t>Open-source HW SW projekt</a:t>
-            </a:r>
-          </a:p>
-          <a:p>
-            <a:r>
-              <a:rPr lang="cs-CZ" dirty="0" smtClean="0"/>
-              <a:t>Arduino board </a:t>
-            </a:r>
-            <a:r>
-              <a:rPr lang="en-US" dirty="0" smtClean="0"/>
-              <a:t>+ expansion board (shield)</a:t>
-            </a:r>
-          </a:p>
-          <a:p>
-            <a:r>
-              <a:rPr lang="en-US" dirty="0" smtClean="0"/>
-              <a:t>Arduino IDE</a:t>
-            </a:r>
-            <a:endParaRPr lang="cs-CZ" dirty="0"/>
+            <a:endParaRPr lang="cs-CZ"/>
           </a:p>
         </p:txBody>
       </p:sp>
     </p:spTree>
     <p:extLst>
       <p:ext uri="{BB962C8B-B14F-4D97-AF65-F5344CB8AC3E}">
-        <p14:creationId xmlns:p14="http://schemas.microsoft.com/office/powerpoint/2010/main" val="2415435696"/>
+        <p14:creationId xmlns:p14="http://schemas.microsoft.com/office/powerpoint/2010/main" val="2985710549"/>
       </p:ext>
     </p:extLst>
   </p:cSld>
@@ -10713,7 +10728,7 @@
           <a:p>
             <a:r>
               <a:rPr lang="cs-CZ" dirty="0" smtClean="0"/>
-              <a:t>Arduino HW</a:t>
+              <a:t>Arduino</a:t>
             </a:r>
             <a:endParaRPr lang="cs-CZ" dirty="0"/>
           </a:p>
@@ -10729,157 +10744,39 @@
             <p:ph idx="1"/>
           </p:nvPr>
         </p:nvSpPr>
-        <p:spPr>
-          <a:xfrm>
-            <a:off x="6796216" y="1430206"/>
-            <a:ext cx="4557584" cy="5078023"/>
-          </a:xfrm>
-        </p:spPr>
+        <p:spPr/>
         <p:txBody>
-          <a:bodyPr>
-            <a:normAutofit/>
-          </a:bodyPr>
+          <a:bodyPr/>
           <a:lstStyle/>
           <a:p>
             <a:r>
               <a:rPr lang="cs-CZ" dirty="0" smtClean="0"/>
-              <a:t>(</a:t>
+              <a:t>Open-source HW SW projekt</a:t>
+            </a:r>
+          </a:p>
+          <a:p>
+            <a:r>
+              <a:rPr lang="cs-CZ" dirty="0" smtClean="0"/>
+              <a:t>Arduino board </a:t>
             </a:r>
             <a:r>
               <a:rPr lang="en-US" dirty="0" smtClean="0"/>
-              <a:t>1) </a:t>
-            </a:r>
-            <a:r>
-              <a:rPr lang="en-US" dirty="0" err="1" smtClean="0"/>
-              <a:t>Konektor</a:t>
-            </a:r>
+              <a:t>+ expansion board (shield)</a:t>
+            </a:r>
+          </a:p>
+          <a:p>
             <a:r>
               <a:rPr lang="en-US" dirty="0" smtClean="0"/>
-              <a:t> pro Bluetooth</a:t>
-            </a:r>
-          </a:p>
-          <a:p>
-            <a:r>
-              <a:rPr lang="en-US" dirty="0" smtClean="0"/>
-              <a:t>(2) LED </a:t>
-            </a:r>
-          </a:p>
-          <a:p>
-            <a:r>
-              <a:rPr lang="en-US" dirty="0" smtClean="0"/>
-              <a:t>(3) Reset</a:t>
-            </a:r>
-          </a:p>
-          <a:p>
-            <a:r>
-              <a:rPr lang="en-US" dirty="0" smtClean="0"/>
-              <a:t>(4) </a:t>
-            </a:r>
-            <a:r>
-              <a:rPr lang="en-US" dirty="0" err="1" smtClean="0"/>
-              <a:t>Signaliza</a:t>
-            </a:r>
-            <a:r>
-              <a:rPr lang="cs-CZ" dirty="0" smtClean="0"/>
-              <a:t>ční LED</a:t>
-            </a:r>
-          </a:p>
-          <a:p>
-            <a:r>
-              <a:rPr lang="en-US" dirty="0" smtClean="0"/>
-              <a:t>(5) </a:t>
-            </a:r>
-            <a:r>
-              <a:rPr lang="cs-CZ" dirty="0" smtClean="0"/>
-              <a:t>Piezo-bzučák</a:t>
-            </a:r>
-          </a:p>
-          <a:p>
-            <a:r>
-              <a:rPr lang="en-US" dirty="0" smtClean="0"/>
-              <a:t>(6), (9) </a:t>
-            </a:r>
-            <a:r>
-              <a:rPr lang="cs-CZ" dirty="0" smtClean="0"/>
-              <a:t>Propojka</a:t>
-            </a:r>
-          </a:p>
-          <a:p>
-            <a:r>
-              <a:rPr lang="en-US" dirty="0" smtClean="0"/>
-              <a:t>(7) </a:t>
-            </a:r>
-            <a:r>
-              <a:rPr lang="cs-CZ" dirty="0" smtClean="0"/>
-              <a:t>Konektor pro IR</a:t>
-            </a:r>
-            <a:endParaRPr lang="en-US" dirty="0" smtClean="0"/>
-          </a:p>
-          <a:p>
-            <a:r>
-              <a:rPr lang="en-US" dirty="0" smtClean="0"/>
-              <a:t>(8) </a:t>
-            </a:r>
-            <a:r>
-              <a:rPr lang="cs-CZ" dirty="0" smtClean="0"/>
-              <a:t>Potenciometr</a:t>
-            </a:r>
-          </a:p>
-          <a:p>
-            <a:r>
-              <a:rPr lang="en-US" dirty="0" smtClean="0"/>
-              <a:t>(10) </a:t>
-            </a:r>
-            <a:r>
-              <a:rPr lang="en-US" dirty="0" err="1" smtClean="0"/>
-              <a:t>Konektor</a:t>
-            </a:r>
-            <a:r>
-              <a:rPr lang="en-US" dirty="0" smtClean="0"/>
-              <a:t> pro </a:t>
-            </a:r>
-            <a:r>
-              <a:rPr lang="cs-CZ" dirty="0" smtClean="0"/>
-              <a:t>čidla</a:t>
-            </a:r>
-          </a:p>
-          <a:p>
-            <a:r>
-              <a:rPr lang="cs-CZ" dirty="0" smtClean="0"/>
-              <a:t>(11) Vstupní tlačítka</a:t>
-            </a:r>
-            <a:endParaRPr lang="en-US" dirty="0" smtClean="0"/>
+              <a:t>Arduino IDE</a:t>
+            </a:r>
+            <a:endParaRPr lang="cs-CZ" dirty="0"/>
           </a:p>
         </p:txBody>
       </p:sp>
-      <p:pic>
-        <p:nvPicPr>
-          <p:cNvPr id="6" name="Picture 5"/>
-          <p:cNvPicPr>
-            <a:picLocks noChangeAspect="1"/>
-          </p:cNvPicPr>
-          <p:nvPr/>
-        </p:nvPicPr>
-        <p:blipFill>
-          <a:blip r:embed="rId2"/>
-          <a:stretch>
-            <a:fillRect/>
-          </a:stretch>
-        </p:blipFill>
-        <p:spPr>
-          <a:xfrm>
-            <a:off x="665204" y="1430206"/>
-            <a:ext cx="4289855" cy="5228632"/>
-          </a:xfrm>
-          <a:prstGeom prst="rect">
-            <a:avLst/>
-          </a:prstGeom>
-        </p:spPr>
-      </p:pic>
     </p:spTree>
     <p:extLst>
       <p:ext uri="{BB962C8B-B14F-4D97-AF65-F5344CB8AC3E}">
-        <p14:creationId xmlns:p14="http://schemas.microsoft.com/office/powerpoint/2010/main" val="4258118586"/>
+        <p14:creationId xmlns:p14="http://schemas.microsoft.com/office/powerpoint/2010/main" val="2415435696"/>
       </p:ext>
     </p:extLst>
   </p:cSld>
@@ -10929,8 +10826,8 @@
           <a:lstStyle/>
           <a:p>
             <a:r>
-              <a:rPr lang="en-US" dirty="0" err="1" smtClean="0"/>
-              <a:t>Kompilace</a:t>
+              <a:rPr lang="cs-CZ" dirty="0" smtClean="0"/>
+              <a:t>Arduino HW</a:t>
             </a:r>
             <a:endParaRPr lang="cs-CZ" dirty="0"/>
           </a:p>
@@ -10946,415 +10843,157 @@
             <p:ph idx="1"/>
           </p:nvPr>
         </p:nvSpPr>
-        <p:spPr/>
+        <p:spPr>
+          <a:xfrm>
+            <a:off x="6796216" y="1430206"/>
+            <a:ext cx="4557584" cy="5078023"/>
+          </a:xfrm>
+        </p:spPr>
         <p:txBody>
-          <a:bodyPr/>
+          <a:bodyPr>
+            <a:normAutofit/>
+          </a:bodyPr>
           <a:lstStyle/>
           <a:p>
-            <a:endParaRPr lang="cs-CZ"/>
+            <a:r>
+              <a:rPr lang="cs-CZ" dirty="0" smtClean="0"/>
+              <a:t>(</a:t>
+            </a:r>
+            <a:r>
+              <a:rPr lang="en-US" dirty="0" smtClean="0"/>
+              <a:t>1) </a:t>
+            </a:r>
+            <a:r>
+              <a:rPr lang="en-US" dirty="0" err="1" smtClean="0"/>
+              <a:t>Konektor</a:t>
+            </a:r>
+            <a:r>
+              <a:rPr lang="en-US" dirty="0" smtClean="0"/>
+              <a:t> pro Bluetooth</a:t>
+            </a:r>
+          </a:p>
+          <a:p>
+            <a:r>
+              <a:rPr lang="en-US" dirty="0" smtClean="0"/>
+              <a:t>(2) LED </a:t>
+            </a:r>
+          </a:p>
+          <a:p>
+            <a:r>
+              <a:rPr lang="en-US" dirty="0" smtClean="0"/>
+              <a:t>(3) Reset</a:t>
+            </a:r>
+          </a:p>
+          <a:p>
+            <a:r>
+              <a:rPr lang="en-US" dirty="0" smtClean="0"/>
+              <a:t>(4) </a:t>
+            </a:r>
+            <a:r>
+              <a:rPr lang="en-US" dirty="0" err="1" smtClean="0"/>
+              <a:t>Signaliza</a:t>
+            </a:r>
+            <a:r>
+              <a:rPr lang="cs-CZ" dirty="0" smtClean="0"/>
+              <a:t>ční LED</a:t>
+            </a:r>
+          </a:p>
+          <a:p>
+            <a:r>
+              <a:rPr lang="en-US" dirty="0" smtClean="0"/>
+              <a:t>(5) </a:t>
+            </a:r>
+            <a:r>
+              <a:rPr lang="cs-CZ" dirty="0" smtClean="0"/>
+              <a:t>Piezo-bzučák</a:t>
+            </a:r>
+          </a:p>
+          <a:p>
+            <a:r>
+              <a:rPr lang="en-US" dirty="0" smtClean="0"/>
+              <a:t>(6), (9) </a:t>
+            </a:r>
+            <a:r>
+              <a:rPr lang="cs-CZ" dirty="0" smtClean="0"/>
+              <a:t>Propojka</a:t>
+            </a:r>
+          </a:p>
+          <a:p>
+            <a:r>
+              <a:rPr lang="en-US" dirty="0" smtClean="0"/>
+              <a:t>(7) </a:t>
+            </a:r>
+            <a:r>
+              <a:rPr lang="cs-CZ" dirty="0" smtClean="0"/>
+              <a:t>Konektor pro IR</a:t>
+            </a:r>
+            <a:endParaRPr lang="en-US" dirty="0" smtClean="0"/>
+          </a:p>
+          <a:p>
+            <a:r>
+              <a:rPr lang="en-US" dirty="0" smtClean="0"/>
+              <a:t>(8) </a:t>
+            </a:r>
+            <a:r>
+              <a:rPr lang="cs-CZ" dirty="0" smtClean="0"/>
+              <a:t>Potenciometr</a:t>
+            </a:r>
+          </a:p>
+          <a:p>
+            <a:r>
+              <a:rPr lang="en-US" dirty="0" smtClean="0"/>
+              <a:t>(10) </a:t>
+            </a:r>
+            <a:r>
+              <a:rPr lang="en-US" dirty="0" err="1" smtClean="0"/>
+              <a:t>Konektor</a:t>
+            </a:r>
+            <a:r>
+              <a:rPr lang="en-US" dirty="0" smtClean="0"/>
+              <a:t> pro </a:t>
+            </a:r>
+            <a:r>
+              <a:rPr lang="cs-CZ" dirty="0" smtClean="0"/>
+              <a:t>čidla</a:t>
+            </a:r>
+          </a:p>
+          <a:p>
+            <a:r>
+              <a:rPr lang="cs-CZ" dirty="0" smtClean="0"/>
+              <a:t>(11) Vstupní tlačítka</a:t>
+            </a:r>
+            <a:endParaRPr lang="en-US" dirty="0" smtClean="0"/>
           </a:p>
         </p:txBody>
       </p:sp>
-      <p:sp>
-        <p:nvSpPr>
-          <p:cNvPr id="4" name="Rectangle 3"/>
-          <p:cNvSpPr>
-            <a:spLocks noChangeAspect="1"/>
-          </p:cNvSpPr>
+      <p:pic>
+        <p:nvPicPr>
+          <p:cNvPr id="6" name="Picture 5"/>
+          <p:cNvPicPr>
+            <a:picLocks noChangeAspect="1"/>
+          </p:cNvPicPr>
           <p:nvPr/>
-        </p:nvSpPr>
+        </p:nvPicPr>
+        <p:blipFill>
+          <a:blip r:embed="rId2"/>
+          <a:stretch>
+            <a:fillRect/>
+          </a:stretch>
+        </p:blipFill>
         <p:spPr>
           <a:xfrm>
-            <a:off x="838199" y="1825624"/>
-            <a:ext cx="4351339" cy="4351339"/>
+            <a:off x="665204" y="1430206"/>
+            <a:ext cx="4289855" cy="5228632"/>
           </a:xfrm>
           <a:prstGeom prst="rect">
             <a:avLst/>
           </a:prstGeom>
         </p:spPr>
-        <p:style>
-          <a:lnRef idx="2">
-            <a:schemeClr val="accent2">
-              <a:shade val="50000"/>
-            </a:schemeClr>
-          </a:lnRef>
-          <a:fillRef idx="1">
-            <a:schemeClr val="accent2"/>
-          </a:fillRef>
-          <a:effectRef idx="0">
-            <a:schemeClr val="accent2"/>
-          </a:effectRef>
-          <a:fontRef idx="minor">
-            <a:schemeClr val="lt1"/>
-          </a:fontRef>
-        </p:style>
-        <p:txBody>
-          <a:bodyPr rtlCol="0" anchor="t" anchorCtr="0"/>
-          <a:lstStyle/>
-          <a:p>
-            <a:pPr algn="ctr"/>
-            <a:r>
-              <a:rPr lang="en-US" sz="2800" dirty="0" smtClean="0"/>
-              <a:t>Host</a:t>
-            </a:r>
-            <a:endParaRPr lang="cs-CZ" sz="2800" dirty="0"/>
-          </a:p>
-        </p:txBody>
-      </p:sp>
-      <p:sp>
-        <p:nvSpPr>
-          <p:cNvPr id="5" name="Rectangle 4"/>
-          <p:cNvSpPr>
-            <a:spLocks noChangeAspect="1"/>
-          </p:cNvSpPr>
-          <p:nvPr/>
-        </p:nvSpPr>
-        <p:spPr>
-          <a:xfrm>
-            <a:off x="7002461" y="1825624"/>
-            <a:ext cx="4351339" cy="4351339"/>
-          </a:xfrm>
-          <a:prstGeom prst="rect">
-            <a:avLst/>
-          </a:prstGeom>
-        </p:spPr>
-        <p:style>
-          <a:lnRef idx="2">
-            <a:schemeClr val="accent1">
-              <a:shade val="50000"/>
-            </a:schemeClr>
-          </a:lnRef>
-          <a:fillRef idx="1">
-            <a:schemeClr val="accent1"/>
-          </a:fillRef>
-          <a:effectRef idx="0">
-            <a:schemeClr val="accent1"/>
-          </a:effectRef>
-          <a:fontRef idx="minor">
-            <a:schemeClr val="lt1"/>
-          </a:fontRef>
-        </p:style>
-        <p:txBody>
-          <a:bodyPr rtlCol="0" anchor="t" anchorCtr="0"/>
-          <a:lstStyle/>
-          <a:p>
-            <a:pPr algn="ctr"/>
-            <a:r>
-              <a:rPr lang="en-US" sz="2400" dirty="0" smtClean="0"/>
-              <a:t>Arduino</a:t>
-            </a:r>
-            <a:endParaRPr lang="cs-CZ" sz="2400" dirty="0"/>
-          </a:p>
-        </p:txBody>
-      </p:sp>
-      <p:sp>
-        <p:nvSpPr>
-          <p:cNvPr id="6" name="Rectangle 5"/>
-          <p:cNvSpPr/>
-          <p:nvPr/>
-        </p:nvSpPr>
-        <p:spPr>
-          <a:xfrm>
-            <a:off x="1002188" y="2873532"/>
-            <a:ext cx="4023360" cy="768828"/>
-          </a:xfrm>
-          <a:prstGeom prst="rect">
-            <a:avLst/>
-          </a:prstGeom>
-        </p:spPr>
-        <p:style>
-          <a:lnRef idx="2">
-            <a:schemeClr val="accent6"/>
-          </a:lnRef>
-          <a:fillRef idx="1">
-            <a:schemeClr val="lt1"/>
-          </a:fillRef>
-          <a:effectRef idx="0">
-            <a:schemeClr val="accent6"/>
-          </a:effectRef>
-          <a:fontRef idx="minor">
-            <a:schemeClr val="dk1"/>
-          </a:fontRef>
-        </p:style>
-        <p:txBody>
-          <a:bodyPr rtlCol="0" anchor="ctr"/>
-          <a:lstStyle/>
-          <a:p>
-            <a:pPr algn="ctr"/>
-            <a:r>
-              <a:rPr lang="en-US" sz="2000" dirty="0" smtClean="0"/>
-              <a:t>Sketch *.c</a:t>
-            </a:r>
-            <a:endParaRPr lang="cs-CZ" sz="2000" dirty="0"/>
-          </a:p>
-        </p:txBody>
-      </p:sp>
-      <p:sp>
-        <p:nvSpPr>
-          <p:cNvPr id="7" name="Rectangle 6"/>
-          <p:cNvSpPr/>
-          <p:nvPr/>
-        </p:nvSpPr>
-        <p:spPr>
-          <a:xfrm>
-            <a:off x="1002188" y="5023722"/>
-            <a:ext cx="4023360" cy="768828"/>
-          </a:xfrm>
-          <a:prstGeom prst="rect">
-            <a:avLst/>
-          </a:prstGeom>
-        </p:spPr>
-        <p:style>
-          <a:lnRef idx="2">
-            <a:schemeClr val="accent6"/>
-          </a:lnRef>
-          <a:fillRef idx="1">
-            <a:schemeClr val="lt1"/>
-          </a:fillRef>
-          <a:effectRef idx="0">
-            <a:schemeClr val="accent6"/>
-          </a:effectRef>
-          <a:fontRef idx="minor">
-            <a:schemeClr val="dk1"/>
-          </a:fontRef>
-        </p:style>
-        <p:txBody>
-          <a:bodyPr rtlCol="0" anchor="ctr"/>
-          <a:lstStyle/>
-          <a:p>
-            <a:pPr algn="ctr"/>
-            <a:r>
-              <a:rPr lang="en-US" sz="2000" dirty="0" smtClean="0"/>
-              <a:t>binary code</a:t>
-            </a:r>
-            <a:endParaRPr lang="cs-CZ" sz="2000" dirty="0"/>
-          </a:p>
-        </p:txBody>
-      </p:sp>
-      <p:sp>
-        <p:nvSpPr>
-          <p:cNvPr id="8" name="Rectangle 7"/>
-          <p:cNvSpPr/>
-          <p:nvPr/>
-        </p:nvSpPr>
-        <p:spPr>
-          <a:xfrm>
-            <a:off x="7174388" y="2873532"/>
-            <a:ext cx="4023360" cy="768828"/>
-          </a:xfrm>
-          <a:prstGeom prst="rect">
-            <a:avLst/>
-          </a:prstGeom>
-        </p:spPr>
-        <p:style>
-          <a:lnRef idx="2">
-            <a:schemeClr val="accent6"/>
-          </a:lnRef>
-          <a:fillRef idx="1">
-            <a:schemeClr val="lt1"/>
-          </a:fillRef>
-          <a:effectRef idx="0">
-            <a:schemeClr val="accent6"/>
-          </a:effectRef>
-          <a:fontRef idx="minor">
-            <a:schemeClr val="dk1"/>
-          </a:fontRef>
-        </p:style>
-        <p:txBody>
-          <a:bodyPr rtlCol="0" anchor="ctr"/>
-          <a:lstStyle/>
-          <a:p>
-            <a:pPr algn="ctr"/>
-            <a:r>
-              <a:rPr lang="en-US" sz="2000" dirty="0" smtClean="0"/>
-              <a:t>Bootloader</a:t>
-            </a:r>
-            <a:endParaRPr lang="cs-CZ" sz="2000" dirty="0"/>
-          </a:p>
-        </p:txBody>
-      </p:sp>
-      <p:sp>
-        <p:nvSpPr>
-          <p:cNvPr id="9" name="Rectangle 8"/>
-          <p:cNvSpPr/>
-          <p:nvPr/>
-        </p:nvSpPr>
-        <p:spPr>
-          <a:xfrm>
-            <a:off x="7174388" y="5023722"/>
-            <a:ext cx="4023360" cy="768828"/>
-          </a:xfrm>
-          <a:prstGeom prst="rect">
-            <a:avLst/>
-          </a:prstGeom>
-        </p:spPr>
-        <p:style>
-          <a:lnRef idx="2">
-            <a:schemeClr val="accent6"/>
-          </a:lnRef>
-          <a:fillRef idx="1">
-            <a:schemeClr val="lt1"/>
-          </a:fillRef>
-          <a:effectRef idx="0">
-            <a:schemeClr val="accent6"/>
-          </a:effectRef>
-          <a:fontRef idx="minor">
-            <a:schemeClr val="dk1"/>
-          </a:fontRef>
-        </p:style>
-        <p:txBody>
-          <a:bodyPr rtlCol="0" anchor="ctr"/>
-          <a:lstStyle/>
-          <a:p>
-            <a:pPr algn="ctr"/>
-            <a:r>
-              <a:rPr lang="en-US" sz="2000" dirty="0" smtClean="0"/>
-              <a:t>Flash memory</a:t>
-            </a:r>
-            <a:endParaRPr lang="cs-CZ" sz="2000" dirty="0"/>
-          </a:p>
-        </p:txBody>
-      </p:sp>
-      <p:sp>
-        <p:nvSpPr>
-          <p:cNvPr id="10" name="Down Arrow 9"/>
-          <p:cNvSpPr/>
-          <p:nvPr/>
-        </p:nvSpPr>
-        <p:spPr>
-          <a:xfrm>
-            <a:off x="2771551" y="3843837"/>
-            <a:ext cx="484632" cy="978408"/>
-          </a:xfrm>
-          <a:prstGeom prst="downArrow">
-            <a:avLst/>
-          </a:prstGeom>
-        </p:spPr>
-        <p:style>
-          <a:lnRef idx="2">
-            <a:schemeClr val="accent6"/>
-          </a:lnRef>
-          <a:fillRef idx="1">
-            <a:schemeClr val="lt1"/>
-          </a:fillRef>
-          <a:effectRef idx="0">
-            <a:schemeClr val="accent6"/>
-          </a:effectRef>
-          <a:fontRef idx="minor">
-            <a:schemeClr val="dk1"/>
-          </a:fontRef>
-        </p:style>
-        <p:txBody>
-          <a:bodyPr rtlCol="0" anchor="ctr"/>
-          <a:lstStyle/>
-          <a:p>
-            <a:pPr algn="ctr"/>
-            <a:endParaRPr lang="cs-CZ"/>
-          </a:p>
-        </p:txBody>
-      </p:sp>
-      <p:sp>
-        <p:nvSpPr>
-          <p:cNvPr id="11" name="TextBox 10"/>
-          <p:cNvSpPr txBox="1"/>
-          <p:nvPr/>
-        </p:nvSpPr>
-        <p:spPr>
-          <a:xfrm>
-            <a:off x="3256183" y="3843836"/>
-            <a:ext cx="1175963" cy="461665"/>
-          </a:xfrm>
-          <a:prstGeom prst="rect">
-            <a:avLst/>
-          </a:prstGeom>
-          <a:noFill/>
-        </p:spPr>
-        <p:txBody>
-          <a:bodyPr wrap="none" rtlCol="0">
-            <a:spAutoFit/>
-          </a:bodyPr>
-          <a:lstStyle/>
-          <a:p>
-            <a:r>
-              <a:rPr lang="en-US" sz="2400" dirty="0" smtClean="0"/>
-              <a:t>compile</a:t>
-            </a:r>
-            <a:endParaRPr lang="cs-CZ" sz="2400" dirty="0"/>
-          </a:p>
-        </p:txBody>
-      </p:sp>
-      <p:sp>
-        <p:nvSpPr>
-          <p:cNvPr id="13" name="Down Arrow 12"/>
-          <p:cNvSpPr/>
-          <p:nvPr/>
-        </p:nvSpPr>
-        <p:spPr>
-          <a:xfrm>
-            <a:off x="8943752" y="3843837"/>
-            <a:ext cx="484632" cy="978408"/>
-          </a:xfrm>
-          <a:prstGeom prst="downArrow">
-            <a:avLst/>
-          </a:prstGeom>
-        </p:spPr>
-        <p:style>
-          <a:lnRef idx="2">
-            <a:schemeClr val="accent6"/>
-          </a:lnRef>
-          <a:fillRef idx="1">
-            <a:schemeClr val="lt1"/>
-          </a:fillRef>
-          <a:effectRef idx="0">
-            <a:schemeClr val="accent6"/>
-          </a:effectRef>
-          <a:fontRef idx="minor">
-            <a:schemeClr val="dk1"/>
-          </a:fontRef>
-        </p:style>
-        <p:txBody>
-          <a:bodyPr rtlCol="0" anchor="ctr"/>
-          <a:lstStyle/>
-          <a:p>
-            <a:pPr algn="ctr"/>
-            <a:endParaRPr lang="cs-CZ"/>
-          </a:p>
-        </p:txBody>
-      </p:sp>
-      <p:sp>
-        <p:nvSpPr>
-          <p:cNvPr id="14" name="TextBox 13"/>
-          <p:cNvSpPr txBox="1"/>
-          <p:nvPr/>
-        </p:nvSpPr>
-        <p:spPr>
-          <a:xfrm>
-            <a:off x="9428384" y="3843836"/>
-            <a:ext cx="835357" cy="461665"/>
-          </a:xfrm>
-          <a:prstGeom prst="rect">
-            <a:avLst/>
-          </a:prstGeom>
-          <a:noFill/>
-        </p:spPr>
-        <p:txBody>
-          <a:bodyPr wrap="none" rtlCol="0">
-            <a:spAutoFit/>
-          </a:bodyPr>
-          <a:lstStyle/>
-          <a:p>
-            <a:r>
-              <a:rPr lang="en-US" sz="2400" dirty="0" smtClean="0"/>
-              <a:t>write</a:t>
-            </a:r>
-            <a:endParaRPr lang="cs-CZ" sz="2400" dirty="0"/>
-          </a:p>
-        </p:txBody>
-      </p:sp>
+      </p:pic>
     </p:spTree>
     <p:extLst>
       <p:ext uri="{BB962C8B-B14F-4D97-AF65-F5344CB8AC3E}">
-        <p14:creationId xmlns:p14="http://schemas.microsoft.com/office/powerpoint/2010/main" val="3263944798"/>
+        <p14:creationId xmlns:p14="http://schemas.microsoft.com/office/powerpoint/2010/main" val="4258118586"/>
       </p:ext>
     </p:extLst>
   </p:cSld>
@@ -11404,8 +11043,8 @@
           <a:lstStyle/>
           <a:p>
             <a:r>
-              <a:rPr lang="cs-CZ" dirty="0" smtClean="0"/>
-              <a:t>Arduino IDE</a:t>
+              <a:rPr lang="en-US" dirty="0" err="1" smtClean="0"/>
+              <a:t>Kompilace</a:t>
             </a:r>
             <a:endParaRPr lang="cs-CZ" dirty="0"/>
           </a:p>
@@ -11421,159 +11060,415 @@
             <p:ph idx="1"/>
           </p:nvPr>
         </p:nvSpPr>
+        <p:spPr/>
+        <p:txBody>
+          <a:bodyPr/>
+          <a:lstStyle/>
+          <a:p>
+            <a:endParaRPr lang="cs-CZ"/>
+          </a:p>
+        </p:txBody>
+      </p:sp>
+      <p:sp>
+        <p:nvSpPr>
+          <p:cNvPr id="4" name="Rectangle 3"/>
+          <p:cNvSpPr>
+            <a:spLocks noChangeAspect="1"/>
+          </p:cNvSpPr>
+          <p:nvPr/>
+        </p:nvSpPr>
         <p:spPr>
           <a:xfrm>
-            <a:off x="838200" y="1825625"/>
-            <a:ext cx="7094838" cy="4351338"/>
+            <a:off x="838199" y="1825624"/>
+            <a:ext cx="4351339" cy="4351339"/>
           </a:xfrm>
+          <a:prstGeom prst="rect">
+            <a:avLst/>
+          </a:prstGeom>
+        </p:spPr>
+        <p:style>
+          <a:lnRef idx="2">
+            <a:schemeClr val="accent2">
+              <a:shade val="50000"/>
+            </a:schemeClr>
+          </a:lnRef>
+          <a:fillRef idx="1">
+            <a:schemeClr val="accent2"/>
+          </a:fillRef>
+          <a:effectRef idx="0">
+            <a:schemeClr val="accent2"/>
+          </a:effectRef>
+          <a:fontRef idx="minor">
+            <a:schemeClr val="lt1"/>
+          </a:fontRef>
+        </p:style>
+        <p:txBody>
+          <a:bodyPr rtlCol="0" anchor="t" anchorCtr="0"/>
+          <a:lstStyle/>
+          <a:p>
+            <a:pPr algn="ctr"/>
+            <a:r>
+              <a:rPr lang="en-US" sz="2800" dirty="0" smtClean="0"/>
+              <a:t>Host</a:t>
+            </a:r>
+            <a:endParaRPr lang="cs-CZ" sz="2800" dirty="0"/>
+          </a:p>
+        </p:txBody>
+      </p:sp>
+      <p:sp>
+        <p:nvSpPr>
+          <p:cNvPr id="5" name="Rectangle 4"/>
+          <p:cNvSpPr>
+            <a:spLocks noChangeAspect="1"/>
+          </p:cNvSpPr>
+          <p:nvPr/>
+        </p:nvSpPr>
+        <p:spPr>
+          <a:xfrm>
+            <a:off x="7002461" y="1825624"/>
+            <a:ext cx="4351339" cy="4351339"/>
+          </a:xfrm>
+          <a:prstGeom prst="rect">
+            <a:avLst/>
+          </a:prstGeom>
+        </p:spPr>
+        <p:style>
+          <a:lnRef idx="2">
+            <a:schemeClr val="accent1">
+              <a:shade val="50000"/>
+            </a:schemeClr>
+          </a:lnRef>
+          <a:fillRef idx="1">
+            <a:schemeClr val="accent1"/>
+          </a:fillRef>
+          <a:effectRef idx="0">
+            <a:schemeClr val="accent1"/>
+          </a:effectRef>
+          <a:fontRef idx="minor">
+            <a:schemeClr val="lt1"/>
+          </a:fontRef>
+        </p:style>
+        <p:txBody>
+          <a:bodyPr rtlCol="0" anchor="t" anchorCtr="0"/>
+          <a:lstStyle/>
+          <a:p>
+            <a:pPr algn="ctr"/>
+            <a:r>
+              <a:rPr lang="en-US" sz="2400" dirty="0" smtClean="0"/>
+              <a:t>Arduino</a:t>
+            </a:r>
+            <a:endParaRPr lang="cs-CZ" sz="2400" dirty="0"/>
+          </a:p>
+        </p:txBody>
+      </p:sp>
+      <p:sp>
+        <p:nvSpPr>
+          <p:cNvPr id="6" name="Rectangle 5"/>
+          <p:cNvSpPr/>
+          <p:nvPr/>
+        </p:nvSpPr>
+        <p:spPr>
+          <a:xfrm>
+            <a:off x="1002188" y="2873532"/>
+            <a:ext cx="4023360" cy="768828"/>
+          </a:xfrm>
+          <a:prstGeom prst="rect">
+            <a:avLst/>
+          </a:prstGeom>
+        </p:spPr>
+        <p:style>
+          <a:lnRef idx="2">
+            <a:schemeClr val="accent6"/>
+          </a:lnRef>
+          <a:fillRef idx="1">
+            <a:schemeClr val="lt1"/>
+          </a:fillRef>
+          <a:effectRef idx="0">
+            <a:schemeClr val="accent6"/>
+          </a:effectRef>
+          <a:fontRef idx="minor">
+            <a:schemeClr val="dk1"/>
+          </a:fontRef>
+        </p:style>
+        <p:txBody>
+          <a:bodyPr rtlCol="0" anchor="ctr"/>
+          <a:lstStyle/>
+          <a:p>
+            <a:pPr algn="ctr"/>
+            <a:r>
+              <a:rPr lang="en-US" sz="2000" dirty="0" smtClean="0"/>
+              <a:t>Sketch *.c</a:t>
+            </a:r>
+            <a:endParaRPr lang="cs-CZ" sz="2000" dirty="0"/>
+          </a:p>
+        </p:txBody>
+      </p:sp>
+      <p:sp>
+        <p:nvSpPr>
+          <p:cNvPr id="7" name="Rectangle 6"/>
+          <p:cNvSpPr/>
+          <p:nvPr/>
+        </p:nvSpPr>
+        <p:spPr>
+          <a:xfrm>
+            <a:off x="1002188" y="5023722"/>
+            <a:ext cx="4023360" cy="768828"/>
+          </a:xfrm>
+          <a:prstGeom prst="rect">
+            <a:avLst/>
+          </a:prstGeom>
+        </p:spPr>
+        <p:style>
+          <a:lnRef idx="2">
+            <a:schemeClr val="accent6"/>
+          </a:lnRef>
+          <a:fillRef idx="1">
+            <a:schemeClr val="lt1"/>
+          </a:fillRef>
+          <a:effectRef idx="0">
+            <a:schemeClr val="accent6"/>
+          </a:effectRef>
+          <a:fontRef idx="minor">
+            <a:schemeClr val="dk1"/>
+          </a:fontRef>
+        </p:style>
+        <p:txBody>
+          <a:bodyPr rtlCol="0" anchor="ctr"/>
+          <a:lstStyle/>
+          <a:p>
+            <a:pPr algn="ctr"/>
+            <a:r>
+              <a:rPr lang="en-US" sz="2000" dirty="0" smtClean="0"/>
+              <a:t>binary code</a:t>
+            </a:r>
+            <a:endParaRPr lang="cs-CZ" sz="2000" dirty="0"/>
+          </a:p>
+        </p:txBody>
+      </p:sp>
+      <p:sp>
+        <p:nvSpPr>
+          <p:cNvPr id="8" name="Rectangle 7"/>
+          <p:cNvSpPr/>
+          <p:nvPr/>
+        </p:nvSpPr>
+        <p:spPr>
+          <a:xfrm>
+            <a:off x="7174388" y="2873532"/>
+            <a:ext cx="4023360" cy="768828"/>
+          </a:xfrm>
+          <a:prstGeom prst="rect">
+            <a:avLst/>
+          </a:prstGeom>
+        </p:spPr>
+        <p:style>
+          <a:lnRef idx="2">
+            <a:schemeClr val="accent6"/>
+          </a:lnRef>
+          <a:fillRef idx="1">
+            <a:schemeClr val="lt1"/>
+          </a:fillRef>
+          <a:effectRef idx="0">
+            <a:schemeClr val="accent6"/>
+          </a:effectRef>
+          <a:fontRef idx="minor">
+            <a:schemeClr val="dk1"/>
+          </a:fontRef>
+        </p:style>
+        <p:txBody>
+          <a:bodyPr rtlCol="0" anchor="ctr"/>
+          <a:lstStyle/>
+          <a:p>
+            <a:pPr algn="ctr"/>
+            <a:r>
+              <a:rPr lang="en-US" sz="2000" dirty="0" smtClean="0"/>
+              <a:t>Bootloader</a:t>
+            </a:r>
+            <a:endParaRPr lang="cs-CZ" sz="2000" dirty="0"/>
+          </a:p>
+        </p:txBody>
+      </p:sp>
+      <p:sp>
+        <p:nvSpPr>
+          <p:cNvPr id="9" name="Rectangle 8"/>
+          <p:cNvSpPr/>
+          <p:nvPr/>
+        </p:nvSpPr>
+        <p:spPr>
+          <a:xfrm>
+            <a:off x="7174388" y="5023722"/>
+            <a:ext cx="4023360" cy="768828"/>
+          </a:xfrm>
+          <a:prstGeom prst="rect">
+            <a:avLst/>
+          </a:prstGeom>
+        </p:spPr>
+        <p:style>
+          <a:lnRef idx="2">
+            <a:schemeClr val="accent6"/>
+          </a:lnRef>
+          <a:fillRef idx="1">
+            <a:schemeClr val="lt1"/>
+          </a:fillRef>
+          <a:effectRef idx="0">
+            <a:schemeClr val="accent6"/>
+          </a:effectRef>
+          <a:fontRef idx="minor">
+            <a:schemeClr val="dk1"/>
+          </a:fontRef>
+        </p:style>
+        <p:txBody>
+          <a:bodyPr rtlCol="0" anchor="ctr"/>
+          <a:lstStyle/>
+          <a:p>
+            <a:pPr algn="ctr"/>
+            <a:r>
+              <a:rPr lang="en-US" sz="2000" dirty="0" smtClean="0"/>
+              <a:t>Flash memory</a:t>
+            </a:r>
+            <a:endParaRPr lang="cs-CZ" sz="2000" dirty="0"/>
+          </a:p>
+        </p:txBody>
+      </p:sp>
+      <p:sp>
+        <p:nvSpPr>
+          <p:cNvPr id="10" name="Down Arrow 9"/>
+          <p:cNvSpPr/>
+          <p:nvPr/>
+        </p:nvSpPr>
+        <p:spPr>
+          <a:xfrm>
+            <a:off x="2771551" y="3843837"/>
+            <a:ext cx="484632" cy="978408"/>
+          </a:xfrm>
+          <a:prstGeom prst="downArrow">
+            <a:avLst/>
+          </a:prstGeom>
+        </p:spPr>
+        <p:style>
+          <a:lnRef idx="2">
+            <a:schemeClr val="accent6"/>
+          </a:lnRef>
+          <a:fillRef idx="1">
+            <a:schemeClr val="lt1"/>
+          </a:fillRef>
+          <a:effectRef idx="0">
+            <a:schemeClr val="accent6"/>
+          </a:effectRef>
+          <a:fontRef idx="minor">
+            <a:schemeClr val="dk1"/>
+          </a:fontRef>
+        </p:style>
+        <p:txBody>
+          <a:bodyPr rtlCol="0" anchor="ctr"/>
+          <a:lstStyle/>
+          <a:p>
+            <a:pPr algn="ctr"/>
+            <a:endParaRPr lang="cs-CZ"/>
+          </a:p>
+        </p:txBody>
+      </p:sp>
+      <p:sp>
+        <p:nvSpPr>
+          <p:cNvPr id="11" name="TextBox 10"/>
+          <p:cNvSpPr txBox="1"/>
+          <p:nvPr/>
+        </p:nvSpPr>
+        <p:spPr>
+          <a:xfrm>
+            <a:off x="3256183" y="3843836"/>
+            <a:ext cx="1175963" cy="461665"/>
+          </a:xfrm>
+          <a:prstGeom prst="rect">
+            <a:avLst/>
+          </a:prstGeom>
+          <a:noFill/>
         </p:spPr>
         <p:txBody>
-          <a:bodyPr>
-            <a:normAutofit/>
+          <a:bodyPr wrap="none" rtlCol="0">
+            <a:spAutoFit/>
           </a:bodyPr>
           <a:lstStyle/>
           <a:p>
-            <a:pPr marL="0" indent="0">
-              <a:buNone/>
-            </a:pPr>
-            <a:r>
-              <a:rPr lang="en-US" sz="2000" dirty="0" smtClean="0">
-                <a:latin typeface="Consolas" panose="020B0609020204030204" pitchFamily="49" charset="0"/>
-              </a:rPr>
-              <a:t>void </a:t>
-            </a:r>
-            <a:r>
-              <a:rPr lang="en-US" sz="2000" b="1" dirty="0" smtClean="0">
-                <a:latin typeface="Consolas" panose="020B0609020204030204" pitchFamily="49" charset="0"/>
-              </a:rPr>
-              <a:t>setup()</a:t>
-            </a:r>
-            <a:r>
-              <a:rPr lang="en-US" sz="2000" dirty="0" smtClean="0">
-                <a:latin typeface="Consolas" panose="020B0609020204030204" pitchFamily="49" charset="0"/>
-              </a:rPr>
-              <a:t> {</a:t>
-            </a:r>
-            <a:br>
-              <a:rPr lang="en-US" sz="2000" dirty="0" smtClean="0">
-                <a:latin typeface="Consolas" panose="020B0609020204030204" pitchFamily="49" charset="0"/>
-              </a:rPr>
-            </a:br>
-            <a:r>
-              <a:rPr lang="en-US" sz="2000" dirty="0" smtClean="0">
-                <a:latin typeface="Consolas" panose="020B0609020204030204" pitchFamily="49" charset="0"/>
-              </a:rPr>
-              <a:t>  // put your setup code here, to run once:</a:t>
-            </a:r>
-          </a:p>
-          <a:p>
-            <a:pPr marL="0" indent="0">
-              <a:buNone/>
-            </a:pPr>
-            <a:r>
-              <a:rPr lang="en-US" sz="2000" dirty="0" smtClean="0">
-                <a:latin typeface="Consolas" panose="020B0609020204030204" pitchFamily="49" charset="0"/>
-              </a:rPr>
-              <a:t>}</a:t>
-            </a:r>
-          </a:p>
-          <a:p>
-            <a:pPr marL="0" indent="0">
-              <a:buNone/>
-            </a:pPr>
-            <a:endParaRPr lang="en-US" sz="2000" dirty="0" smtClean="0">
-              <a:latin typeface="Consolas" panose="020B0609020204030204" pitchFamily="49" charset="0"/>
-            </a:endParaRPr>
-          </a:p>
-          <a:p>
-            <a:pPr marL="0" indent="0">
-              <a:buNone/>
-            </a:pPr>
-            <a:r>
-              <a:rPr lang="en-US" sz="2000" dirty="0" smtClean="0">
-                <a:latin typeface="Consolas" panose="020B0609020204030204" pitchFamily="49" charset="0"/>
-              </a:rPr>
-              <a:t>void </a:t>
-            </a:r>
-            <a:r>
-              <a:rPr lang="en-US" sz="2000" b="1" dirty="0" smtClean="0">
-                <a:latin typeface="Consolas" panose="020B0609020204030204" pitchFamily="49" charset="0"/>
-              </a:rPr>
-              <a:t>loop()</a:t>
-            </a:r>
-            <a:r>
-              <a:rPr lang="en-US" sz="2000" dirty="0" smtClean="0">
-                <a:latin typeface="Consolas" panose="020B0609020204030204" pitchFamily="49" charset="0"/>
-              </a:rPr>
-              <a:t> {</a:t>
-            </a:r>
-            <a:r>
-              <a:rPr lang="cs-CZ" sz="2000" dirty="0" smtClean="0">
-                <a:latin typeface="Consolas" panose="020B0609020204030204" pitchFamily="49" charset="0"/>
-              </a:rPr>
-              <a:t/>
-            </a:r>
-            <a:br>
-              <a:rPr lang="cs-CZ" sz="2000" dirty="0" smtClean="0">
-                <a:latin typeface="Consolas" panose="020B0609020204030204" pitchFamily="49" charset="0"/>
-              </a:rPr>
-            </a:br>
-            <a:r>
-              <a:rPr lang="en-US" sz="2000" dirty="0" smtClean="0">
-                <a:latin typeface="Consolas" panose="020B0609020204030204" pitchFamily="49" charset="0"/>
-              </a:rPr>
-              <a:t>  // put your main code here, to run repeatedly:</a:t>
-            </a:r>
-            <a:r>
-              <a:rPr lang="cs-CZ" sz="2000" dirty="0" smtClean="0">
-                <a:latin typeface="Consolas" panose="020B0609020204030204" pitchFamily="49" charset="0"/>
-              </a:rPr>
-              <a:t/>
-            </a:r>
-            <a:br>
-              <a:rPr lang="cs-CZ" sz="2000" dirty="0" smtClean="0">
-                <a:latin typeface="Consolas" panose="020B0609020204030204" pitchFamily="49" charset="0"/>
-              </a:rPr>
-            </a:br>
-            <a:r>
-              <a:rPr lang="cs-CZ" sz="2000" dirty="0" smtClean="0">
-                <a:latin typeface="Consolas" panose="020B0609020204030204" pitchFamily="49" charset="0"/>
-              </a:rPr>
-              <a:t>  </a:t>
-            </a:r>
-            <a:r>
-              <a:rPr lang="en-US" sz="2000" dirty="0" smtClean="0">
-                <a:latin typeface="Consolas" panose="020B0609020204030204" pitchFamily="49" charset="0"/>
-              </a:rPr>
-              <a:t>// called ~1000/s</a:t>
-            </a:r>
-            <a:r>
-              <a:rPr lang="cs-CZ" sz="2000" dirty="0" smtClean="0">
-                <a:latin typeface="Consolas" panose="020B0609020204030204" pitchFamily="49" charset="0"/>
-              </a:rPr>
-              <a:t/>
-            </a:r>
-            <a:br>
-              <a:rPr lang="cs-CZ" sz="2000" dirty="0" smtClean="0">
-                <a:latin typeface="Consolas" panose="020B0609020204030204" pitchFamily="49" charset="0"/>
-              </a:rPr>
-            </a:br>
-            <a:r>
-              <a:rPr lang="en-US" sz="2000" dirty="0" smtClean="0">
-                <a:latin typeface="Consolas" panose="020B0609020204030204" pitchFamily="49" charset="0"/>
-              </a:rPr>
-              <a:t>}</a:t>
-            </a:r>
-            <a:endParaRPr lang="cs-CZ" sz="2000" dirty="0">
-              <a:latin typeface="Consolas" panose="020B0609020204030204" pitchFamily="49" charset="0"/>
-            </a:endParaRPr>
+            <a:r>
+              <a:rPr lang="en-US" sz="2400" dirty="0" smtClean="0"/>
+              <a:t>compile</a:t>
+            </a:r>
+            <a:endParaRPr lang="cs-CZ" sz="2400" dirty="0"/>
+          </a:p>
+        </p:txBody>
+      </p:sp>
+      <p:sp>
+        <p:nvSpPr>
+          <p:cNvPr id="13" name="Down Arrow 12"/>
+          <p:cNvSpPr/>
+          <p:nvPr/>
+        </p:nvSpPr>
+        <p:spPr>
+          <a:xfrm>
+            <a:off x="8943752" y="3843837"/>
+            <a:ext cx="484632" cy="978408"/>
+          </a:xfrm>
+          <a:prstGeom prst="downArrow">
+            <a:avLst/>
+          </a:prstGeom>
+        </p:spPr>
+        <p:style>
+          <a:lnRef idx="2">
+            <a:schemeClr val="accent6"/>
+          </a:lnRef>
+          <a:fillRef idx="1">
+            <a:schemeClr val="lt1"/>
+          </a:fillRef>
+          <a:effectRef idx="0">
+            <a:schemeClr val="accent6"/>
+          </a:effectRef>
+          <a:fontRef idx="minor">
+            <a:schemeClr val="dk1"/>
+          </a:fontRef>
+        </p:style>
+        <p:txBody>
+          <a:bodyPr rtlCol="0" anchor="ctr"/>
+          <a:lstStyle/>
+          <a:p>
+            <a:pPr algn="ctr"/>
+            <a:endParaRPr lang="cs-CZ"/>
+          </a:p>
+        </p:txBody>
+      </p:sp>
+      <p:sp>
+        <p:nvSpPr>
+          <p:cNvPr id="14" name="TextBox 13"/>
+          <p:cNvSpPr txBox="1"/>
+          <p:nvPr/>
+        </p:nvSpPr>
+        <p:spPr>
+          <a:xfrm>
+            <a:off x="9428384" y="3843836"/>
+            <a:ext cx="835357" cy="461665"/>
+          </a:xfrm>
+          <a:prstGeom prst="rect">
+            <a:avLst/>
+          </a:prstGeom>
+          <a:noFill/>
+        </p:spPr>
+        <p:txBody>
+          <a:bodyPr wrap="none" rtlCol="0">
+            <a:spAutoFit/>
+          </a:bodyPr>
+          <a:lstStyle/>
+          <a:p>
+            <a:r>
+              <a:rPr lang="en-US" sz="2400" dirty="0" smtClean="0"/>
+              <a:t>write</a:t>
+            </a:r>
+            <a:endParaRPr lang="cs-CZ" sz="2400" dirty="0"/>
           </a:p>
         </p:txBody>
       </p:sp>
     </p:spTree>
     <p:extLst>
       <p:ext uri="{BB962C8B-B14F-4D97-AF65-F5344CB8AC3E}">
-        <p14:creationId xmlns:p14="http://schemas.microsoft.com/office/powerpoint/2010/main" val="2681179682"/>
+        <p14:creationId xmlns:p14="http://schemas.microsoft.com/office/powerpoint/2010/main" val="3263944798"/>
       </p:ext>
     </p:extLst>
   </p:cSld>
@@ -11665,6 +11560,19 @@
               <a:rPr lang="cs-CZ" dirty="0" smtClean="0"/>
               <a:t>více než 2 stavy)</a:t>
             </a:r>
+            <a:endParaRPr lang="en-US" dirty="0" smtClean="0"/>
+          </a:p>
+          <a:p>
+            <a:r>
+              <a:rPr lang="cs-CZ" dirty="0" smtClean="0"/>
+              <a:t>Nepoužívat </a:t>
+            </a:r>
+            <a:r>
+              <a:rPr lang="cs-CZ" dirty="0" smtClean="0">
+                <a:latin typeface="Consolas" panose="020B0609020204030204" pitchFamily="49" charset="0"/>
+              </a:rPr>
+              <a:t>enum</a:t>
+            </a:r>
           </a:p>
           <a:p>
             <a:endParaRPr lang="en-US" dirty="0" smtClean="0"/>
@@ -11685,7 +11593,7 @@
         </p:nvSpPr>
         <p:spPr>
           <a:xfrm>
-            <a:off x="838200" y="2718924"/>
+            <a:off x="838200" y="3778980"/>
             <a:ext cx="5882910" cy="1754326"/>
           </a:xfrm>
           <a:prstGeom prst="rect">
@@ -12227,10 +12135,236 @@
   <p:clrMapOvr>
     <a:masterClrMapping/>
   </p:clrMapOvr>
+  <p:timing>
+    <p:tnLst>
+      <p:par>
+        <p:cTn id="1" dur="indefinite" restart="never" nodeType="tmRoot"/>
+      </p:par>
+    </p:tnLst>
+  </p:timing>
 </p:sld>
 </file>
 
 <file path=ppt/slides/slide30.xml><?xml version="1.0" encoding="utf-8"?>
+<p:sld xmlns:a="http://schemas.openxmlformats.org/drawingml/2006/main" xmlns:r="http://schemas.openxmlformats.org/officeDocument/2006/relationships" xmlns:p="http://schemas.openxmlformats.org/presentationml/2006/main">
+  <p:cSld>
+    <p:spTree>
+      <p:nvGrpSpPr>
+        <p:cNvPr id="1" name=""/>
+        <p:cNvGrpSpPr/>
+        <p:nvPr/>
+      </p:nvGrpSpPr>
+      <p:grpSpPr>
+        <a:xfrm>
+          <a:off x="0" y="0"/>
+          <a:ext cx="0" cy="0"/>
+          <a:chOff x="0" y="0"/>
+          <a:chExt cx="0" cy="0"/>
+        </a:xfrm>
+      </p:grpSpPr>
+      <p:sp>
+        <p:nvSpPr>
+          <p:cNvPr id="2" name="Title 1"/>
+          <p:cNvSpPr>
+            <a:spLocks noGrp="1"/>
+          </p:cNvSpPr>
+          <p:nvPr>
+            <p:ph type="title"/>
+          </p:nvPr>
+        </p:nvSpPr>
+        <p:spPr/>
+        <p:txBody>
+          <a:bodyPr/>
+          <a:lstStyle/>
+          <a:p>
+            <a:r>
+              <a:rPr lang="cs-CZ" dirty="0" smtClean="0"/>
+              <a:t>Arduino IDE</a:t>
+            </a:r>
+            <a:endParaRPr lang="cs-CZ" dirty="0"/>
+          </a:p>
+        </p:txBody>
+      </p:sp>
+      <p:sp>
+        <p:nvSpPr>
+          <p:cNvPr id="3" name="Content Placeholder 2"/>
+          <p:cNvSpPr>
+            <a:spLocks noGrp="1"/>
+          </p:cNvSpPr>
+          <p:nvPr>
+            <p:ph idx="1"/>
+          </p:nvPr>
+        </p:nvSpPr>
+        <p:spPr>
+          <a:xfrm>
+            <a:off x="838200" y="1825625"/>
+            <a:ext cx="7094838" cy="4351338"/>
+          </a:xfrm>
+        </p:spPr>
+        <p:txBody>
+          <a:bodyPr>
+            <a:normAutofit/>
+          </a:bodyPr>
+          <a:lstStyle/>
+          <a:p>
+            <a:pPr marL="0" indent="0">
+              <a:buNone/>
+            </a:pPr>
+            <a:r>
+              <a:rPr lang="en-US" sz="2000" dirty="0" smtClean="0">
+                <a:latin typeface="Consolas" panose="020B0609020204030204" pitchFamily="49" charset="0"/>
+              </a:rPr>
+              <a:t>void </a:t>
+            </a:r>
+            <a:r>
+              <a:rPr lang="en-US" sz="2000" b="1" dirty="0" smtClean="0">
+                <a:latin typeface="Consolas" panose="020B0609020204030204" pitchFamily="49" charset="0"/>
+              </a:rPr>
+              <a:t>setup()</a:t>
+            </a:r>
+            <a:r>
+              <a:rPr lang="en-US" sz="2000" dirty="0" smtClean="0">
+                <a:latin typeface="Consolas" panose="020B0609020204030204" pitchFamily="49" charset="0"/>
+              </a:rPr>
+              <a:t> {</a:t>
+            </a:r>
+            <a:br>
+              <a:rPr lang="en-US" sz="2000" dirty="0" smtClean="0">
+                <a:latin typeface="Consolas" panose="020B0609020204030204" pitchFamily="49" charset="0"/>
+              </a:rPr>
+            </a:br>
+            <a:r>
+              <a:rPr lang="en-US" sz="2000" dirty="0" smtClean="0">
+                <a:latin typeface="Consolas" panose="020B0609020204030204" pitchFamily="49" charset="0"/>
+              </a:rPr>
+              <a:t>  // put your setup code here, to run once:</a:t>
+            </a:r>
+          </a:p>
+          <a:p>
+            <a:pPr marL="0" indent="0">
+              <a:buNone/>
+            </a:pPr>
+            <a:r>
+              <a:rPr lang="en-US" sz="2000" dirty="0" smtClean="0">
+                <a:latin typeface="Consolas" panose="020B0609020204030204" pitchFamily="49" charset="0"/>
+              </a:rPr>
+              <a:t>}</a:t>
+            </a:r>
+          </a:p>
+          <a:p>
+            <a:pPr marL="0" indent="0">
+              <a:buNone/>
+            </a:pPr>
+            <a:endParaRPr lang="en-US" sz="2000" dirty="0" smtClean="0">
+              <a:latin typeface="Consolas" panose="020B0609020204030204" pitchFamily="49" charset="0"/>
+            </a:endParaRPr>
+          </a:p>
+          <a:p>
+            <a:pPr marL="0" indent="0">
+              <a:buNone/>
+            </a:pPr>
+            <a:r>
+              <a:rPr lang="en-US" sz="2000" dirty="0" smtClean="0">
+                <a:latin typeface="Consolas" panose="020B0609020204030204" pitchFamily="49" charset="0"/>
+              </a:rPr>
+              <a:t>void </a:t>
+            </a:r>
+            <a:r>
+              <a:rPr lang="en-US" sz="2000" b="1" dirty="0" smtClean="0">
+                <a:latin typeface="Consolas" panose="020B0609020204030204" pitchFamily="49" charset="0"/>
+              </a:rPr>
+              <a:t>loop()</a:t>
+            </a:r>
+            <a:r>
+              <a:rPr lang="en-US" sz="2000" dirty="0" smtClean="0">
+                <a:latin typeface="Consolas" panose="020B0609020204030204" pitchFamily="49" charset="0"/>
+              </a:rPr>
+              <a:t> {</a:t>
+            </a:r>
+            <a:r>
+              <a:rPr lang="cs-CZ" sz="2000" dirty="0" smtClean="0">
+                <a:latin typeface="Consolas" panose="020B0609020204030204" pitchFamily="49" charset="0"/>
+              </a:rPr>
+              <a:t/>
+            </a:r>
+            <a:br>
+              <a:rPr lang="cs-CZ" sz="2000" dirty="0" smtClean="0">
+                <a:latin typeface="Consolas" panose="020B0609020204030204" pitchFamily="49" charset="0"/>
+              </a:rPr>
+            </a:br>
+            <a:r>
+              <a:rPr lang="en-US" sz="2000" dirty="0" smtClean="0">
+                <a:latin typeface="Consolas" panose="020B0609020204030204" pitchFamily="49" charset="0"/>
+              </a:rPr>
+              <a:t>  // put your main code here, to run repeatedly:</a:t>
+            </a:r>
+            <a:r>
+              <a:rPr lang="cs-CZ" sz="2000" dirty="0" smtClean="0">
+                <a:latin typeface="Consolas" panose="020B0609020204030204" pitchFamily="49" charset="0"/>
+              </a:rPr>
+              <a:t/>
+            </a:r>
+            <a:br>
+              <a:rPr lang="cs-CZ" sz="2000" dirty="0" smtClean="0">
+                <a:latin typeface="Consolas" panose="020B0609020204030204" pitchFamily="49" charset="0"/>
+              </a:rPr>
+            </a:br>
+            <a:r>
+              <a:rPr lang="cs-CZ" sz="2000" dirty="0" smtClean="0">
+                <a:latin typeface="Consolas" panose="020B0609020204030204" pitchFamily="49" charset="0"/>
+              </a:rPr>
+              <a:t>  </a:t>
+            </a:r>
+            <a:r>
+              <a:rPr lang="en-US" sz="2000" dirty="0" smtClean="0">
+                <a:latin typeface="Consolas" panose="020B0609020204030204" pitchFamily="49" charset="0"/>
+              </a:rPr>
+              <a:t>// called ~1000/s</a:t>
+            </a:r>
+            <a:r>
+              <a:rPr lang="cs-CZ" sz="2000" dirty="0" smtClean="0">
+                <a:latin typeface="Consolas" panose="020B0609020204030204" pitchFamily="49" charset="0"/>
+              </a:rPr>
+              <a:t/>
+            </a:r>
+            <a:br>
+              <a:rPr lang="cs-CZ" sz="2000" dirty="0" smtClean="0">
+                <a:latin typeface="Consolas" panose="020B0609020204030204" pitchFamily="49" charset="0"/>
+              </a:rPr>
+            </a:br>
+            <a:r>
+              <a:rPr lang="en-US" sz="2000" dirty="0" smtClean="0">
+                <a:latin typeface="Consolas" panose="020B0609020204030204" pitchFamily="49" charset="0"/>
+              </a:rPr>
+              <a:t>}</a:t>
+            </a:r>
+            <a:endParaRPr lang="cs-CZ" sz="2000" dirty="0">
+              <a:latin typeface="Consolas" panose="020B0609020204030204" pitchFamily="49" charset="0"/>
+            </a:endParaRPr>
+          </a:p>
+        </p:txBody>
+      </p:sp>
+    </p:spTree>
+    <p:extLst>
+      <p:ext uri="{BB962C8B-B14F-4D97-AF65-F5344CB8AC3E}">
+        <p14:creationId xmlns:p14="http://schemas.microsoft.com/office/powerpoint/2010/main" val="2681179682"/>
+      </p:ext>
+    </p:extLst>
+  </p:cSld>
+  <p:clrMapOvr>
+    <a:masterClrMapping/>
+  </p:clrMapOvr>
+  <p:timing>
+    <p:tnLst>
+      <p:par>
+        <p:cTn id="1" dur="indefinite" restart="never" nodeType="tmRoot"/>
+      </p:par>
+    </p:tnLst>
+  </p:timing>
+</p:sld>
+</file>
+
+<file path=ppt/slides/slide31.xml><?xml version="1.0" encoding="utf-8"?>
 <p:sld xmlns:a="http://schemas.openxmlformats.org/drawingml/2006/main" xmlns:r="http://schemas.openxmlformats.org/officeDocument/2006/relationships" xmlns:p="http://schemas.openxmlformats.org/presentationml/2006/main">
   <p:cSld>
     <p:spTree>
@@ -12608,155 +12742,6 @@
 </p:sld>
 </file>
 
-<file path=ppt/slides/slide31.xml><?xml version="1.0" encoding="utf-8"?>
-<p:sld xmlns:a="http://schemas.openxmlformats.org/drawingml/2006/main" xmlns:r="http://schemas.openxmlformats.org/officeDocument/2006/relationships" xmlns:p="http://schemas.openxmlformats.org/presentationml/2006/main">
-  <p:cSld>
-    <p:spTree>
-      <p:nvGrpSpPr>
-        <p:cNvPr id="1" name=""/>
-        <p:cNvGrpSpPr/>
-        <p:nvPr/>
-      </p:nvGrpSpPr>
-      <p:grpSpPr>
-        <a:xfrm>
-          <a:off x="0" y="0"/>
-          <a:ext cx="0" cy="0"/>
-          <a:chOff x="0" y="0"/>
-          <a:chExt cx="0" cy="0"/>
-        </a:xfrm>
-      </p:grpSpPr>
-      <p:sp>
-        <p:nvSpPr>
-          <p:cNvPr id="2" name="Title 1"/>
-          <p:cNvSpPr>
-            <a:spLocks noGrp="1"/>
-          </p:cNvSpPr>
-          <p:nvPr>
-            <p:ph type="title"/>
-          </p:nvPr>
-        </p:nvSpPr>
-        <p:spPr/>
-        <p:txBody>
-          <a:bodyPr/>
-          <a:lstStyle/>
-          <a:p>
-            <a:r>
-              <a:rPr lang="cs-CZ" dirty="0" smtClean="0"/>
-              <a:t>Dobré </a:t>
-            </a:r>
-            <a:r>
-              <a:rPr lang="en-US" dirty="0" smtClean="0"/>
-              <a:t>p</a:t>
-            </a:r>
-            <a:r>
-              <a:rPr lang="cs-CZ" dirty="0" smtClean="0"/>
-              <a:t>rogramátorské </a:t>
-            </a:r>
-            <a:r>
-              <a:rPr lang="en-US" dirty="0" smtClean="0"/>
-              <a:t>z</a:t>
-            </a:r>
-            <a:r>
-              <a:rPr lang="cs-CZ" dirty="0" smtClean="0"/>
-              <a:t>vyky</a:t>
-            </a:r>
-            <a:endParaRPr lang="cs-CZ" dirty="0"/>
-          </a:p>
-        </p:txBody>
-      </p:sp>
-      <p:sp>
-        <p:nvSpPr>
-          <p:cNvPr id="3" name="Content Placeholder 2"/>
-          <p:cNvSpPr>
-            <a:spLocks noGrp="1"/>
-          </p:cNvSpPr>
-          <p:nvPr>
-            <p:ph idx="1"/>
-          </p:nvPr>
-        </p:nvSpPr>
-        <p:spPr/>
-        <p:txBody>
-          <a:bodyPr/>
-          <a:lstStyle/>
-          <a:p>
-            <a:r>
-              <a:rPr lang="cs-CZ" dirty="0" smtClean="0"/>
-              <a:t>Zapnout warnings</a:t>
-            </a:r>
-            <a:r>
-              <a:rPr lang="en-US" dirty="0" smtClean="0"/>
-              <a:t> p</a:t>
-            </a:r>
-            <a:r>
-              <a:rPr lang="cs-CZ" dirty="0" smtClean="0"/>
-              <a:t>řekladače</a:t>
-            </a:r>
-            <a:endParaRPr lang="en-US" dirty="0" smtClean="0"/>
-          </a:p>
-          <a:p>
-            <a:r>
-              <a:rPr lang="cs-CZ" dirty="0" smtClean="0"/>
-              <a:t>Nepoužívat copy&amp;paste</a:t>
-            </a:r>
-          </a:p>
-          <a:p>
-            <a:pPr lvl="1"/>
-            <a:r>
-              <a:rPr lang="cs-CZ" dirty="0" smtClean="0"/>
-              <a:t>Funkce, pole, ...</a:t>
-            </a:r>
-          </a:p>
-          <a:p>
-            <a:r>
-              <a:rPr lang="cs-CZ" dirty="0" smtClean="0"/>
-              <a:t>Používat konstanty</a:t>
-            </a:r>
-          </a:p>
-          <a:p>
-            <a:pPr lvl="1"/>
-            <a:r>
-              <a:rPr lang="cs-CZ" dirty="0">
-                <a:latin typeface="Consolas" panose="020B0609020204030204" pitchFamily="49" charset="0"/>
-              </a:rPr>
-              <a:t>#include </a:t>
-            </a:r>
-            <a:r>
-              <a:rPr lang="en-US" dirty="0">
-                <a:latin typeface="Consolas" panose="020B0609020204030204" pitchFamily="49" charset="0"/>
-              </a:rPr>
-              <a:t>“</a:t>
-            </a:r>
-            <a:r>
-              <a:rPr lang="cs-CZ" dirty="0">
-                <a:latin typeface="Consolas" panose="020B0609020204030204" pitchFamily="49" charset="0"/>
-              </a:rPr>
-              <a:t>funshield.h</a:t>
-            </a:r>
-            <a:r>
-              <a:rPr lang="en-US" dirty="0" smtClean="0">
-                <a:latin typeface="Consolas" panose="020B0609020204030204" pitchFamily="49" charset="0"/>
-              </a:rPr>
-              <a:t>”</a:t>
-            </a:r>
-            <a:endParaRPr lang="cs-CZ" dirty="0">
-              <a:latin typeface="Consolas" panose="020B0609020204030204" pitchFamily="49" charset="0"/>
-            </a:endParaRPr>
-          </a:p>
-        </p:txBody>
-      </p:sp>
-    </p:spTree>
-    <p:extLst>
-      <p:ext uri="{BB962C8B-B14F-4D97-AF65-F5344CB8AC3E}">
-        <p14:creationId xmlns:p14="http://schemas.microsoft.com/office/powerpoint/2010/main" val="1668811172"/>
-      </p:ext>
-    </p:extLst>
-  </p:cSld>
-  <p:clrMapOvr>
-    <a:masterClrMapping/>
-  </p:clrMapOvr>
-</p:sld>
-</file>
-
 <file path=ppt/slides/slide32.xml><?xml version="1.0" encoding="utf-8"?>
 <p:sld xmlns:a="http://schemas.openxmlformats.org/drawingml/2006/main" xmlns:r="http://schemas.openxmlformats.org/officeDocument/2006/relationships" xmlns:p="http://schemas.openxmlformats.org/presentationml/2006/main">
   <p:cSld>
@@ -12791,7 +12776,23 @@
           <a:p>
             <a:r>
               <a:rPr lang="cs-CZ" dirty="0" smtClean="0"/>
-              <a:t>Úkoly</a:t>
+              <a:t>Dobré </a:t>
+            </a:r>
+            <a:r>
+              <a:rPr lang="en-US" dirty="0" smtClean="0"/>
+              <a:t>p</a:t>
+            </a:r>
+            <a:r>
+              <a:rPr lang="cs-CZ" dirty="0" smtClean="0"/>
+              <a:t>rogramátorské </a:t>
+            </a:r>
+            <a:r>
+              <a:rPr lang="en-US" dirty="0" smtClean="0"/>
+              <a:t>z</a:t>
+            </a:r>
+            <a:r>
+              <a:rPr lang="cs-CZ" dirty="0" smtClean="0"/>
+              <a:t>vyky</a:t>
             </a:r>
             <a:endParaRPr lang="cs-CZ" dirty="0"/>
           </a:p>
@@ -12809,204 +12810,84 @@
         </p:nvSpPr>
         <p:spPr/>
         <p:txBody>
-          <a:bodyPr>
-            <a:normAutofit fontScale="92500" lnSpcReduction="10000"/>
-          </a:bodyPr>
+          <a:bodyPr/>
           <a:lstStyle/>
           <a:p>
-            <a:pPr marL="514350" indent="-514350">
-              <a:buFont typeface="+mj-lt"/>
-              <a:buAutoNum type="arabicPeriod"/>
-            </a:pPr>
             <a:r>
               <a:rPr lang="cs-CZ" dirty="0" smtClean="0"/>
-              <a:t>Inicializovat LEDky</a:t>
+              <a:t>Zapnout warnings</a:t>
+            </a:r>
+            <a:r>
+              <a:rPr lang="en-US" dirty="0" smtClean="0"/>
+              <a:t> p</a:t>
+            </a:r>
+            <a:r>
+              <a:rPr lang="cs-CZ" dirty="0" smtClean="0"/>
+              <a:t>řekladače</a:t>
+            </a:r>
+            <a:endParaRPr lang="en-US" dirty="0" smtClean="0"/>
+          </a:p>
+          <a:p>
+            <a:r>
+              <a:rPr lang="cs-CZ" dirty="0" smtClean="0"/>
+              <a:t>Nepoužívat copy&amp;paste</a:t>
             </a:r>
           </a:p>
           <a:p>
             <a:pPr lvl="1"/>
             <a:r>
-              <a:rPr lang="cs-CZ" dirty="0" smtClean="0">
-                <a:latin typeface="Consolas" panose="020B0609020204030204" pitchFamily="49" charset="0"/>
-              </a:rPr>
-              <a:t>pinMode(pin, OUTPUT</a:t>
-            </a:r>
-            <a:r>
-              <a:rPr lang="en-US" dirty="0" smtClean="0">
-                <a:latin typeface="Consolas" panose="020B0609020204030204" pitchFamily="49" charset="0"/>
-              </a:rPr>
-              <a:t>/INPUT)</a:t>
-            </a:r>
-            <a:endParaRPr lang="cs-CZ" dirty="0" smtClean="0">
+              <a:rPr lang="cs-CZ" dirty="0" smtClean="0"/>
+              <a:t>Funkce, pole, ...</a:t>
+            </a:r>
+          </a:p>
+          <a:p>
+            <a:r>
+              <a:rPr lang="cs-CZ" dirty="0" smtClean="0"/>
+              <a:t>Používat konstanty</a:t>
+            </a:r>
+          </a:p>
+          <a:p>
+            <a:pPr lvl="1"/>
+            <a:r>
+              <a:rPr lang="cs-CZ" dirty="0">
+                <a:latin typeface="Consolas" panose="020B0609020204030204" pitchFamily="49" charset="0"/>
+              </a:rPr>
+              <a:t>#include </a:t>
+            </a:r>
+            <a:r>
+              <a:rPr lang="en-US" dirty="0">
+                <a:latin typeface="Consolas" panose="020B0609020204030204" pitchFamily="49" charset="0"/>
+              </a:rPr>
+              <a:t>“</a:t>
+            </a:r>
+            <a:r>
+              <a:rPr lang="cs-CZ" dirty="0">
+                <a:latin typeface="Consolas" panose="020B0609020204030204" pitchFamily="49" charset="0"/>
+              </a:rPr>
+              <a:t>funshield.h</a:t>
+            </a:r>
+            <a:r>
+              <a:rPr lang="en-US" dirty="0" smtClean="0">
+                <a:latin typeface="Consolas" panose="020B0609020204030204" pitchFamily="49" charset="0"/>
+              </a:rPr>
+              <a:t>”</a:t>
+            </a:r>
+            <a:endParaRPr lang="cs-CZ" dirty="0">
               <a:latin typeface="Consolas" panose="020B0609020204030204" pitchFamily="49" charset="0"/>
             </a:endParaRPr>
-          </a:p>
-          <a:p>
-            <a:pPr marL="514350" indent="-514350">
-              <a:buFont typeface="+mj-lt"/>
-              <a:buAutoNum type="arabicPeriod"/>
-            </a:pPr>
-            <a:r>
-              <a:rPr lang="cs-CZ" dirty="0" smtClean="0"/>
-              <a:t>Blikat vybranou LEDkou</a:t>
-            </a:r>
-            <a:endParaRPr lang="en-US" dirty="0" smtClean="0"/>
-          </a:p>
-          <a:p>
-            <a:pPr lvl="1"/>
-            <a:r>
-              <a:rPr lang="en-US" dirty="0" err="1" smtClean="0">
-                <a:latin typeface="Consolas" panose="020B0609020204030204" pitchFamily="49" charset="0"/>
-              </a:rPr>
-              <a:t>digitalWrite</a:t>
-            </a:r>
-            <a:r>
-              <a:rPr lang="en-US" dirty="0" smtClean="0">
-                <a:latin typeface="Consolas" panose="020B0609020204030204" pitchFamily="49" charset="0"/>
-              </a:rPr>
-              <a:t>(pin, HIGH/LOW)</a:t>
-            </a:r>
-          </a:p>
-          <a:p>
-            <a:pPr lvl="1"/>
-            <a:r>
-              <a:rPr lang="en-US" dirty="0" smtClean="0">
-                <a:latin typeface="Consolas" panose="020B0609020204030204" pitchFamily="49" charset="0"/>
-              </a:rPr>
-              <a:t>delay(</a:t>
-            </a:r>
-            <a:r>
-              <a:rPr lang="en-US" dirty="0" err="1" smtClean="0">
-                <a:latin typeface="Consolas" panose="020B0609020204030204" pitchFamily="49" charset="0"/>
-              </a:rPr>
-              <a:t>ms</a:t>
-            </a:r>
-            <a:r>
-              <a:rPr lang="en-US" dirty="0" smtClean="0">
-                <a:latin typeface="Consolas" panose="020B0609020204030204" pitchFamily="49" charset="0"/>
-              </a:rPr>
-              <a:t>)</a:t>
-            </a:r>
-            <a:endParaRPr lang="cs-CZ" dirty="0" smtClean="0">
-              <a:latin typeface="Consolas" panose="020B0609020204030204" pitchFamily="49" charset="0"/>
-            </a:endParaRPr>
-          </a:p>
-          <a:p>
-            <a:pPr marL="514350" indent="-514350">
-              <a:buFont typeface="+mj-lt"/>
-              <a:buAutoNum type="arabicPeriod"/>
-            </a:pPr>
-            <a:r>
-              <a:rPr lang="cs-CZ" dirty="0"/>
-              <a:t>Blikat všemi </a:t>
-            </a:r>
-            <a:r>
-              <a:rPr lang="cs-CZ" dirty="0" smtClean="0"/>
-              <a:t>ledkami najednou</a:t>
-            </a:r>
-          </a:p>
-          <a:p>
-            <a:pPr lvl="1"/>
-            <a:r>
-              <a:rPr lang="cs-CZ" dirty="0" smtClean="0"/>
-              <a:t>ne C&amp;P (co kdyby LEDek bylo 1M)</a:t>
-            </a:r>
-            <a:endParaRPr lang="en-US" dirty="0" smtClean="0"/>
-          </a:p>
-          <a:p>
-            <a:pPr marL="514350" indent="-514350">
-              <a:buFont typeface="+mj-lt"/>
-              <a:buAutoNum type="arabicPeriod"/>
-            </a:pPr>
-            <a:r>
-              <a:rPr lang="cs-CZ" dirty="0" smtClean="0"/>
-              <a:t>Blikat bez delay</a:t>
-            </a:r>
-            <a:endParaRPr lang="en-US" dirty="0" smtClean="0"/>
-          </a:p>
-          <a:p>
-            <a:pPr lvl="1"/>
-            <a:r>
-              <a:rPr lang="en-US" dirty="0" err="1" smtClean="0">
-                <a:latin typeface="Consolas" panose="020B0609020204030204" pitchFamily="49" charset="0"/>
-              </a:rPr>
-              <a:t>millis</a:t>
-            </a:r>
-            <a:r>
-              <a:rPr lang="en-US" dirty="0" smtClean="0">
-                <a:latin typeface="Consolas" panose="020B0609020204030204" pitchFamily="49" charset="0"/>
-              </a:rPr>
-              <a:t>(</a:t>
-            </a:r>
-            <a:r>
-              <a:rPr lang="en-US" dirty="0" err="1" smtClean="0">
-                <a:latin typeface="Consolas" panose="020B0609020204030204" pitchFamily="49" charset="0"/>
-              </a:rPr>
-              <a:t>ms</a:t>
-            </a:r>
-            <a:r>
-              <a:rPr lang="en-US" dirty="0" smtClean="0">
-                <a:latin typeface="Consolas" panose="020B0609020204030204" pitchFamily="49" charset="0"/>
-              </a:rPr>
-              <a:t>)</a:t>
-            </a:r>
-          </a:p>
-          <a:p>
-            <a:pPr marL="514350" indent="-514350">
-              <a:buFont typeface="+mj-lt"/>
-              <a:buAutoNum type="arabicPeriod"/>
-            </a:pPr>
-            <a:r>
-              <a:rPr lang="en-US" dirty="0" smtClean="0"/>
-              <a:t>H</a:t>
-            </a:r>
-            <a:r>
-              <a:rPr lang="cs-CZ" dirty="0" smtClean="0"/>
-              <a:t>ad délky</a:t>
-            </a:r>
-            <a:r>
-              <a:rPr lang="en-US" dirty="0" smtClean="0"/>
-              <a:t> 2</a:t>
-            </a:r>
-          </a:p>
-          <a:p>
-            <a:pPr marL="514350" indent="-514350">
-              <a:buFont typeface="+mj-lt"/>
-              <a:buAutoNum type="arabicPeriod"/>
-            </a:pPr>
-            <a:r>
-              <a:rPr lang="en-US" dirty="0" smtClean="0"/>
-              <a:t>Had </a:t>
-            </a:r>
-            <a:r>
-              <a:rPr lang="en-US" dirty="0" err="1" smtClean="0"/>
-              <a:t>libovoln</a:t>
-            </a:r>
-            <a:r>
-              <a:rPr lang="cs-CZ" dirty="0" smtClean="0"/>
-              <a:t>é délky</a:t>
-            </a:r>
-            <a:endParaRPr lang="cs-CZ" dirty="0"/>
           </a:p>
         </p:txBody>
       </p:sp>
     </p:spTree>
     <p:extLst>
       <p:ext uri="{BB962C8B-B14F-4D97-AF65-F5344CB8AC3E}">
-        <p14:creationId xmlns:p14="http://schemas.microsoft.com/office/powerpoint/2010/main" val="186425072"/>
+        <p14:creationId xmlns:p14="http://schemas.microsoft.com/office/powerpoint/2010/main" val="1668811172"/>
       </p:ext>
     </p:extLst>
   </p:cSld>
   <p:clrMapOvr>
     <a:masterClrMapping/>
   </p:clrMapOvr>
-  <p:timing>
-    <p:tnLst>
-      <p:par>
-        <p:cTn id="1" dur="indefinite" restart="never" nodeType="tmRoot"/>
-      </p:par>
-    </p:tnLst>
-  </p:timing>
 </p:sld>
 </file>
 
@@ -13044,7 +12925,7 @@
           <a:p>
             <a:r>
               <a:rPr lang="cs-CZ" dirty="0" smtClean="0"/>
-              <a:t>Odkazy</a:t>
+              <a:t>Úkoly</a:t>
             </a:r>
             <a:endParaRPr lang="cs-CZ" dirty="0"/>
           </a:p>
@@ -13062,18 +12943,183 @@
         </p:nvSpPr>
         <p:spPr/>
         <p:txBody>
-          <a:bodyPr/>
+          <a:bodyPr>
+            <a:normAutofit fontScale="92500" lnSpcReduction="10000"/>
+          </a:bodyPr>
           <a:lstStyle/>
           <a:p>
+            <a:pPr marL="514350" indent="-514350">
+              <a:buFont typeface="+mj-lt"/>
+              <a:buAutoNum type="arabicPeriod"/>
+            </a:pPr>
+            <a:r>
+              <a:rPr lang="cs-CZ" dirty="0" smtClean="0"/>
+              <a:t>Inicializovat LEDky</a:t>
+            </a:r>
+          </a:p>
+          <a:p>
+            <a:pPr lvl="1"/>
             <a:r>
               <a:rPr lang="cs-CZ" dirty="0" smtClean="0">
-                <a:hlinkClick r:id="rId2"/>
-              </a:rPr>
-              <a:t>https://www.ksi.mff.cuni.cz/teaching/nswi170-web/#@tab_links</a:t>
-            </a:r>
-            <a:endParaRPr lang="cs-CZ" dirty="0" smtClean="0"/>
-          </a:p>
-          <a:p>
+                <a:latin typeface="Consolas" panose="020B0609020204030204" pitchFamily="49" charset="0"/>
+              </a:rPr>
+              <a:t>pinMode(pin, OUTPUT</a:t>
+            </a:r>
+            <a:r>
+              <a:rPr lang="en-US" dirty="0" smtClean="0">
+                <a:latin typeface="Consolas" panose="020B0609020204030204" pitchFamily="49" charset="0"/>
+              </a:rPr>
+              <a:t>/INPUT)</a:t>
+            </a:r>
+            <a:endParaRPr lang="cs-CZ" dirty="0" smtClean="0">
+              <a:latin typeface="Consolas" panose="020B0609020204030204" pitchFamily="49" charset="0"/>
+            </a:endParaRPr>
+          </a:p>
+          <a:p>
+            <a:pPr marL="514350" indent="-514350">
+              <a:buFont typeface="+mj-lt"/>
+              <a:buAutoNum type="arabicPeriod"/>
+            </a:pPr>
+            <a:r>
+              <a:rPr lang="cs-CZ" dirty="0" smtClean="0"/>
+              <a:t>Blikat vybranou LEDkou</a:t>
+            </a:r>
+            <a:endParaRPr lang="en-US" dirty="0" smtClean="0"/>
+          </a:p>
+          <a:p>
+            <a:pPr lvl="1"/>
+            <a:r>
+              <a:rPr lang="en-US" dirty="0" err="1" smtClean="0">
+                <a:latin typeface="Consolas" panose="020B0609020204030204" pitchFamily="49" charset="0"/>
+              </a:rPr>
+              <a:t>digitalWrite</a:t>
+            </a:r>
+            <a:r>
+              <a:rPr lang="en-US" dirty="0" smtClean="0">
+                <a:latin typeface="Consolas" panose="020B0609020204030204" pitchFamily="49" charset="0"/>
+              </a:rPr>
+              <a:t>(pin, HIGH/LOW)</a:t>
+            </a:r>
+          </a:p>
+          <a:p>
+            <a:pPr lvl="1"/>
+            <a:r>
+              <a:rPr lang="en-US" dirty="0" smtClean="0">
+                <a:latin typeface="Consolas" panose="020B0609020204030204" pitchFamily="49" charset="0"/>
+              </a:rPr>
+              <a:t>delay(</a:t>
+            </a:r>
+            <a:r>
+              <a:rPr lang="en-US" dirty="0" err="1" smtClean="0">
+                <a:latin typeface="Consolas" panose="020B0609020204030204" pitchFamily="49" charset="0"/>
+              </a:rPr>
+              <a:t>ms</a:t>
+            </a:r>
+            <a:r>
+              <a:rPr lang="en-US" dirty="0" smtClean="0">
+                <a:latin typeface="Consolas" panose="020B0609020204030204" pitchFamily="49" charset="0"/>
+              </a:rPr>
+              <a:t>)</a:t>
+            </a:r>
+            <a:endParaRPr lang="cs-CZ" dirty="0" smtClean="0">
+              <a:latin typeface="Consolas" panose="020B0609020204030204" pitchFamily="49" charset="0"/>
+            </a:endParaRPr>
+          </a:p>
+          <a:p>
+            <a:pPr marL="514350" indent="-514350">
+              <a:buFont typeface="+mj-lt"/>
+              <a:buAutoNum type="arabicPeriod"/>
+            </a:pPr>
+            <a:r>
+              <a:rPr lang="cs-CZ" dirty="0"/>
+              <a:t>Blikat všemi </a:t>
+            </a:r>
+            <a:r>
+              <a:rPr lang="cs-CZ" dirty="0" smtClean="0"/>
+              <a:t>ledkami najednou</a:t>
+            </a:r>
+          </a:p>
+          <a:p>
+            <a:pPr lvl="1"/>
+            <a:r>
+              <a:rPr lang="cs-CZ" dirty="0" smtClean="0"/>
+              <a:t>ne C&amp;P (co kdyby LEDek bylo 1M)</a:t>
+            </a:r>
+            <a:endParaRPr lang="en-US" dirty="0" smtClean="0"/>
+          </a:p>
+          <a:p>
+            <a:pPr marL="514350" indent="-514350">
+              <a:buFont typeface="+mj-lt"/>
+              <a:buAutoNum type="arabicPeriod"/>
+            </a:pPr>
+            <a:r>
+              <a:rPr lang="cs-CZ" dirty="0" smtClean="0"/>
+              <a:t>Blikat bez delay</a:t>
+            </a:r>
+            <a:endParaRPr lang="en-US" dirty="0" smtClean="0"/>
+          </a:p>
+          <a:p>
+            <a:pPr lvl="1"/>
+            <a:r>
+              <a:rPr lang="en-US" dirty="0" err="1" smtClean="0">
+                <a:latin typeface="Consolas" panose="020B0609020204030204" pitchFamily="49" charset="0"/>
+              </a:rPr>
+              <a:t>millis</a:t>
+            </a:r>
+            <a:r>
+              <a:rPr lang="en-US" dirty="0" smtClean="0">
+                <a:latin typeface="Consolas" panose="020B0609020204030204" pitchFamily="49" charset="0"/>
+              </a:rPr>
+              <a:t>(</a:t>
+            </a:r>
+            <a:r>
+              <a:rPr lang="en-US" dirty="0" err="1" smtClean="0">
+                <a:latin typeface="Consolas" panose="020B0609020204030204" pitchFamily="49" charset="0"/>
+              </a:rPr>
+              <a:t>ms</a:t>
+            </a:r>
+            <a:r>
+              <a:rPr lang="en-US" dirty="0" smtClean="0">
+                <a:latin typeface="Consolas" panose="020B0609020204030204" pitchFamily="49" charset="0"/>
+              </a:rPr>
+              <a:t>)</a:t>
+            </a:r>
+          </a:p>
+          <a:p>
+            <a:pPr marL="514350" indent="-514350">
+              <a:buFont typeface="+mj-lt"/>
+              <a:buAutoNum type="arabicPeriod"/>
+            </a:pPr>
+            <a:r>
+              <a:rPr lang="en-US" dirty="0" smtClean="0"/>
+              <a:t>H</a:t>
+            </a:r>
+            <a:r>
+              <a:rPr lang="cs-CZ" dirty="0" smtClean="0"/>
+              <a:t>ad délky</a:t>
+            </a:r>
+            <a:r>
+              <a:rPr lang="en-US" dirty="0" smtClean="0"/>
+              <a:t> 2</a:t>
+            </a:r>
+          </a:p>
+          <a:p>
+            <a:pPr marL="514350" indent="-514350">
+              <a:buFont typeface="+mj-lt"/>
+              <a:buAutoNum type="arabicPeriod"/>
+            </a:pPr>
+            <a:r>
+              <a:rPr lang="en-US" dirty="0" smtClean="0"/>
+              <a:t>Had </a:t>
+            </a:r>
+            <a:r>
+              <a:rPr lang="en-US" dirty="0" err="1" smtClean="0"/>
+              <a:t>libovoln</a:t>
+            </a:r>
+            <a:r>
+              <a:rPr lang="cs-CZ" dirty="0" smtClean="0"/>
+              <a:t>é délky</a:t>
+            </a:r>
             <a:endParaRPr lang="cs-CZ" dirty="0"/>
           </a:p>
         </p:txBody>
@@ -13081,7 +13127,7 @@
     </p:spTree>
     <p:extLst>
       <p:ext uri="{BB962C8B-B14F-4D97-AF65-F5344CB8AC3E}">
-        <p14:creationId xmlns:p14="http://schemas.microsoft.com/office/powerpoint/2010/main" val="3680006776"/>
+        <p14:creationId xmlns:p14="http://schemas.microsoft.com/office/powerpoint/2010/main" val="186425072"/>
       </p:ext>
     </p:extLst>
   </p:cSld>
@@ -13125,19 +13171,14 @@
             <p:ph type="title"/>
           </p:nvPr>
         </p:nvSpPr>
-        <p:spPr>
-          <a:xfrm>
-            <a:off x="838200" y="365125"/>
-            <a:ext cx="10515600" cy="907621"/>
-          </a:xfrm>
-        </p:spPr>
+        <p:spPr/>
         <p:txBody>
           <a:bodyPr/>
           <a:lstStyle/>
           <a:p>
             <a:r>
               <a:rPr lang="cs-CZ" dirty="0" smtClean="0"/>
-              <a:t>Komunikace</a:t>
+              <a:t>Odkazy</a:t>
             </a:r>
             <a:endParaRPr lang="cs-CZ" dirty="0"/>
           </a:p>
@@ -13153,100 +13194,28 @@
             <p:ph idx="1"/>
           </p:nvPr>
         </p:nvSpPr>
-        <p:spPr>
-          <a:xfrm>
-            <a:off x="838200" y="1272746"/>
-            <a:ext cx="10515600" cy="4904217"/>
-          </a:xfrm>
-        </p:spPr>
+        <p:spPr/>
         <p:txBody>
-          <a:bodyPr>
-            <a:normAutofit/>
-          </a:bodyPr>
+          <a:bodyPr/>
           <a:lstStyle/>
           <a:p>
-            <a:r>
-              <a:rPr lang="en-US" dirty="0" smtClean="0"/>
-              <a:t>Bu</a:t>
-            </a:r>
-            <a:r>
-              <a:rPr lang="cs-CZ" dirty="0" smtClean="0"/>
-              <a:t>ďte proaktivní</a:t>
-            </a:r>
-            <a:endParaRPr lang="en-US" dirty="0" smtClean="0"/>
-          </a:p>
-          <a:p>
-            <a:r>
-              <a:rPr lang="cs-CZ" dirty="0" smtClean="0"/>
-              <a:t>Web</a:t>
-            </a:r>
-          </a:p>
-          <a:p>
-            <a:pPr lvl="1"/>
-            <a:r>
-              <a:rPr lang="cs-CZ" dirty="0">
-                <a:hlinkClick r:id="rId2"/>
-              </a:rPr>
-              <a:t>https://</a:t>
-            </a:r>
             <a:r>
               <a:rPr lang="cs-CZ" dirty="0" smtClean="0">
                 <a:hlinkClick r:id="rId2"/>
               </a:rPr>
-              <a:t>fan1x.github.io/computer_systems.html</a:t>
+              <a:t>https://www.ksi.mff.cuni.cz/teaching/nswi170-web/#@tab_links</a:t>
             </a:r>
             <a:endParaRPr lang="cs-CZ" dirty="0" smtClean="0"/>
           </a:p>
           <a:p>
-            <a:pPr lvl="1"/>
-            <a:r>
-              <a:rPr lang="cs-CZ" dirty="0">
-                <a:hlinkClick r:id="rId3"/>
-              </a:rPr>
-              <a:t>https://www.ksi.mff.cuni.cz/teaching/nswi170-web</a:t>
-            </a:r>
-            <a:r>
-              <a:rPr lang="cs-CZ" dirty="0" smtClean="0">
-                <a:hlinkClick r:id="rId3"/>
-              </a:rPr>
-              <a:t>/</a:t>
-            </a:r>
             <a:endParaRPr lang="cs-CZ" dirty="0"/>
-          </a:p>
-          <a:p>
-            <a:r>
-              <a:rPr lang="cs-CZ" dirty="0" smtClean="0"/>
-              <a:t>Mattermost</a:t>
-            </a:r>
-          </a:p>
-          <a:p>
-            <a:r>
-              <a:rPr lang="cs-CZ" dirty="0" smtClean="0"/>
-              <a:t>Mail</a:t>
-            </a:r>
-          </a:p>
-          <a:p>
-            <a:r>
-              <a:rPr lang="cs-CZ" dirty="0" smtClean="0"/>
-              <a:t>Zoom </a:t>
-            </a:r>
-            <a:r>
-              <a:rPr lang="cs-CZ" dirty="0" smtClean="0">
-                <a:sym typeface="Wingdings" panose="05000000000000000000" pitchFamily="2" charset="2"/>
-              </a:rPr>
-              <a:t></a:t>
-            </a:r>
-            <a:endParaRPr lang="cs-CZ" dirty="0" smtClean="0"/>
-          </a:p>
-          <a:p>
-            <a:endParaRPr lang="cs-CZ" dirty="0" smtClean="0"/>
           </a:p>
         </p:txBody>
       </p:sp>
     </p:spTree>
     <p:extLst>
       <p:ext uri="{BB962C8B-B14F-4D97-AF65-F5344CB8AC3E}">
-        <p14:creationId xmlns:p14="http://schemas.microsoft.com/office/powerpoint/2010/main" val="279438380"/>
+        <p14:creationId xmlns:p14="http://schemas.microsoft.com/office/powerpoint/2010/main" val="3680006776"/>
       </p:ext>
     </p:extLst>
   </p:cSld>
@@ -13287,178 +13256,55 @@
             <a:spLocks noGrp="1"/>
           </p:cNvSpPr>
           <p:nvPr>
-            <p:ph type="title"/>
+            <p:ph type="ctrTitle"/>
           </p:nvPr>
         </p:nvSpPr>
-        <p:spPr>
-          <a:xfrm>
-            <a:off x="838200" y="365125"/>
-            <a:ext cx="10515600" cy="907621"/>
-          </a:xfrm>
-        </p:spPr>
+        <p:spPr/>
         <p:txBody>
-          <a:bodyPr/>
+          <a:bodyPr>
+            <a:normAutofit/>
+          </a:bodyPr>
           <a:lstStyle/>
           <a:p>
             <a:r>
+              <a:rPr lang="en-US" dirty="0"/>
+              <a:t>1</a:t>
+            </a:r>
+            <a:r>
+              <a:rPr lang="en-US" dirty="0" smtClean="0"/>
+              <a:t>. cvi</a:t>
+            </a:r>
+            <a:r>
               <a:rPr lang="cs-CZ" dirty="0" smtClean="0"/>
-              <a:t>Průběh cvičení</a:t>
-            </a:r>
-            <a:endParaRPr lang="cs-CZ" dirty="0"/>
+              <a:t>čení</a:t>
+            </a:r>
+            <a:endParaRPr lang="cs-CZ" sz="6000" dirty="0"/>
           </a:p>
         </p:txBody>
       </p:sp>
       <p:sp>
         <p:nvSpPr>
-          <p:cNvPr id="3" name="Content Placeholder 2"/>
+          <p:cNvPr id="4" name="Subtitle 3"/>
           <p:cNvSpPr>
             <a:spLocks noGrp="1"/>
           </p:cNvSpPr>
           <p:nvPr>
-            <p:ph idx="1"/>
+            <p:ph type="subTitle" idx="1"/>
           </p:nvPr>
         </p:nvSpPr>
-        <p:spPr>
-          <a:xfrm>
-            <a:off x="838200" y="1272746"/>
-            <a:ext cx="10515600" cy="4904217"/>
-          </a:xfrm>
-        </p:spPr>
+        <p:spPr/>
         <p:txBody>
-          <a:bodyPr>
-            <a:normAutofit fontScale="92500" lnSpcReduction="20000"/>
-          </a:bodyPr>
+          <a:bodyPr/>
           <a:lstStyle/>
           <a:p>
-            <a:r>
-              <a:rPr lang="cs-CZ" dirty="0"/>
-              <a:t>Účel předmětu NSWI170 – Počítačové systémy</a:t>
-            </a:r>
-          </a:p>
-          <a:p>
-            <a:pPr lvl="1"/>
-            <a:r>
-              <a:rPr lang="cs-CZ" dirty="0"/>
-              <a:t>Vysvětlit, co informatik potřebuje vědět o hardware a systémovém software</a:t>
-            </a:r>
-          </a:p>
-          <a:p>
-            <a:pPr lvl="1"/>
-            <a:r>
-              <a:rPr lang="cs-CZ" dirty="0"/>
-              <a:t>Seznámit se s jazykem, který je pravým opakem Pythonu</a:t>
-            </a:r>
-          </a:p>
-          <a:p>
-            <a:pPr lvl="1"/>
-            <a:r>
-              <a:rPr lang="cs-CZ" dirty="0"/>
-              <a:t>Vyzkoušet si programování v těsném kontaktu s hardware</a:t>
-            </a:r>
-          </a:p>
-          <a:p>
-            <a:r>
-              <a:rPr lang="cs-CZ" dirty="0"/>
-              <a:t>Obsah přednášky (</a:t>
-            </a:r>
-            <a:r>
-              <a:rPr lang="en-US" dirty="0"/>
-              <a:t>Jakub </a:t>
-            </a:r>
-            <a:r>
-              <a:rPr lang="en-US" dirty="0" err="1"/>
-              <a:t>Yaghob</a:t>
-            </a:r>
-            <a:r>
-              <a:rPr lang="cs-CZ" dirty="0"/>
-              <a:t> nebo Lubomír Bulej</a:t>
-            </a:r>
-            <a:r>
-              <a:rPr lang="en-US" dirty="0"/>
-              <a:t>)</a:t>
-            </a:r>
-            <a:endParaRPr lang="cs-CZ" dirty="0"/>
-          </a:p>
-          <a:p>
-            <a:pPr lvl="1"/>
-            <a:r>
-              <a:rPr lang="cs-CZ" dirty="0"/>
-              <a:t>1..2 – základy jazyka C</a:t>
-            </a:r>
-          </a:p>
-          <a:p>
-            <a:pPr lvl="1"/>
-            <a:r>
-              <a:rPr lang="cs-CZ" dirty="0"/>
-              <a:t>3..14 – operační systémy, překladače, ...</a:t>
-            </a:r>
-          </a:p>
-          <a:p>
-            <a:r>
-              <a:rPr lang="cs-CZ" dirty="0"/>
-              <a:t>Obsah cvičení</a:t>
-            </a:r>
-          </a:p>
-          <a:p>
-            <a:pPr lvl="1"/>
-            <a:r>
-              <a:rPr lang="cs-CZ" dirty="0"/>
-              <a:t>Předmět je sice 2/2, ale cvičení je pouze jednou za 14 dní</a:t>
-            </a:r>
-          </a:p>
-          <a:p>
-            <a:pPr lvl="2"/>
-            <a:r>
-              <a:rPr lang="cs-CZ" dirty="0"/>
-              <a:t>Druhou dvouhodinu strávíte u domácích úkolů (a vaši učitelé při jejich kontrole)</a:t>
-            </a:r>
-          </a:p>
-          <a:p>
-            <a:pPr lvl="1"/>
-            <a:r>
-              <a:rPr lang="cs-CZ" dirty="0"/>
-              <a:t>1 – první kroky v </a:t>
-            </a:r>
-            <a:r>
-              <a:rPr lang="cs-CZ" dirty="0" smtClean="0"/>
-              <a:t>C</a:t>
-            </a:r>
-            <a:r>
-              <a:rPr lang="en-US" dirty="0" smtClean="0"/>
-              <a:t>++</a:t>
-            </a:r>
-            <a:endParaRPr lang="cs-CZ" dirty="0"/>
-          </a:p>
-          <a:p>
-            <a:pPr lvl="1"/>
-            <a:r>
-              <a:rPr lang="cs-CZ" dirty="0"/>
-              <a:t>2..6 – programování pro Arduino</a:t>
-            </a:r>
-          </a:p>
-          <a:p>
-            <a:r>
-              <a:rPr lang="cs-CZ" dirty="0"/>
-              <a:t>Od třetího týdne přednáška se cvičením nesouvisí</a:t>
-            </a:r>
-          </a:p>
-          <a:p>
-            <a:pPr lvl="1"/>
-            <a:r>
-              <a:rPr lang="cs-CZ" dirty="0"/>
-              <a:t>Ani zápočet se zkouškou</a:t>
-            </a:r>
-            <a:endParaRPr lang="en-US" dirty="0"/>
-          </a:p>
-          <a:p>
-            <a:endParaRPr lang="cs-CZ" dirty="0"/>
+            <a:endParaRPr lang="cs-CZ"/>
           </a:p>
         </p:txBody>
       </p:sp>
     </p:spTree>
     <p:extLst>
       <p:ext uri="{BB962C8B-B14F-4D97-AF65-F5344CB8AC3E}">
-        <p14:creationId xmlns:p14="http://schemas.microsoft.com/office/powerpoint/2010/main" val="1610114891"/>
+        <p14:creationId xmlns:p14="http://schemas.microsoft.com/office/powerpoint/2010/main" val="4221709434"/>
       </p:ext>
     </p:extLst>
   </p:cSld>
@@ -13505,18 +13351,16 @@
         <p:spPr>
           <a:xfrm>
             <a:off x="838200" y="365125"/>
-            <a:ext cx="10515600" cy="685199"/>
+            <a:ext cx="10515600" cy="907621"/>
           </a:xfrm>
         </p:spPr>
         <p:txBody>
-          <a:bodyPr>
-            <a:normAutofit fontScale="90000"/>
-          </a:bodyPr>
+          <a:bodyPr/>
           <a:lstStyle/>
           <a:p>
             <a:r>
               <a:rPr lang="cs-CZ" dirty="0" smtClean="0"/>
-              <a:t>Zápočet</a:t>
+              <a:t>Komunikace</a:t>
             </a:r>
             <a:endParaRPr lang="cs-CZ" dirty="0"/>
           </a:p>
@@ -13534,8 +13378,8 @@
         </p:nvSpPr>
         <p:spPr>
           <a:xfrm>
-            <a:off x="838200" y="1173892"/>
-            <a:ext cx="10515600" cy="5003071"/>
+            <a:off x="838200" y="1272746"/>
+            <a:ext cx="10515600" cy="4904217"/>
           </a:xfrm>
         </p:spPr>
         <p:txBody>
@@ -13546,88 +13390,76 @@
           <a:p>
             <a:r>
               <a:rPr lang="en-US" dirty="0" smtClean="0"/>
-              <a:t>P</a:t>
+              <a:t>Bu</a:t>
             </a:r>
             <a:r>
               <a:rPr lang="cs-CZ" dirty="0" smtClean="0"/>
-              <a:t>řed druhým cvičením (</a:t>
-            </a:r>
-            <a:r>
-              <a:rPr lang="en-US" dirty="0" smtClean="0"/>
-              <a:t>22</a:t>
-            </a:r>
+              <a:t>ďte proaktivní</a:t>
+            </a:r>
+            <a:endParaRPr lang="en-US" dirty="0" smtClean="0"/>
+          </a:p>
+          <a:p>
             <a:r>
               <a:rPr lang="cs-CZ" dirty="0" smtClean="0"/>
-              <a:t>.3.) si zajistěte prostředí k práci</a:t>
+              <a:t>Web</a:t>
             </a:r>
           </a:p>
           <a:p>
             <a:pPr lvl="1"/>
             <a:r>
+              <a:rPr lang="cs-CZ" dirty="0">
+                <a:hlinkClick r:id="rId2"/>
+              </a:rPr>
+              <a:t>https://</a:t>
+            </a:r>
+            <a:r>
               <a:rPr lang="cs-CZ" dirty="0" smtClean="0">
-                <a:solidFill>
-                  <a:srgbClr val="FF0000"/>
-                </a:solidFill>
-              </a:rPr>
-              <a:t>Arduino (v knihovně nebo koupit on-line)</a:t>
-            </a:r>
+                <a:hlinkClick r:id="rId2"/>
+              </a:rPr>
+              <a:t>fan1x.github.io/computer_systems.html</a:t>
+            </a:r>
+            <a:endParaRPr lang="cs-CZ" dirty="0" smtClean="0"/>
           </a:p>
           <a:p>
             <a:pPr lvl="1"/>
             <a:r>
+              <a:rPr lang="cs-CZ" dirty="0">
+                <a:hlinkClick r:id="rId3"/>
+              </a:rPr>
+              <a:t>https://www.ksi.mff.cuni.cz/teaching/nswi170-web</a:t>
+            </a:r>
+            <a:r>
+              <a:rPr lang="cs-CZ" dirty="0" smtClean="0">
+                <a:hlinkClick r:id="rId3"/>
+              </a:rPr>
+              <a:t>/</a:t>
+            </a:r>
+            <a:endParaRPr lang="cs-CZ" dirty="0"/>
+          </a:p>
+          <a:p>
+            <a:r>
               <a:rPr lang="cs-CZ" dirty="0" smtClean="0"/>
-              <a:t>Nainstalujte si na vašem počítači </a:t>
+              <a:t>Mattermost</a:t>
+            </a:r>
+          </a:p>
+          <a:p>
+            <a:r>
+              <a:rPr lang="cs-CZ" dirty="0" smtClean="0"/>
+              <a:t>Mail</a:t>
+            </a:r>
+          </a:p>
+          <a:p>
+            <a:r>
+              <a:rPr lang="cs-CZ" dirty="0" smtClean="0"/>
+              <a:t>Zoom </a:t>
             </a:r>
             <a:r>
               <a:rPr lang="cs-CZ" dirty="0" smtClean="0">
-                <a:solidFill>
-                  <a:srgbClr val="FF0000"/>
-                </a:solidFill>
-              </a:rPr>
-              <a:t>Arduino IDE </a:t>
-            </a:r>
-            <a:r>
-              <a:rPr lang="cs-CZ" dirty="0" smtClean="0"/>
-              <a:t>(pro řešení domácích úkolů)</a:t>
-            </a:r>
-          </a:p>
-          <a:p>
-            <a:r>
-              <a:rPr lang="cs-CZ" dirty="0" smtClean="0"/>
-              <a:t>Na cvičení budou zadávány úlohy</a:t>
-            </a:r>
-          </a:p>
-          <a:p>
-            <a:pPr lvl="1"/>
-            <a:r>
-              <a:rPr lang="cs-CZ" dirty="0" smtClean="0"/>
-              <a:t>Odevzdání do ReCodexu</a:t>
-            </a:r>
-          </a:p>
-          <a:p>
-            <a:pPr lvl="1"/>
-            <a:r>
-              <a:rPr lang="cs-CZ" dirty="0" smtClean="0">
-                <a:solidFill>
-                  <a:srgbClr val="FF0000"/>
-                </a:solidFill>
-              </a:rPr>
-              <a:t>1 týden na řešení</a:t>
-            </a:r>
-          </a:p>
-          <a:p>
-            <a:pPr lvl="1"/>
-            <a:r>
-              <a:rPr lang="cs-CZ" dirty="0" smtClean="0"/>
-              <a:t>Arduinovské úlohy na sebe navazují, řešení tedy budete sami potřebovat</a:t>
-            </a:r>
-          </a:p>
-          <a:p>
-            <a:r>
-              <a:rPr lang="cs-CZ" dirty="0" smtClean="0"/>
-              <a:t>Na šestém cvičení bude zadána hlavní domácí úloha</a:t>
-            </a:r>
-            <a:endParaRPr lang="cs-CZ" dirty="0"/>
+                <a:sym typeface="Wingdings" panose="05000000000000000000" pitchFamily="2" charset="2"/>
+              </a:rPr>
+              <a:t></a:t>
+            </a:r>
+            <a:endParaRPr lang="cs-CZ" dirty="0" smtClean="0"/>
           </a:p>
           <a:p>
             <a:endParaRPr lang="cs-CZ" dirty="0" smtClean="0"/>
@@ -13637,7 +13469,7 @@
     </p:spTree>
     <p:extLst>
       <p:ext uri="{BB962C8B-B14F-4D97-AF65-F5344CB8AC3E}">
-        <p14:creationId xmlns:p14="http://schemas.microsoft.com/office/powerpoint/2010/main" val="1818843186"/>
+        <p14:creationId xmlns:p14="http://schemas.microsoft.com/office/powerpoint/2010/main" val="279438380"/>
       </p:ext>
     </p:extLst>
   </p:cSld>
@@ -13684,18 +13516,16 @@
         <p:spPr>
           <a:xfrm>
             <a:off x="838200" y="365125"/>
-            <a:ext cx="10515600" cy="808767"/>
+            <a:ext cx="10515600" cy="907621"/>
           </a:xfrm>
         </p:spPr>
         <p:txBody>
-          <a:bodyPr>
-            <a:normAutofit/>
-          </a:bodyPr>
+          <a:bodyPr/>
           <a:lstStyle/>
           <a:p>
             <a:r>
               <a:rPr lang="cs-CZ" dirty="0" smtClean="0"/>
-              <a:t>IDE</a:t>
+              <a:t>Průběh cvičení</a:t>
             </a:r>
             <a:endParaRPr lang="cs-CZ" dirty="0"/>
           </a:p>
@@ -13713,143 +13543,145 @@
         </p:nvSpPr>
         <p:spPr>
           <a:xfrm>
-            <a:off x="838200" y="1173892"/>
-            <a:ext cx="10515600" cy="5003071"/>
+            <a:off x="838200" y="1272746"/>
+            <a:ext cx="10515600" cy="4904217"/>
           </a:xfrm>
         </p:spPr>
         <p:txBody>
           <a:bodyPr>
-            <a:normAutofit fontScale="92500" lnSpcReduction="10000"/>
+            <a:normAutofit fontScale="92500" lnSpcReduction="20000"/>
           </a:bodyPr>
           <a:lstStyle/>
           <a:p>
             <a:r>
+              <a:rPr lang="cs-CZ" dirty="0"/>
+              <a:t>Účel předmětu NSWI170 – Počítačové systémy</a:t>
+            </a:r>
+          </a:p>
+          <a:p>
+            <a:pPr lvl="1"/>
+            <a:r>
+              <a:rPr lang="cs-CZ" dirty="0"/>
+              <a:t>Vysvětlit, co informatik potřebuje vědět o hardware a systémovém software</a:t>
+            </a:r>
+          </a:p>
+          <a:p>
+            <a:pPr lvl="1"/>
+            <a:r>
+              <a:rPr lang="cs-CZ" dirty="0"/>
+              <a:t>Seznámit se s jazykem, který je pravým opakem Pythonu</a:t>
+            </a:r>
+          </a:p>
+          <a:p>
+            <a:pPr lvl="1"/>
+            <a:r>
+              <a:rPr lang="cs-CZ" dirty="0"/>
+              <a:t>Vyzkoušet si programování v těsném kontaktu s hardware</a:t>
+            </a:r>
+          </a:p>
+          <a:p>
+            <a:r>
+              <a:rPr lang="cs-CZ" dirty="0"/>
+              <a:t>Obsah přednášky (</a:t>
+            </a:r>
+            <a:r>
+              <a:rPr lang="en-US" dirty="0"/>
+              <a:t>Jakub </a:t>
+            </a:r>
+            <a:r>
+              <a:rPr lang="en-US" dirty="0" err="1"/>
+              <a:t>Yaghob</a:t>
+            </a:r>
+            <a:r>
+              <a:rPr lang="cs-CZ" dirty="0"/>
+              <a:t> nebo Lubomír Bulej</a:t>
+            </a:r>
+            <a:r>
+              <a:rPr lang="en-US" dirty="0"/>
+              <a:t>)</a:t>
+            </a:r>
+            <a:endParaRPr lang="cs-CZ" dirty="0"/>
+          </a:p>
+          <a:p>
+            <a:pPr lvl="1"/>
+            <a:r>
+              <a:rPr lang="cs-CZ" dirty="0"/>
+              <a:t>1..2 – základy jazyka C</a:t>
+            </a:r>
+          </a:p>
+          <a:p>
+            <a:pPr lvl="1"/>
+            <a:r>
+              <a:rPr lang="cs-CZ" dirty="0"/>
+              <a:t>3..14 – operační systémy, překladače, ...</a:t>
+            </a:r>
+          </a:p>
+          <a:p>
+            <a:r>
+              <a:rPr lang="cs-CZ" dirty="0"/>
+              <a:t>Obsah cvičení</a:t>
+            </a:r>
+          </a:p>
+          <a:p>
+            <a:pPr lvl="1"/>
+            <a:r>
+              <a:rPr lang="cs-CZ" dirty="0"/>
+              <a:t>Předmět je sice 2/2, ale cvičení je pouze jednou za 14 dní</a:t>
+            </a:r>
+          </a:p>
+          <a:p>
+            <a:pPr lvl="2"/>
+            <a:r>
+              <a:rPr lang="cs-CZ" dirty="0"/>
+              <a:t>Druhou dvouhodinu strávíte u domácích úkolů (a vaši učitelé při jejich kontrole)</a:t>
+            </a:r>
+          </a:p>
+          <a:p>
+            <a:pPr lvl="1"/>
+            <a:r>
+              <a:rPr lang="cs-CZ" dirty="0"/>
+              <a:t>1 – první kroky v </a:t>
+            </a:r>
+            <a:r>
               <a:rPr lang="cs-CZ" dirty="0" smtClean="0"/>
-              <a:t>V čem tedy budete programovat?</a:t>
-            </a:r>
+              <a:t>C</a:t>
+            </a:r>
+            <a:r>
+              <a:rPr lang="en-US" dirty="0" smtClean="0"/>
+              <a:t>++</a:t>
+            </a:r>
+            <a:endParaRPr lang="cs-CZ" dirty="0"/>
           </a:p>
           <a:p>
             <a:pPr lvl="1"/>
             <a:r>
-              <a:rPr lang="cs-CZ" dirty="0" smtClean="0"/>
-              <a:t>Technicky to bude C++</a:t>
-            </a:r>
-          </a:p>
-          <a:p>
-            <a:pPr lvl="2"/>
-            <a:r>
-              <a:rPr lang="cs-CZ" dirty="0" smtClean="0"/>
-              <a:t>C++ je (téměř) nadmnožina C</a:t>
-            </a:r>
-          </a:p>
-          <a:p>
-            <a:pPr lvl="3"/>
-            <a:r>
-              <a:rPr lang="cs-CZ" dirty="0" smtClean="0"/>
-              <a:t>U některých C-konstrukcí má C++ o něco přísnější pravidla, tím včas odhalíte některé chyby</a:t>
-            </a:r>
-          </a:p>
-          <a:p>
-            <a:pPr lvl="2"/>
-            <a:r>
-              <a:rPr lang="cs-CZ" dirty="0" smtClean="0"/>
-              <a:t>Půjčíme si z C++ několik drobností usnadňujících život</a:t>
-            </a:r>
-          </a:p>
-          <a:p>
-            <a:pPr lvl="3"/>
-            <a:r>
-              <a:rPr lang="cs-CZ" dirty="0" smtClean="0"/>
-              <a:t>Parametry předávané odkazem, prázdné závorky v deklaraci funkce bez parametrů, ...</a:t>
-            </a:r>
-          </a:p>
-          <a:p>
-            <a:pPr lvl="2"/>
-            <a:r>
-              <a:rPr lang="en-US" dirty="0" err="1" smtClean="0"/>
-              <a:t>Slo</a:t>
-            </a:r>
-            <a:r>
-              <a:rPr lang="cs-CZ" dirty="0" smtClean="0"/>
-              <a:t>žitější vlastnosti C++ nejsou v nízkoúrovňovém prostředí příliš užitečné </a:t>
-            </a:r>
-          </a:p>
-          <a:p>
-            <a:pPr lvl="3"/>
-            <a:r>
-              <a:rPr lang="cs-CZ" dirty="0" smtClean="0"/>
-              <a:t>Často ani nejsou dostupné kvůli omezené kapacitě hardware</a:t>
-            </a:r>
-          </a:p>
-          <a:p>
-            <a:r>
-              <a:rPr lang="cs-CZ" dirty="0" smtClean="0"/>
-              <a:t>Kde?</a:t>
+              <a:rPr lang="cs-CZ" dirty="0"/>
+              <a:t>2..6 – programování pro Arduino</a:t>
+            </a:r>
+          </a:p>
+          <a:p>
+            <a:r>
+              <a:rPr lang="cs-CZ" dirty="0"/>
+              <a:t>Od třetího týdne přednáška se cvičením nesouvisí</a:t>
             </a:r>
           </a:p>
           <a:p>
             <a:pPr lvl="1"/>
             <a:r>
-              <a:rPr lang="cs-CZ" dirty="0" smtClean="0"/>
-              <a:t>1. cvičení: </a:t>
-            </a:r>
-            <a:r>
-              <a:rPr lang="cs-CZ" dirty="0" smtClean="0">
-                <a:hlinkClick r:id="rId2"/>
-              </a:rPr>
-              <a:t>coliru.stacked-crooked.com</a:t>
-            </a:r>
-            <a:endParaRPr lang="cs-CZ" dirty="0" smtClean="0"/>
-          </a:p>
-          <a:p>
-            <a:pPr lvl="2"/>
-            <a:r>
-              <a:rPr lang="cs-CZ" dirty="0" smtClean="0"/>
-              <a:t>Webový editor schopný zkompilovat a spustit jednoduchý program v C++</a:t>
-            </a:r>
-          </a:p>
-          <a:p>
-            <a:pPr lvl="2"/>
-            <a:r>
-              <a:rPr lang="cs-CZ" dirty="0" smtClean="0"/>
-              <a:t>Kdo to umí, může používat jakýkoliv jiný editor a překladač C++</a:t>
-            </a:r>
-          </a:p>
-          <a:p>
-            <a:pPr lvl="1"/>
-            <a:r>
-              <a:rPr lang="cs-CZ" dirty="0" smtClean="0"/>
-              <a:t>Zbytek cvičení: Arduino IDE - </a:t>
-            </a:r>
-            <a:r>
-              <a:rPr lang="en-US" dirty="0" smtClean="0">
-                <a:hlinkClick r:id="rId3"/>
-              </a:rPr>
-              <a:t>www.arduino.cc/en/main/software</a:t>
-            </a:r>
-            <a:endParaRPr lang="cs-CZ" dirty="0" smtClean="0"/>
-          </a:p>
-          <a:p>
-            <a:pPr lvl="2"/>
-            <a:r>
-              <a:rPr lang="cs-CZ" dirty="0" smtClean="0"/>
-              <a:t>Aplikace pro Windows/Linux/MacOS</a:t>
-            </a:r>
-          </a:p>
-          <a:p>
-            <a:pPr lvl="2"/>
-            <a:r>
-              <a:rPr lang="cs-CZ" dirty="0" smtClean="0"/>
-              <a:t>Editor, překladač, dálkový (USB) ovladač Arduina</a:t>
-            </a:r>
-            <a:endParaRPr lang="en-US" dirty="0" smtClean="0"/>
+              <a:rPr lang="cs-CZ" dirty="0"/>
+              <a:t>Ani zápočet se zkouškou</a:t>
+            </a:r>
+            <a:endParaRPr lang="en-US" dirty="0"/>
+          </a:p>
+          <a:p>
+            <a:endParaRPr lang="cs-CZ" dirty="0"/>
           </a:p>
         </p:txBody>
       </p:sp>
     </p:spTree>
     <p:extLst>
       <p:ext uri="{BB962C8B-B14F-4D97-AF65-F5344CB8AC3E}">
-        <p14:creationId xmlns:p14="http://schemas.microsoft.com/office/powerpoint/2010/main" val="88266821"/>
+        <p14:creationId xmlns:p14="http://schemas.microsoft.com/office/powerpoint/2010/main" val="1610114891"/>
       </p:ext>
     </p:extLst>
   </p:cSld>
@@ -13893,22 +13725,23 @@
             <p:ph type="title"/>
           </p:nvPr>
         </p:nvSpPr>
-        <p:spPr/>
+        <p:spPr>
+          <a:xfrm>
+            <a:off x="838200" y="365125"/>
+            <a:ext cx="10515600" cy="685199"/>
+          </a:xfrm>
+        </p:spPr>
         <p:txBody>
-          <a:bodyPr/>
+          <a:bodyPr>
+            <a:normAutofit fontScale="90000"/>
+          </a:bodyPr>
           <a:lstStyle/>
           <a:p>
             <a:r>
-              <a:rPr lang="cs-CZ" smtClean="0"/>
-              <a:t>Čas na hraní </a:t>
-            </a:r>
-            <a:r>
-              <a:rPr lang="cs-CZ" smtClean="0">
-                <a:sym typeface="Wingdings" panose="05000000000000000000" pitchFamily="2" charset="2"/>
-              </a:rPr>
-              <a:t></a:t>
-            </a:r>
-            <a:endParaRPr lang="cs-CZ"/>
+              <a:rPr lang="cs-CZ" dirty="0" smtClean="0"/>
+              <a:t>Zápočet</a:t>
+            </a:r>
+            <a:endParaRPr lang="cs-CZ" dirty="0"/>
           </a:p>
         </p:txBody>
       </p:sp>
@@ -13922,25 +13755,125 @@
             <p:ph idx="1"/>
           </p:nvPr>
         </p:nvSpPr>
-        <p:spPr/>
+        <p:spPr>
+          <a:xfrm>
+            <a:off x="838200" y="1173892"/>
+            <a:ext cx="10515600" cy="5003071"/>
+          </a:xfrm>
+        </p:spPr>
         <p:txBody>
-          <a:bodyPr/>
+          <a:bodyPr>
+            <a:normAutofit/>
+          </a:bodyPr>
           <a:lstStyle/>
           <a:p>
-            <a:endParaRPr lang="cs-CZ"/>
+            <a:r>
+              <a:rPr lang="en-US" dirty="0" smtClean="0"/>
+              <a:t>P</a:t>
+            </a:r>
+            <a:r>
+              <a:rPr lang="cs-CZ" dirty="0" smtClean="0"/>
+              <a:t>řed druhým cvičením (</a:t>
+            </a:r>
+            <a:r>
+              <a:rPr lang="en-US" dirty="0" smtClean="0"/>
+              <a:t>22</a:t>
+            </a:r>
+            <a:r>
+              <a:rPr lang="cs-CZ" dirty="0" smtClean="0"/>
+              <a:t>.3.) si zajistěte prostředí k práci</a:t>
+            </a:r>
+          </a:p>
+          <a:p>
+            <a:pPr lvl="1"/>
+            <a:r>
+              <a:rPr lang="cs-CZ" dirty="0" smtClean="0">
+                <a:solidFill>
+                  <a:srgbClr val="FF0000"/>
+                </a:solidFill>
+              </a:rPr>
+              <a:t>Arduino (v knihovně nebo koupit on-line)</a:t>
+            </a:r>
+          </a:p>
+          <a:p>
+            <a:pPr lvl="1"/>
+            <a:r>
+              <a:rPr lang="cs-CZ" dirty="0" smtClean="0"/>
+              <a:t>Nainstalujte si na vašem počítači </a:t>
+            </a:r>
+            <a:r>
+              <a:rPr lang="cs-CZ" dirty="0" smtClean="0">
+                <a:solidFill>
+                  <a:srgbClr val="FF0000"/>
+                </a:solidFill>
+              </a:rPr>
+              <a:t>Arduino IDE </a:t>
+            </a:r>
+            <a:r>
+              <a:rPr lang="cs-CZ" dirty="0" smtClean="0"/>
+              <a:t>(pro řešení domácích úkolů)</a:t>
+            </a:r>
+          </a:p>
+          <a:p>
+            <a:r>
+              <a:rPr lang="cs-CZ" dirty="0" smtClean="0"/>
+              <a:t>Na cvičení budou zadávány úlohy</a:t>
+            </a:r>
+          </a:p>
+          <a:p>
+            <a:pPr lvl="1"/>
+            <a:r>
+              <a:rPr lang="cs-CZ" dirty="0" smtClean="0"/>
+              <a:t>Odevzdání do ReCodexu</a:t>
+            </a:r>
+          </a:p>
+          <a:p>
+            <a:pPr lvl="1"/>
+            <a:r>
+              <a:rPr lang="cs-CZ" dirty="0" smtClean="0">
+                <a:solidFill>
+                  <a:srgbClr val="FF0000"/>
+                </a:solidFill>
+              </a:rPr>
+              <a:t>1 týden na řešení</a:t>
+            </a:r>
+          </a:p>
+          <a:p>
+            <a:pPr lvl="1"/>
+            <a:r>
+              <a:rPr lang="cs-CZ" dirty="0" smtClean="0"/>
+              <a:t>Arduinovské úlohy na sebe navazují, řešení tedy budete sami potřebovat</a:t>
+            </a:r>
+          </a:p>
+          <a:p>
+            <a:r>
+              <a:rPr lang="cs-CZ" dirty="0" smtClean="0"/>
+              <a:t>Na šestém cvičení bude zadána hlavní domácí úloha</a:t>
+            </a:r>
+            <a:endParaRPr lang="cs-CZ" dirty="0"/>
+          </a:p>
+          <a:p>
+            <a:endParaRPr lang="cs-CZ" dirty="0" smtClean="0"/>
           </a:p>
         </p:txBody>
       </p:sp>
     </p:spTree>
     <p:extLst>
       <p:ext uri="{BB962C8B-B14F-4D97-AF65-F5344CB8AC3E}">
-        <p14:creationId xmlns:p14="http://schemas.microsoft.com/office/powerpoint/2010/main" val="1770327375"/>
+        <p14:creationId xmlns:p14="http://schemas.microsoft.com/office/powerpoint/2010/main" val="1818843186"/>
       </p:ext>
     </p:extLst>
   </p:cSld>
   <p:clrMapOvr>
     <a:masterClrMapping/>
   </p:clrMapOvr>
+  <p:timing>
+    <p:tnLst>
+      <p:par>
+        <p:cTn id="1" dur="indefinite" restart="never" nodeType="tmRoot"/>
+      </p:par>
+    </p:tnLst>
+  </p:timing>
 </p:sld>
 </file>
 
@@ -13984,8 +13917,8 @@
           <a:lstStyle/>
           <a:p>
             <a:r>
-              <a:rPr lang="en-US" dirty="0" smtClean="0"/>
-              <a:t>Hello World </a:t>
+              <a:rPr lang="cs-CZ" dirty="0" smtClean="0"/>
+              <a:t>IDE</a:t>
             </a:r>
             <a:endParaRPr lang="cs-CZ" dirty="0"/>
           </a:p>
@@ -14009,120 +13942,137 @@
         </p:spPr>
         <p:txBody>
           <a:bodyPr>
-            <a:normAutofit/>
+            <a:normAutofit fontScale="92500" lnSpcReduction="10000"/>
           </a:bodyPr>
           <a:lstStyle/>
           <a:p>
-            <a:pPr marL="0" indent="0">
-              <a:buNone/>
-            </a:pPr>
-            <a:r>
-              <a:rPr lang="en-US" dirty="0" smtClean="0">
-                <a:latin typeface="Consolas" panose="020B0609020204030204" pitchFamily="49" charset="0"/>
-              </a:rPr>
-              <a:t>#include &lt;</a:t>
+            <a:r>
+              <a:rPr lang="cs-CZ" dirty="0" smtClean="0"/>
+              <a:t>V čem tedy budete programovat?</a:t>
+            </a:r>
+          </a:p>
+          <a:p>
+            <a:pPr lvl="1"/>
+            <a:r>
+              <a:rPr lang="cs-CZ" dirty="0" smtClean="0"/>
+              <a:t>Technicky to bude C++</a:t>
+            </a:r>
+          </a:p>
+          <a:p>
+            <a:pPr lvl="2"/>
+            <a:r>
+              <a:rPr lang="cs-CZ" dirty="0" smtClean="0"/>
+              <a:t>C++ je (téměř) nadmnožina C</a:t>
+            </a:r>
+          </a:p>
+          <a:p>
+            <a:pPr lvl="3"/>
+            <a:r>
+              <a:rPr lang="cs-CZ" dirty="0" smtClean="0"/>
+              <a:t>U některých C-konstrukcí má C++ o něco přísnější pravidla, tím včas odhalíte některé chyby</a:t>
+            </a:r>
+          </a:p>
+          <a:p>
+            <a:pPr lvl="2"/>
+            <a:r>
+              <a:rPr lang="cs-CZ" dirty="0" smtClean="0"/>
+              <a:t>Půjčíme si z C++ několik drobností usnadňujících život</a:t>
+            </a:r>
+          </a:p>
+          <a:p>
+            <a:pPr lvl="3"/>
+            <a:r>
+              <a:rPr lang="cs-CZ" dirty="0" smtClean="0"/>
+              <a:t>Parametry předávané odkazem, prázdné závorky v deklaraci funkce bez parametrů, ...</a:t>
+            </a:r>
+          </a:p>
+          <a:p>
+            <a:pPr lvl="2"/>
+            <a:r>
+              <a:rPr lang="en-US" dirty="0" err="1" smtClean="0"/>
+              <a:t>Slo</a:t>
+            </a:r>
+            <a:r>
+              <a:rPr lang="cs-CZ" dirty="0" smtClean="0"/>
+              <a:t>žitější vlastnosti C++ nejsou v nízkoúrovňovém prostředí příliš užitečné </a:t>
+            </a:r>
+          </a:p>
+          <a:p>
+            <a:pPr lvl="3"/>
+            <a:r>
+              <a:rPr lang="cs-CZ" dirty="0" smtClean="0"/>
+              <a:t>Často ani nejsou dostupné kvůli omezené kapacitě hardware</a:t>
+            </a:r>
+          </a:p>
+          <a:p>
+            <a:r>
+              <a:rPr lang="cs-CZ" dirty="0" smtClean="0"/>
+              <a:t>Kde?</a:t>
+            </a:r>
+          </a:p>
+          <a:p>
+            <a:pPr lvl="1"/>
+            <a:r>
+              <a:rPr lang="cs-CZ" dirty="0" smtClean="0"/>
+              <a:t>1. cvičení: </a:t>
             </a:r>
             <a:r>
               <a:rPr lang="cs-CZ" dirty="0" smtClean="0">
-                <a:latin typeface="Consolas" panose="020B0609020204030204" pitchFamily="49" charset="0"/>
-              </a:rPr>
-              <a:t>c</a:t>
-            </a:r>
-            <a:r>
-              <a:rPr lang="en-US" dirty="0" err="1" smtClean="0">
-                <a:latin typeface="Consolas" panose="020B0609020204030204" pitchFamily="49" charset="0"/>
-              </a:rPr>
-              <a:t>stdio</a:t>
-            </a:r>
-            <a:r>
-              <a:rPr lang="en-US" dirty="0" smtClean="0">
-                <a:latin typeface="Consolas" panose="020B0609020204030204" pitchFamily="49" charset="0"/>
-              </a:rPr>
-              <a:t>&gt;</a:t>
-            </a:r>
-            <a:br>
-              <a:rPr lang="en-US" dirty="0" smtClean="0">
-                <a:latin typeface="Consolas" panose="020B0609020204030204" pitchFamily="49" charset="0"/>
-              </a:rPr>
-            </a:br>
-            <a:r>
-              <a:rPr lang="en-US" dirty="0" smtClean="0">
-                <a:latin typeface="Consolas" panose="020B0609020204030204" pitchFamily="49" charset="0"/>
-              </a:rPr>
-              <a:t/>
-            </a:r>
-            <a:br>
-              <a:rPr lang="en-US" dirty="0" smtClean="0">
-                <a:latin typeface="Consolas" panose="020B0609020204030204" pitchFamily="49" charset="0"/>
-              </a:rPr>
-            </a:br>
-            <a:r>
-              <a:rPr lang="en-US" dirty="0" err="1" smtClean="0">
-                <a:latin typeface="Consolas" panose="020B0609020204030204" pitchFamily="49" charset="0"/>
-              </a:rPr>
-              <a:t>int</a:t>
-            </a:r>
-            <a:r>
-              <a:rPr lang="en-US" dirty="0" smtClean="0">
-                <a:latin typeface="Consolas" panose="020B0609020204030204" pitchFamily="49" charset="0"/>
-              </a:rPr>
-              <a:t> main()</a:t>
-            </a:r>
-            <a:br>
-              <a:rPr lang="en-US" dirty="0" smtClean="0">
-                <a:latin typeface="Consolas" panose="020B0609020204030204" pitchFamily="49" charset="0"/>
-              </a:rPr>
-            </a:br>
-            <a:r>
-              <a:rPr lang="en-US" dirty="0" smtClean="0">
-                <a:latin typeface="Consolas" panose="020B0609020204030204" pitchFamily="49" charset="0"/>
-              </a:rPr>
-              <a:t>{</a:t>
-            </a:r>
-            <a:br>
-              <a:rPr lang="en-US" dirty="0" smtClean="0">
-                <a:latin typeface="Consolas" panose="020B0609020204030204" pitchFamily="49" charset="0"/>
-              </a:rPr>
-            </a:br>
-            <a:r>
-              <a:rPr lang="en-US" dirty="0" smtClean="0">
-                <a:latin typeface="Consolas" panose="020B0609020204030204" pitchFamily="49" charset="0"/>
-              </a:rPr>
-              <a:t>    </a:t>
-            </a:r>
-            <a:r>
-              <a:rPr lang="en-US" dirty="0" err="1" smtClean="0">
-                <a:latin typeface="Consolas" panose="020B0609020204030204" pitchFamily="49" charset="0"/>
-              </a:rPr>
-              <a:t>printf</a:t>
-            </a:r>
-            <a:r>
-              <a:rPr lang="en-US" dirty="0" smtClean="0">
-                <a:latin typeface="Consolas" panose="020B0609020204030204" pitchFamily="49" charset="0"/>
-              </a:rPr>
-              <a:t>("Hello World :)\n");</a:t>
-            </a:r>
-            <a:br>
-              <a:rPr lang="en-US" dirty="0" smtClean="0">
-                <a:latin typeface="Consolas" panose="020B0609020204030204" pitchFamily="49" charset="0"/>
-              </a:rPr>
-            </a:br>
-            <a:r>
-              <a:rPr lang="en-US" dirty="0" smtClean="0">
-                <a:latin typeface="Consolas" panose="020B0609020204030204" pitchFamily="49" charset="0"/>
-              </a:rPr>
-              <a:t>}</a:t>
-            </a:r>
-            <a:endParaRPr lang="cs-CZ" dirty="0">
-              <a:latin typeface="Consolas" panose="020B0609020204030204" pitchFamily="49" charset="0"/>
-            </a:endParaRPr>
+                <a:hlinkClick r:id="rId2"/>
+              </a:rPr>
+              <a:t>coliru.stacked-crooked.com</a:t>
+            </a:r>
+            <a:endParaRPr lang="cs-CZ" dirty="0" smtClean="0"/>
+          </a:p>
+          <a:p>
+            <a:pPr lvl="2"/>
+            <a:r>
+              <a:rPr lang="cs-CZ" dirty="0" smtClean="0"/>
+              <a:t>Webový editor schopný zkompilovat a spustit jednoduchý program v C++</a:t>
+            </a:r>
+          </a:p>
+          <a:p>
+            <a:pPr lvl="2"/>
+            <a:r>
+              <a:rPr lang="cs-CZ" dirty="0" smtClean="0"/>
+              <a:t>Kdo to umí, může používat jakýkoliv jiný editor a překladač C++</a:t>
+            </a:r>
+          </a:p>
+          <a:p>
+            <a:pPr lvl="1"/>
+            <a:r>
+              <a:rPr lang="cs-CZ" dirty="0" smtClean="0"/>
+              <a:t>Zbytek cvičení: Arduino IDE - </a:t>
+            </a:r>
+            <a:r>
+              <a:rPr lang="en-US" dirty="0" smtClean="0">
+                <a:hlinkClick r:id="rId3"/>
+              </a:rPr>
+              <a:t>www.arduino.cc/en/main/software</a:t>
+            </a:r>
+            <a:endParaRPr lang="cs-CZ" dirty="0" smtClean="0"/>
+          </a:p>
+          <a:p>
+            <a:pPr lvl="2"/>
+            <a:r>
+              <a:rPr lang="cs-CZ" dirty="0" smtClean="0"/>
+              <a:t>Aplikace pro Windows/Linux/MacOS</a:t>
+            </a:r>
+          </a:p>
+          <a:p>
+            <a:pPr lvl="2"/>
+            <a:r>
+              <a:rPr lang="cs-CZ" dirty="0" smtClean="0"/>
+              <a:t>Editor, překladač, dálkový (USB) ovladač Arduina</a:t>
+            </a:r>
+            <a:endParaRPr lang="en-US" dirty="0" smtClean="0"/>
           </a:p>
         </p:txBody>
       </p:sp>
     </p:spTree>
     <p:extLst>
       <p:ext uri="{BB962C8B-B14F-4D97-AF65-F5344CB8AC3E}">
-        <p14:creationId xmlns:p14="http://schemas.microsoft.com/office/powerpoint/2010/main" val="1330036714"/>
+        <p14:creationId xmlns:p14="http://schemas.microsoft.com/office/powerpoint/2010/main" val="88266821"/>
       </p:ext>
     </p:extLst>
   </p:cSld>
@@ -14318,6 +14268,13 @@
       <p:transition spd="slow"/>
     </mc:Fallback>
   </mc:AlternateContent>
+  <p:timing>
+    <p:tnLst>
+      <p:par>
+        <p:cTn id="1" dur="indefinite" restart="never" nodeType="tmRoot"/>
+      </p:par>
+    </p:tnLst>
+  </p:timing>
 </p:sld>
 </file>
 
@@ -14348,27 +14305,22 @@
             <p:ph type="title"/>
           </p:nvPr>
         </p:nvSpPr>
-        <p:spPr>
-          <a:xfrm>
-            <a:off x="838200" y="365125"/>
-            <a:ext cx="10515600" cy="808767"/>
-          </a:xfrm>
-        </p:spPr>
+        <p:spPr/>
         <p:txBody>
-          <a:bodyPr>
-            <a:normAutofit/>
-          </a:bodyPr>
+          <a:bodyPr/>
           <a:lstStyle/>
           <a:p>
             <a:r>
-              <a:rPr lang="cs-CZ" dirty="0" smtClean="0"/>
-              <a:t>Tajemná funkce 1</a:t>
-            </a:r>
-            <a:r>
-              <a:rPr lang="en-US" dirty="0" smtClean="0"/>
-              <a:t> </a:t>
-            </a:r>
-            <a:endParaRPr lang="cs-CZ" dirty="0"/>
+              <a:rPr lang="cs-CZ" smtClean="0"/>
+              <a:t>Čas na hraní </a:t>
+            </a:r>
+            <a:r>
+              <a:rPr lang="cs-CZ" smtClean="0">
+                <a:sym typeface="Wingdings" panose="05000000000000000000" pitchFamily="2" charset="2"/>
+              </a:rPr>
+              <a:t></a:t>
+            </a:r>
+            <a:endParaRPr lang="cs-CZ"/>
           </a:p>
         </p:txBody>
       </p:sp>
@@ -14382,209 +14334,25 @@
             <p:ph idx="1"/>
           </p:nvPr>
         </p:nvSpPr>
-        <p:spPr>
-          <a:xfrm>
-            <a:off x="838200" y="1173892"/>
-            <a:ext cx="10515600" cy="5003071"/>
-          </a:xfrm>
-        </p:spPr>
+        <p:spPr/>
         <p:txBody>
-          <a:bodyPr>
-            <a:normAutofit fontScale="55000" lnSpcReduction="20000"/>
-          </a:bodyPr>
+          <a:bodyPr/>
           <a:lstStyle/>
           <a:p>
-            <a:pPr marL="0" indent="0">
-              <a:buNone/>
-            </a:pPr>
-            <a:r>
-              <a:rPr lang="cs-CZ" dirty="0" smtClean="0">
-                <a:latin typeface="Consolas" panose="020B0609020204030204" pitchFamily="49" charset="0"/>
-              </a:rPr>
-              <a:t>#include &lt;cstdio&gt;</a:t>
-            </a:r>
-          </a:p>
-          <a:p>
-            <a:pPr marL="0" indent="0">
-              <a:buNone/>
-            </a:pPr>
-            <a:endParaRPr lang="cs-CZ" dirty="0" smtClean="0">
-              <a:latin typeface="Consolas" panose="020B0609020204030204" pitchFamily="49" charset="0"/>
-            </a:endParaRPr>
-          </a:p>
-          <a:p>
-            <a:pPr marL="0" indent="0">
-              <a:buNone/>
-            </a:pPr>
-            <a:r>
-              <a:rPr lang="cs-CZ" dirty="0" smtClean="0">
-                <a:latin typeface="Consolas" panose="020B0609020204030204" pitchFamily="49" charset="0"/>
-              </a:rPr>
-              <a:t>int fn1(int array[], int length) {</a:t>
-            </a:r>
-          </a:p>
-          <a:p>
-            <a:pPr marL="0" indent="0">
-              <a:buNone/>
-            </a:pPr>
-            <a:r>
-              <a:rPr lang="cs-CZ" dirty="0" smtClean="0">
-                <a:latin typeface="Consolas" panose="020B0609020204030204" pitchFamily="49" charset="0"/>
-              </a:rPr>
-              <a:t>    int res = 0;</a:t>
-            </a:r>
-          </a:p>
-          <a:p>
-            <a:pPr marL="0" indent="0">
-              <a:buNone/>
-            </a:pPr>
-            <a:r>
-              <a:rPr lang="cs-CZ" dirty="0" smtClean="0">
-                <a:latin typeface="Consolas" panose="020B0609020204030204" pitchFamily="49" charset="0"/>
-              </a:rPr>
-              <a:t>    for(int i = 0; i &lt; length; ++i) {</a:t>
-            </a:r>
-          </a:p>
-          <a:p>
-            <a:pPr marL="0" indent="0">
-              <a:buNone/>
-            </a:pPr>
-            <a:r>
-              <a:rPr lang="cs-CZ" dirty="0" smtClean="0">
-                <a:latin typeface="Consolas" panose="020B0609020204030204" pitchFamily="49" charset="0"/>
-              </a:rPr>
-              <a:t>        res += array[i];</a:t>
-            </a:r>
-          </a:p>
-          <a:p>
-            <a:pPr marL="0" indent="0">
-              <a:buNone/>
-            </a:pPr>
-            <a:r>
-              <a:rPr lang="cs-CZ" dirty="0" smtClean="0">
-                <a:latin typeface="Consolas" panose="020B0609020204030204" pitchFamily="49" charset="0"/>
-              </a:rPr>
-              <a:t>    }</a:t>
-            </a:r>
-          </a:p>
-          <a:p>
-            <a:pPr marL="0" indent="0">
-              <a:buNone/>
-            </a:pPr>
-            <a:r>
-              <a:rPr lang="cs-CZ" dirty="0" smtClean="0">
-                <a:latin typeface="Consolas" panose="020B0609020204030204" pitchFamily="49" charset="0"/>
-              </a:rPr>
-              <a:t>    return res;</a:t>
-            </a:r>
-          </a:p>
-          <a:p>
-            <a:pPr marL="0" indent="0">
-              <a:buNone/>
-            </a:pPr>
-            <a:r>
-              <a:rPr lang="cs-CZ" dirty="0" smtClean="0">
-                <a:latin typeface="Consolas" panose="020B0609020204030204" pitchFamily="49" charset="0"/>
-              </a:rPr>
-              <a:t>}</a:t>
-            </a:r>
-          </a:p>
-          <a:p>
-            <a:pPr marL="0" indent="0">
-              <a:buNone/>
-            </a:pPr>
-            <a:endParaRPr lang="cs-CZ" dirty="0" smtClean="0">
-              <a:latin typeface="Consolas" panose="020B0609020204030204" pitchFamily="49" charset="0"/>
-            </a:endParaRPr>
-          </a:p>
-          <a:p>
-            <a:pPr marL="0" indent="0">
-              <a:buNone/>
-            </a:pPr>
-            <a:r>
-              <a:rPr lang="cs-CZ" dirty="0" smtClean="0">
-                <a:latin typeface="Consolas" panose="020B0609020204030204" pitchFamily="49" charset="0"/>
-              </a:rPr>
-              <a:t>int main()</a:t>
-            </a:r>
-          </a:p>
-          <a:p>
-            <a:pPr marL="0" indent="0">
-              <a:buNone/>
-            </a:pPr>
-            <a:r>
-              <a:rPr lang="cs-CZ" dirty="0" smtClean="0">
-                <a:latin typeface="Consolas" panose="020B0609020204030204" pitchFamily="49" charset="0"/>
-              </a:rPr>
-              <a:t>{</a:t>
-            </a:r>
-          </a:p>
-          <a:p>
-            <a:pPr marL="0" indent="0">
-              <a:buNone/>
-            </a:pPr>
-            <a:r>
-              <a:rPr lang="cs-CZ" dirty="0" smtClean="0">
-                <a:latin typeface="Consolas" panose="020B0609020204030204" pitchFamily="49" charset="0"/>
-              </a:rPr>
-              <a:t>    int array[] = {1, 2, 3, 4, 5, 6, 7, 8, 9, 10};</a:t>
-            </a:r>
-          </a:p>
-          <a:p>
-            <a:pPr marL="0" indent="0">
-              <a:buNone/>
-            </a:pPr>
-            <a:r>
-              <a:rPr lang="cs-CZ" dirty="0" smtClean="0">
-                <a:latin typeface="Consolas" panose="020B0609020204030204" pitchFamily="49" charset="0"/>
-              </a:rPr>
-              <a:t>    int res = fn1(array, 9);</a:t>
-            </a:r>
-          </a:p>
-          <a:p>
-            <a:pPr marL="0" indent="0">
-              <a:buNone/>
-            </a:pPr>
-            <a:r>
-              <a:rPr lang="cs-CZ" dirty="0" smtClean="0">
-                <a:latin typeface="Consolas" panose="020B0609020204030204" pitchFamily="49" charset="0"/>
-              </a:rPr>
-              <a:t>    printf("Result: %d", res);</a:t>
-            </a:r>
-          </a:p>
-          <a:p>
-            <a:pPr marL="0" indent="0">
-              <a:buNone/>
-            </a:pPr>
-            <a:r>
-              <a:rPr lang="cs-CZ" dirty="0" smtClean="0">
-                <a:latin typeface="Consolas" panose="020B0609020204030204" pitchFamily="49" charset="0"/>
-              </a:rPr>
-              <a:t>}</a:t>
-            </a:r>
-            <a:endParaRPr lang="cs-CZ" dirty="0">
-              <a:latin typeface="Consolas" panose="020B0609020204030204" pitchFamily="49" charset="0"/>
-            </a:endParaRPr>
+            <a:endParaRPr lang="cs-CZ"/>
           </a:p>
         </p:txBody>
       </p:sp>
     </p:spTree>
     <p:extLst>
       <p:ext uri="{BB962C8B-B14F-4D97-AF65-F5344CB8AC3E}">
-        <p14:creationId xmlns:p14="http://schemas.microsoft.com/office/powerpoint/2010/main" val="3082639224"/>
+        <p14:creationId xmlns:p14="http://schemas.microsoft.com/office/powerpoint/2010/main" val="1770327375"/>
       </p:ext>
     </p:extLst>
   </p:cSld>
   <p:clrMapOvr>
     <a:masterClrMapping/>
   </p:clrMapOvr>
-  <p:timing>
-    <p:tnLst>
-      <p:par>
-        <p:cTn id="1" dur="indefinite" restart="never" nodeType="tmRoot"/>
-      </p:par>
-    </p:tnLst>
-  </p:timing>
 </p:sld>
 </file>
 
@@ -14628,16 +14396,8 @@
           <a:lstStyle/>
           <a:p>
             <a:r>
-              <a:rPr lang="en-US" dirty="0" err="1" smtClean="0"/>
-              <a:t>Tajemn</a:t>
-            </a:r>
-            <a:r>
-              <a:rPr lang="cs-CZ" dirty="0"/>
-              <a:t>á</a:t>
-            </a:r>
-            <a:r>
-              <a:rPr lang="cs-CZ" dirty="0" smtClean="0"/>
-              <a:t> funkce 2</a:t>
+              <a:rPr lang="en-US" dirty="0" smtClean="0"/>
+              <a:t>Hello World </a:t>
             </a:r>
             <a:endParaRPr lang="cs-CZ" dirty="0"/>
           </a:p>
@@ -14661,7 +14421,7 @@
         </p:spPr>
         <p:txBody>
           <a:bodyPr>
-            <a:normAutofit fontScale="47500" lnSpcReduction="20000"/>
+            <a:normAutofit/>
           </a:bodyPr>
           <a:lstStyle/>
           <a:p>
@@ -14669,218 +14429,112 @@
               <a:buNone/>
             </a:pPr>
             <a:r>
+              <a:rPr lang="en-US" dirty="0" smtClean="0">
+                <a:latin typeface="Consolas" panose="020B0609020204030204" pitchFamily="49" charset="0"/>
+              </a:rPr>
+              <a:t>#include &lt;</a:t>
+            </a:r>
+            <a:r>
               <a:rPr lang="cs-CZ" dirty="0" smtClean="0">
                 <a:latin typeface="Consolas" panose="020B0609020204030204" pitchFamily="49" charset="0"/>
               </a:rPr>
-              <a:t>#include &lt;stdio.h&gt;</a:t>
-            </a:r>
-          </a:p>
-          <a:p>
-            <a:pPr marL="0" indent="0">
-              <a:buNone/>
-            </a:pPr>
-            <a:endParaRPr lang="cs-CZ" dirty="0" smtClean="0">
+              <a:t>c</a:t>
+            </a:r>
+            <a:r>
+              <a:rPr lang="en-US" dirty="0" err="1" smtClean="0">
+                <a:latin typeface="Consolas" panose="020B0609020204030204" pitchFamily="49" charset="0"/>
+              </a:rPr>
+              <a:t>stdio</a:t>
+            </a:r>
+            <a:r>
+              <a:rPr lang="en-US" dirty="0" smtClean="0">
+                <a:latin typeface="Consolas" panose="020B0609020204030204" pitchFamily="49" charset="0"/>
+              </a:rPr>
+              <a:t>&gt;</a:t>
+            </a:r>
+            <a:br>
+              <a:rPr lang="en-US" dirty="0" smtClean="0">
+                <a:latin typeface="Consolas" panose="020B0609020204030204" pitchFamily="49" charset="0"/>
+              </a:rPr>
+            </a:br>
+            <a:r>
+              <a:rPr lang="en-US" dirty="0" smtClean="0">
+                <a:latin typeface="Consolas" panose="020B0609020204030204" pitchFamily="49" charset="0"/>
+              </a:rPr>
+              <a:t/>
+            </a:r>
+            <a:br>
+              <a:rPr lang="en-US" dirty="0" smtClean="0">
+                <a:latin typeface="Consolas" panose="020B0609020204030204" pitchFamily="49" charset="0"/>
+              </a:rPr>
+            </a:br>
+            <a:r>
+              <a:rPr lang="en-US" dirty="0" err="1" smtClean="0">
+                <a:latin typeface="Consolas" panose="020B0609020204030204" pitchFamily="49" charset="0"/>
+              </a:rPr>
+              <a:t>int</a:t>
+            </a:r>
+            <a:r>
+              <a:rPr lang="en-US" dirty="0" smtClean="0">
+                <a:latin typeface="Consolas" panose="020B0609020204030204" pitchFamily="49" charset="0"/>
+              </a:rPr>
+              <a:t> main()</a:t>
+            </a:r>
+            <a:br>
+              <a:rPr lang="en-US" dirty="0" smtClean="0">
+                <a:latin typeface="Consolas" panose="020B0609020204030204" pitchFamily="49" charset="0"/>
+              </a:rPr>
+            </a:br>
+            <a:r>
+              <a:rPr lang="en-US" dirty="0" smtClean="0">
+                <a:latin typeface="Consolas" panose="020B0609020204030204" pitchFamily="49" charset="0"/>
+              </a:rPr>
+              <a:t>{</a:t>
+            </a:r>
+            <a:br>
+              <a:rPr lang="en-US" dirty="0" smtClean="0">
+                <a:latin typeface="Consolas" panose="020B0609020204030204" pitchFamily="49" charset="0"/>
+              </a:rPr>
+            </a:br>
+            <a:r>
+              <a:rPr lang="en-US" dirty="0" smtClean="0">
+                <a:latin typeface="Consolas" panose="020B0609020204030204" pitchFamily="49" charset="0"/>
+              </a:rPr>
+              <a:t>    </a:t>
+            </a:r>
+            <a:r>
+              <a:rPr lang="en-US" dirty="0" err="1" smtClean="0">
+                <a:latin typeface="Consolas" panose="020B0609020204030204" pitchFamily="49" charset="0"/>
+              </a:rPr>
+              <a:t>printf</a:t>
+            </a:r>
+            <a:r>
+              <a:rPr lang="en-US" dirty="0" smtClean="0">
+                <a:latin typeface="Consolas" panose="020B0609020204030204" pitchFamily="49" charset="0"/>
+              </a:rPr>
+              <a:t>("Hello World :)\n");</a:t>
+            </a:r>
+            <a:br>
+              <a:rPr lang="en-US" dirty="0" smtClean="0">
+                <a:latin typeface="Consolas" panose="020B0609020204030204" pitchFamily="49" charset="0"/>
+              </a:rPr>
+            </a:br>
+            <a:r>
+              <a:rPr lang="en-US" dirty="0" smtClean="0">
+                <a:latin typeface="Consolas" panose="020B0609020204030204" pitchFamily="49" charset="0"/>
+              </a:rPr>
+              <a:t>}</a:t>
+            </a:r>
+            <a:endParaRPr lang="cs-CZ" dirty="0">
               <a:latin typeface="Consolas" panose="020B0609020204030204" pitchFamily="49" charset="0"/>
             </a:endParaRPr>
-          </a:p>
-          <a:p>
-            <a:pPr marL="0" indent="0">
-              <a:buNone/>
-            </a:pPr>
-            <a:r>
-              <a:rPr lang="cs-CZ" dirty="0" smtClean="0">
-                <a:latin typeface="Consolas" panose="020B0609020204030204" pitchFamily="49" charset="0"/>
-              </a:rPr>
-              <a:t>int fn2(int array[], int length, int number) {</a:t>
-            </a:r>
-          </a:p>
-          <a:p>
-            <a:pPr marL="0" indent="0">
-              <a:buNone/>
-            </a:pPr>
-            <a:r>
-              <a:rPr lang="cs-CZ" dirty="0" smtClean="0">
-                <a:latin typeface="Consolas" panose="020B0609020204030204" pitchFamily="49" charset="0"/>
-              </a:rPr>
-              <a:t>    int i = 0;</a:t>
-            </a:r>
-          </a:p>
-          <a:p>
-            <a:pPr marL="0" indent="0">
-              <a:buNone/>
-            </a:pPr>
-            <a:r>
-              <a:rPr lang="cs-CZ" dirty="0" smtClean="0">
-                <a:latin typeface="Consolas" panose="020B0609020204030204" pitchFamily="49" charset="0"/>
-              </a:rPr>
-              <a:t>    while(i &lt; length &amp;&amp; array[i] != number) {</a:t>
-            </a:r>
-          </a:p>
-          <a:p>
-            <a:pPr marL="0" indent="0">
-              <a:buNone/>
-            </a:pPr>
-            <a:r>
-              <a:rPr lang="cs-CZ" dirty="0" smtClean="0">
-                <a:latin typeface="Consolas" panose="020B0609020204030204" pitchFamily="49" charset="0"/>
-              </a:rPr>
-              <a:t>        ++i;    </a:t>
-            </a:r>
-          </a:p>
-          <a:p>
-            <a:pPr marL="0" indent="0">
-              <a:buNone/>
-            </a:pPr>
-            <a:r>
-              <a:rPr lang="cs-CZ" dirty="0" smtClean="0">
-                <a:latin typeface="Consolas" panose="020B0609020204030204" pitchFamily="49" charset="0"/>
-              </a:rPr>
-              <a:t>    }</a:t>
-            </a:r>
-          </a:p>
-          <a:p>
-            <a:pPr marL="0" indent="0">
-              <a:buNone/>
-            </a:pPr>
-            <a:r>
-              <a:rPr lang="cs-CZ" dirty="0" smtClean="0">
-                <a:latin typeface="Consolas" panose="020B0609020204030204" pitchFamily="49" charset="0"/>
-              </a:rPr>
-              <a:t>    </a:t>
-            </a:r>
-          </a:p>
-          <a:p>
-            <a:pPr marL="0" indent="0">
-              <a:buNone/>
-            </a:pPr>
-            <a:r>
-              <a:rPr lang="cs-CZ" dirty="0" smtClean="0">
-                <a:latin typeface="Consolas" panose="020B0609020204030204" pitchFamily="49" charset="0"/>
-              </a:rPr>
-              <a:t>    return i;</a:t>
-            </a:r>
-          </a:p>
-          <a:p>
-            <a:pPr marL="0" indent="0">
-              <a:buNone/>
-            </a:pPr>
-            <a:r>
-              <a:rPr lang="cs-CZ" dirty="0" smtClean="0">
-                <a:latin typeface="Consolas" panose="020B0609020204030204" pitchFamily="49" charset="0"/>
-              </a:rPr>
-              <a:t>}</a:t>
-            </a:r>
-          </a:p>
-          <a:p>
-            <a:pPr marL="0" indent="0">
-              <a:buNone/>
-            </a:pPr>
-            <a:endParaRPr lang="cs-CZ" dirty="0" smtClean="0">
-              <a:latin typeface="Consolas" panose="020B0609020204030204" pitchFamily="49" charset="0"/>
-            </a:endParaRPr>
-          </a:p>
-          <a:p>
-            <a:pPr marL="0" indent="0">
-              <a:buNone/>
-            </a:pPr>
-            <a:r>
-              <a:rPr lang="cs-CZ" dirty="0" smtClean="0">
-                <a:latin typeface="Consolas" panose="020B0609020204030204" pitchFamily="49" charset="0"/>
-              </a:rPr>
-              <a:t>int main()</a:t>
-            </a:r>
-          </a:p>
-          <a:p>
-            <a:pPr marL="0" indent="0">
-              <a:buNone/>
-            </a:pPr>
-            <a:r>
-              <a:rPr lang="cs-CZ" dirty="0" smtClean="0">
-                <a:latin typeface="Consolas" panose="020B0609020204030204" pitchFamily="49" charset="0"/>
-              </a:rPr>
-              <a:t>{</a:t>
-            </a:r>
-          </a:p>
-          <a:p>
-            <a:pPr marL="0" indent="0">
-              <a:buNone/>
-            </a:pPr>
-            <a:r>
-              <a:rPr lang="cs-CZ" dirty="0" smtClean="0">
-                <a:latin typeface="Consolas" panose="020B0609020204030204" pitchFamily="49" charset="0"/>
-              </a:rPr>
-              <a:t>    int array[] = {1, 2, 3, 4, 5, 6, 7, 8, 9, 10};</a:t>
-            </a:r>
-          </a:p>
-          <a:p>
-            <a:pPr marL="0" indent="0">
-              <a:buNone/>
-            </a:pPr>
-            <a:r>
-              <a:rPr lang="cs-CZ" dirty="0">
-                <a:latin typeface="Consolas" panose="020B0609020204030204" pitchFamily="49" charset="0"/>
-              </a:rPr>
-              <a:t> </a:t>
-            </a:r>
-            <a:r>
-              <a:rPr lang="cs-CZ" dirty="0" smtClean="0">
-                <a:latin typeface="Consolas" panose="020B0609020204030204" pitchFamily="49" charset="0"/>
-              </a:rPr>
-              <a:t>   static constexpr int SIZE = 10</a:t>
-            </a:r>
-            <a:r>
-              <a:rPr lang="en-US" dirty="0" smtClean="0">
-                <a:latin typeface="Consolas" panose="020B0609020204030204" pitchFamily="49" charset="0"/>
-              </a:rPr>
-              <a:t>0</a:t>
-            </a:r>
-            <a:r>
-              <a:rPr lang="cs-CZ" dirty="0" smtClean="0">
-                <a:latin typeface="Consolas" panose="020B0609020204030204" pitchFamily="49" charset="0"/>
-              </a:rPr>
-              <a:t>;</a:t>
-            </a:r>
-          </a:p>
-          <a:p>
-            <a:pPr marL="0" indent="0">
-              <a:buNone/>
-            </a:pPr>
-            <a:r>
-              <a:rPr lang="cs-CZ" dirty="0" smtClean="0">
-                <a:latin typeface="Consolas" panose="020B0609020204030204" pitchFamily="49" charset="0"/>
-              </a:rPr>
-              <a:t>    int res = fn2(array, SIZE, 4);</a:t>
-            </a:r>
-          </a:p>
-          <a:p>
-            <a:pPr marL="0" indent="0">
-              <a:buNone/>
-            </a:pPr>
-            <a:r>
-              <a:rPr lang="cs-CZ" dirty="0" smtClean="0">
-                <a:latin typeface="Consolas" panose="020B0609020204030204" pitchFamily="49" charset="0"/>
-              </a:rPr>
-              <a:t>    printf("Result: %d", res);</a:t>
-            </a:r>
-          </a:p>
-          <a:p>
-            <a:pPr marL="0" indent="0">
-              <a:buNone/>
-            </a:pPr>
-            <a:r>
-              <a:rPr lang="cs-CZ" dirty="0" smtClean="0">
-                <a:latin typeface="Consolas" panose="020B0609020204030204" pitchFamily="49" charset="0"/>
-              </a:rPr>
-              <a:t>}</a:t>
-            </a:r>
-            <a:endParaRPr lang="cs-CZ" dirty="0"/>
           </a:p>
         </p:txBody>
       </p:sp>
     </p:spTree>
     <p:extLst>
       <p:ext uri="{BB962C8B-B14F-4D97-AF65-F5344CB8AC3E}">
-        <p14:creationId xmlns:p14="http://schemas.microsoft.com/office/powerpoint/2010/main" val="3390748553"/>
+        <p14:creationId xmlns:p14="http://schemas.microsoft.com/office/powerpoint/2010/main" val="1330036714"/>
       </p:ext>
     </p:extLst>
   </p:cSld>
@@ -14938,7 +14592,11 @@
           <a:p>
             <a:r>
               <a:rPr lang="cs-CZ" dirty="0" smtClean="0"/>
-              <a:t>Tajemná funkce 3 (1/2)</a:t>
+              <a:t>Tajemná funkce 1</a:t>
+            </a:r>
+            <a:r>
+              <a:rPr lang="en-US" dirty="0" smtClean="0"/>
+              <a:t> </a:t>
             </a:r>
             <a:endParaRPr lang="cs-CZ" dirty="0"/>
           </a:p>
@@ -14962,7 +14620,7 @@
         </p:spPr>
         <p:txBody>
           <a:bodyPr>
-            <a:normAutofit fontScale="47500" lnSpcReduction="20000"/>
+            <a:normAutofit fontScale="55000" lnSpcReduction="20000"/>
           </a:bodyPr>
           <a:lstStyle/>
           <a:p>
@@ -14973,419 +14631,8 @@
               <a:rPr lang="cs-CZ" dirty="0" smtClean="0">
                 <a:latin typeface="Consolas" panose="020B0609020204030204" pitchFamily="49" charset="0"/>
               </a:rPr>
-              <a:t>#include &lt;stdio.h&gt;</a:t>
-            </a:r>
-            <a:r>
-              <a:rPr lang="en-US" dirty="0" smtClean="0">
-                <a:latin typeface="Consolas" panose="020B0609020204030204" pitchFamily="49" charset="0"/>
-              </a:rPr>
-              <a:t/>
-            </a:r>
-            <a:br>
-              <a:rPr lang="en-US" dirty="0" smtClean="0">
-                <a:latin typeface="Consolas" panose="020B0609020204030204" pitchFamily="49" charset="0"/>
-              </a:rPr>
-            </a:br>
-            <a:r>
-              <a:rPr lang="en-US" dirty="0" smtClean="0">
-                <a:latin typeface="Consolas" panose="020B0609020204030204" pitchFamily="49" charset="0"/>
-              </a:rPr>
-              <a:t/>
-            </a:r>
-            <a:br>
-              <a:rPr lang="en-US" dirty="0" smtClean="0">
-                <a:latin typeface="Consolas" panose="020B0609020204030204" pitchFamily="49" charset="0"/>
-              </a:rPr>
-            </a:br>
-            <a:r>
-              <a:rPr lang="cs-CZ" dirty="0" smtClean="0">
-                <a:latin typeface="Consolas" panose="020B0609020204030204" pitchFamily="49" charset="0"/>
-              </a:rPr>
-              <a:t>int fn3(int array[], int length) {</a:t>
-            </a:r>
-            <a:r>
-              <a:rPr lang="en-US" dirty="0" smtClean="0">
-                <a:latin typeface="Consolas" panose="020B0609020204030204" pitchFamily="49" charset="0"/>
-              </a:rPr>
-              <a:t/>
-            </a:r>
-            <a:br>
-              <a:rPr lang="en-US" dirty="0" smtClean="0">
-                <a:latin typeface="Consolas" panose="020B0609020204030204" pitchFamily="49" charset="0"/>
-              </a:rPr>
-            </a:br>
-            <a:r>
-              <a:rPr lang="cs-CZ" dirty="0" smtClean="0">
-                <a:latin typeface="Consolas" panose="020B0609020204030204" pitchFamily="49" charset="0"/>
-              </a:rPr>
-              <a:t>    int j = 0;</a:t>
-            </a:r>
-            <a:r>
-              <a:rPr lang="en-US" dirty="0" smtClean="0">
-                <a:latin typeface="Consolas" panose="020B0609020204030204" pitchFamily="49" charset="0"/>
-              </a:rPr>
-              <a:t/>
-            </a:r>
-            <a:br>
-              <a:rPr lang="en-US" dirty="0" smtClean="0">
-                <a:latin typeface="Consolas" panose="020B0609020204030204" pitchFamily="49" charset="0"/>
-              </a:rPr>
-            </a:br>
-            <a:r>
-              <a:rPr lang="cs-CZ" dirty="0" smtClean="0">
-                <a:latin typeface="Consolas" panose="020B0609020204030204" pitchFamily="49" charset="0"/>
-              </a:rPr>
-              <a:t>    int k = 0;</a:t>
-            </a:r>
-            <a:r>
-              <a:rPr lang="en-US" dirty="0" smtClean="0">
-                <a:latin typeface="Consolas" panose="020B0609020204030204" pitchFamily="49" charset="0"/>
-              </a:rPr>
-              <a:t/>
-            </a:r>
-            <a:br>
-              <a:rPr lang="en-US" dirty="0" smtClean="0">
-                <a:latin typeface="Consolas" panose="020B0609020204030204" pitchFamily="49" charset="0"/>
-              </a:rPr>
-            </a:br>
-            <a:r>
-              <a:rPr lang="cs-CZ" dirty="0" smtClean="0">
-                <a:latin typeface="Consolas" panose="020B0609020204030204" pitchFamily="49" charset="0"/>
-              </a:rPr>
-              <a:t>    for(int i = 0; i &lt; length; ++i) {</a:t>
-            </a:r>
-            <a:r>
-              <a:rPr lang="en-US" dirty="0" smtClean="0">
-                <a:latin typeface="Consolas" panose="020B0609020204030204" pitchFamily="49" charset="0"/>
-              </a:rPr>
-              <a:t/>
-            </a:r>
-            <a:br>
-              <a:rPr lang="en-US" dirty="0" smtClean="0">
-                <a:latin typeface="Consolas" panose="020B0609020204030204" pitchFamily="49" charset="0"/>
-              </a:rPr>
-            </a:br>
-            <a:r>
-              <a:rPr lang="cs-CZ" dirty="0" smtClean="0">
-                <a:latin typeface="Consolas" panose="020B0609020204030204" pitchFamily="49" charset="0"/>
-              </a:rPr>
-              <a:t>        if (array[i] % 2 == 0) {</a:t>
-            </a:r>
-            <a:r>
-              <a:rPr lang="en-US" dirty="0" smtClean="0">
-                <a:latin typeface="Consolas" panose="020B0609020204030204" pitchFamily="49" charset="0"/>
-              </a:rPr>
-              <a:t/>
-            </a:r>
-            <a:br>
-              <a:rPr lang="en-US" dirty="0" smtClean="0">
-                <a:latin typeface="Consolas" panose="020B0609020204030204" pitchFamily="49" charset="0"/>
-              </a:rPr>
-            </a:br>
-            <a:r>
-              <a:rPr lang="cs-CZ" dirty="0" smtClean="0">
-                <a:latin typeface="Consolas" panose="020B0609020204030204" pitchFamily="49" charset="0"/>
-              </a:rPr>
-              <a:t>            ++j;</a:t>
-            </a:r>
-            <a:r>
-              <a:rPr lang="en-US" dirty="0" smtClean="0">
-                <a:latin typeface="Consolas" panose="020B0609020204030204" pitchFamily="49" charset="0"/>
-              </a:rPr>
-              <a:t/>
-            </a:r>
-            <a:br>
-              <a:rPr lang="en-US" dirty="0" smtClean="0">
-                <a:latin typeface="Consolas" panose="020B0609020204030204" pitchFamily="49" charset="0"/>
-              </a:rPr>
-            </a:br>
-            <a:r>
-              <a:rPr lang="cs-CZ" dirty="0" smtClean="0">
-                <a:latin typeface="Consolas" panose="020B0609020204030204" pitchFamily="49" charset="0"/>
-              </a:rPr>
-              <a:t>        } else {</a:t>
-            </a:r>
-            <a:r>
-              <a:rPr lang="en-US" dirty="0" smtClean="0">
-                <a:latin typeface="Consolas" panose="020B0609020204030204" pitchFamily="49" charset="0"/>
-              </a:rPr>
-              <a:t/>
-            </a:r>
-            <a:br>
-              <a:rPr lang="en-US" dirty="0" smtClean="0">
-                <a:latin typeface="Consolas" panose="020B0609020204030204" pitchFamily="49" charset="0"/>
-              </a:rPr>
-            </a:br>
-            <a:r>
-              <a:rPr lang="cs-CZ" dirty="0" smtClean="0">
-                <a:latin typeface="Consolas" panose="020B0609020204030204" pitchFamily="49" charset="0"/>
-              </a:rPr>
-              <a:t>            ++k;</a:t>
-            </a:r>
-            <a:r>
-              <a:rPr lang="en-US" dirty="0" smtClean="0">
-                <a:latin typeface="Consolas" panose="020B0609020204030204" pitchFamily="49" charset="0"/>
-              </a:rPr>
-              <a:t/>
-            </a:r>
-            <a:br>
-              <a:rPr lang="en-US" dirty="0" smtClean="0">
-                <a:latin typeface="Consolas" panose="020B0609020204030204" pitchFamily="49" charset="0"/>
-              </a:rPr>
-            </a:br>
-            <a:r>
-              <a:rPr lang="cs-CZ" dirty="0" smtClean="0">
-                <a:latin typeface="Consolas" panose="020B0609020204030204" pitchFamily="49" charset="0"/>
-              </a:rPr>
-              <a:t>        }</a:t>
-            </a:r>
-            <a:br>
-              <a:rPr lang="cs-CZ" dirty="0" smtClean="0">
-                <a:latin typeface="Consolas" panose="020B0609020204030204" pitchFamily="49" charset="0"/>
-              </a:rPr>
-            </a:br>
-            <a:r>
-              <a:rPr lang="en-US" dirty="0" smtClean="0">
-                <a:latin typeface="Consolas" panose="020B0609020204030204" pitchFamily="49" charset="0"/>
-              </a:rPr>
-              <a:t>    </a:t>
-            </a:r>
-            <a:r>
-              <a:rPr lang="cs-CZ" dirty="0" smtClean="0">
-                <a:latin typeface="Consolas" panose="020B0609020204030204" pitchFamily="49" charset="0"/>
-              </a:rPr>
-              <a:t>}</a:t>
-            </a:r>
-            <a:r>
-              <a:rPr lang="en-US" dirty="0" smtClean="0">
-                <a:latin typeface="Consolas" panose="020B0609020204030204" pitchFamily="49" charset="0"/>
-              </a:rPr>
-              <a:t/>
-            </a:r>
-            <a:br>
-              <a:rPr lang="en-US" dirty="0" smtClean="0">
-                <a:latin typeface="Consolas" panose="020B0609020204030204" pitchFamily="49" charset="0"/>
-              </a:rPr>
-            </a:br>
-            <a:r>
-              <a:rPr lang="en-US" dirty="0" smtClean="0">
-                <a:latin typeface="Consolas" panose="020B0609020204030204" pitchFamily="49" charset="0"/>
-              </a:rPr>
-              <a:t/>
-            </a:r>
-            <a:br>
-              <a:rPr lang="en-US" dirty="0" smtClean="0">
-                <a:latin typeface="Consolas" panose="020B0609020204030204" pitchFamily="49" charset="0"/>
-              </a:rPr>
-            </a:br>
-            <a:r>
-              <a:rPr lang="en-US" dirty="0" smtClean="0">
-                <a:latin typeface="Consolas" panose="020B0609020204030204" pitchFamily="49" charset="0"/>
-              </a:rPr>
-              <a:t>    </a:t>
-            </a:r>
-            <a:r>
-              <a:rPr lang="cs-CZ" dirty="0" smtClean="0">
-                <a:latin typeface="Consolas" panose="020B0609020204030204" pitchFamily="49" charset="0"/>
-              </a:rPr>
-              <a:t>if (j &gt; k) {</a:t>
-            </a:r>
-            <a:br>
-              <a:rPr lang="cs-CZ" dirty="0" smtClean="0">
-                <a:latin typeface="Consolas" panose="020B0609020204030204" pitchFamily="49" charset="0"/>
-              </a:rPr>
-            </a:br>
-            <a:r>
-              <a:rPr lang="cs-CZ" dirty="0" smtClean="0">
-                <a:latin typeface="Consolas" panose="020B0609020204030204" pitchFamily="49" charset="0"/>
-              </a:rPr>
-              <a:t>        return j;</a:t>
-            </a:r>
-            <a:br>
-              <a:rPr lang="cs-CZ" dirty="0" smtClean="0">
-                <a:latin typeface="Consolas" panose="020B0609020204030204" pitchFamily="49" charset="0"/>
-              </a:rPr>
-            </a:br>
-            <a:r>
-              <a:rPr lang="cs-CZ" dirty="0" smtClean="0">
-                <a:latin typeface="Consolas" panose="020B0609020204030204" pitchFamily="49" charset="0"/>
-              </a:rPr>
-              <a:t>    } else if (k &gt; j) {</a:t>
-            </a:r>
-            <a:br>
-              <a:rPr lang="cs-CZ" dirty="0" smtClean="0">
-                <a:latin typeface="Consolas" panose="020B0609020204030204" pitchFamily="49" charset="0"/>
-              </a:rPr>
-            </a:br>
-            <a:r>
-              <a:rPr lang="cs-CZ" dirty="0" smtClean="0">
-                <a:latin typeface="Consolas" panose="020B0609020204030204" pitchFamily="49" charset="0"/>
-              </a:rPr>
-              <a:t>        return -k;</a:t>
-            </a:r>
-            <a:br>
-              <a:rPr lang="cs-CZ" dirty="0" smtClean="0">
-                <a:latin typeface="Consolas" panose="020B0609020204030204" pitchFamily="49" charset="0"/>
-              </a:rPr>
-            </a:br>
-            <a:r>
-              <a:rPr lang="cs-CZ" dirty="0" smtClean="0">
-                <a:latin typeface="Consolas" panose="020B0609020204030204" pitchFamily="49" charset="0"/>
-              </a:rPr>
-              <a:t>    } else {</a:t>
-            </a:r>
-            <a:br>
-              <a:rPr lang="cs-CZ" dirty="0" smtClean="0">
-                <a:latin typeface="Consolas" panose="020B0609020204030204" pitchFamily="49" charset="0"/>
-              </a:rPr>
-            </a:br>
-            <a:r>
-              <a:rPr lang="cs-CZ" dirty="0" smtClean="0">
-                <a:latin typeface="Consolas" panose="020B0609020204030204" pitchFamily="49" charset="0"/>
-              </a:rPr>
-              <a:t>        return 0;</a:t>
-            </a:r>
-            <a:br>
-              <a:rPr lang="cs-CZ" dirty="0" smtClean="0">
-                <a:latin typeface="Consolas" panose="020B0609020204030204" pitchFamily="49" charset="0"/>
-              </a:rPr>
-            </a:br>
-            <a:r>
-              <a:rPr lang="cs-CZ" dirty="0" smtClean="0">
-                <a:latin typeface="Consolas" panose="020B0609020204030204" pitchFamily="49" charset="0"/>
-              </a:rPr>
-              <a:t>    }</a:t>
-            </a:r>
-            <a:br>
-              <a:rPr lang="cs-CZ" dirty="0" smtClean="0">
-                <a:latin typeface="Consolas" panose="020B0609020204030204" pitchFamily="49" charset="0"/>
-              </a:rPr>
-            </a:br>
-            <a:r>
-              <a:rPr lang="cs-CZ" dirty="0" smtClean="0">
-                <a:latin typeface="Consolas" panose="020B0609020204030204" pitchFamily="49" charset="0"/>
-              </a:rPr>
-              <a:t>}</a:t>
-            </a:r>
-            <a:r>
-              <a:rPr lang="en-US" dirty="0" smtClean="0">
-                <a:latin typeface="Consolas" panose="020B0609020204030204" pitchFamily="49" charset="0"/>
-              </a:rPr>
-              <a:t/>
-            </a:r>
-            <a:br>
-              <a:rPr lang="en-US" dirty="0" smtClean="0">
-                <a:latin typeface="Consolas" panose="020B0609020204030204" pitchFamily="49" charset="0"/>
-              </a:rPr>
-            </a:br>
-            <a:r>
-              <a:rPr lang="en-US" dirty="0" smtClean="0">
-                <a:latin typeface="Consolas" panose="020B0609020204030204" pitchFamily="49" charset="0"/>
-              </a:rPr>
-              <a:t/>
-            </a:r>
-            <a:br>
-              <a:rPr lang="en-US" dirty="0" smtClean="0">
-                <a:latin typeface="Consolas" panose="020B0609020204030204" pitchFamily="49" charset="0"/>
-              </a:rPr>
-            </a:br>
-            <a:r>
-              <a:rPr lang="cs-CZ" dirty="0" smtClean="0">
-                <a:latin typeface="Consolas" panose="020B0609020204030204" pitchFamily="49" charset="0"/>
-              </a:rPr>
-              <a:t>int main()</a:t>
-            </a:r>
-          </a:p>
-          <a:p>
-            <a:pPr marL="0" indent="0">
-              <a:buNone/>
-            </a:pPr>
-            <a:r>
-              <a:rPr lang="cs-CZ" dirty="0" smtClean="0">
-                <a:latin typeface="Consolas" panose="020B0609020204030204" pitchFamily="49" charset="0"/>
-              </a:rPr>
-              <a:t>{</a:t>
-            </a:r>
-          </a:p>
-          <a:p>
-            <a:pPr marL="0" indent="0">
-              <a:buNone/>
-            </a:pPr>
-            <a:r>
-              <a:rPr lang="cs-CZ" dirty="0" smtClean="0">
-                <a:latin typeface="Consolas" panose="020B0609020204030204" pitchFamily="49" charset="0"/>
-              </a:rPr>
-              <a:t>    int array[] = {1, 2, 3, 4, 5, 6, 7, 8, 9};</a:t>
-            </a:r>
-          </a:p>
-          <a:p>
-            <a:pPr marL="0" indent="0">
-              <a:buNone/>
-            </a:pPr>
-            <a:r>
-              <a:rPr lang="cs-CZ" dirty="0" smtClean="0">
-                <a:latin typeface="Consolas" panose="020B0609020204030204" pitchFamily="49" charset="0"/>
-              </a:rPr>
-              <a:t>    static constexpr int SIZE = </a:t>
-            </a:r>
-            <a:r>
-              <a:rPr lang="en-US" dirty="0" smtClean="0">
-                <a:latin typeface="Consolas" panose="020B0609020204030204" pitchFamily="49" charset="0"/>
-              </a:rPr>
-              <a:t>9</a:t>
-            </a:r>
-            <a:r>
-              <a:rPr lang="cs-CZ" dirty="0" smtClean="0">
-                <a:latin typeface="Consolas" panose="020B0609020204030204" pitchFamily="49" charset="0"/>
-              </a:rPr>
-              <a:t>;</a:t>
-            </a:r>
-          </a:p>
-          <a:p>
-            <a:pPr marL="0" indent="0">
-              <a:buNone/>
-            </a:pPr>
-            <a:r>
-              <a:rPr lang="cs-CZ" dirty="0" smtClean="0">
-                <a:latin typeface="Consolas" panose="020B0609020204030204" pitchFamily="49" charset="0"/>
-              </a:rPr>
-              <a:t>    int res = fn</a:t>
-            </a:r>
-            <a:r>
-              <a:rPr lang="en-US" dirty="0" smtClean="0">
-                <a:latin typeface="Consolas" panose="020B0609020204030204" pitchFamily="49" charset="0"/>
-              </a:rPr>
-              <a:t>3</a:t>
-            </a:r>
-            <a:r>
-              <a:rPr lang="cs-CZ" dirty="0" smtClean="0">
-                <a:latin typeface="Consolas" panose="020B0609020204030204" pitchFamily="49" charset="0"/>
-              </a:rPr>
-              <a:t>(array, SIZE);</a:t>
-            </a:r>
-          </a:p>
-          <a:p>
-            <a:pPr marL="0" indent="0">
-              <a:buNone/>
-            </a:pPr>
-            <a:r>
-              <a:rPr lang="cs-CZ" dirty="0" smtClean="0">
-                <a:latin typeface="Consolas" panose="020B0609020204030204" pitchFamily="49" charset="0"/>
-              </a:rPr>
-              <a:t>    printf("Result: %d", res);</a:t>
-            </a:r>
-          </a:p>
-          <a:p>
-            <a:pPr marL="0" indent="0">
-              <a:buNone/>
-            </a:pPr>
-            <a:r>
-              <a:rPr lang="cs-CZ" dirty="0" smtClean="0">
-                <a:latin typeface="Consolas" panose="020B0609020204030204" pitchFamily="49" charset="0"/>
-              </a:rPr>
-              <a:t>}</a:t>
-            </a:r>
-            <a:endParaRPr lang="cs-CZ" dirty="0" smtClean="0"/>
+              <a:t>#include &lt;cstdio&gt;</a:t>
+            </a:r>
           </a:p>
           <a:p>
             <a:pPr marL="0" indent="0">
@@ -15395,12 +14642,166 @@
               <a:latin typeface="Consolas" panose="020B0609020204030204" pitchFamily="49" charset="0"/>
             </a:endParaRPr>
           </a:p>
+          <a:p>
+            <a:pPr marL="0" indent="0">
+              <a:buNone/>
+            </a:pPr>
+            <a:r>
+              <a:rPr lang="cs-CZ" dirty="0" smtClean="0">
+                <a:latin typeface="Consolas" panose="020B0609020204030204" pitchFamily="49" charset="0"/>
+              </a:rPr>
+              <a:t>int fn1(int array[], int length) {</a:t>
+            </a:r>
+          </a:p>
+          <a:p>
+            <a:pPr marL="0" indent="0">
+              <a:buNone/>
+            </a:pPr>
+            <a:r>
+              <a:rPr lang="cs-CZ" dirty="0" smtClean="0">
+                <a:latin typeface="Consolas" panose="020B0609020204030204" pitchFamily="49" charset="0"/>
+              </a:rPr>
+              <a:t>    int res = 0;</a:t>
+            </a:r>
+          </a:p>
+          <a:p>
+            <a:pPr marL="0" indent="0">
+              <a:buNone/>
+            </a:pPr>
+            <a:r>
+              <a:rPr lang="cs-CZ" dirty="0" smtClean="0">
+                <a:latin typeface="Consolas" panose="020B0609020204030204" pitchFamily="49" charset="0"/>
+              </a:rPr>
+              <a:t>    for(int i = 0; i &lt; length; ++i) {</a:t>
+            </a:r>
+          </a:p>
+          <a:p>
+            <a:pPr marL="0" indent="0">
+              <a:buNone/>
+            </a:pPr>
+            <a:r>
+              <a:rPr lang="cs-CZ" dirty="0" smtClean="0">
+                <a:latin typeface="Consolas" panose="020B0609020204030204" pitchFamily="49" charset="0"/>
+              </a:rPr>
+              <a:t>        res += array[i];</a:t>
+            </a:r>
+          </a:p>
+          <a:p>
+            <a:pPr marL="0" indent="0">
+              <a:buNone/>
+            </a:pPr>
+            <a:r>
+              <a:rPr lang="cs-CZ" dirty="0" smtClean="0">
+                <a:latin typeface="Consolas" panose="020B0609020204030204" pitchFamily="49" charset="0"/>
+              </a:rPr>
+              <a:t>    }</a:t>
+            </a:r>
+          </a:p>
+          <a:p>
+            <a:pPr marL="0" indent="0">
+              <a:buNone/>
+            </a:pPr>
+            <a:r>
+              <a:rPr lang="cs-CZ" dirty="0" smtClean="0">
+                <a:latin typeface="Consolas" panose="020B0609020204030204" pitchFamily="49" charset="0"/>
+              </a:rPr>
+              <a:t>    return res;</a:t>
+            </a:r>
+          </a:p>
+          <a:p>
+            <a:pPr marL="0" indent="0">
+              <a:buNone/>
+            </a:pPr>
+            <a:r>
+              <a:rPr lang="cs-CZ" dirty="0" smtClean="0">
+                <a:latin typeface="Consolas" panose="020B0609020204030204" pitchFamily="49" charset="0"/>
+              </a:rPr>
+              <a:t>}</a:t>
+            </a:r>
+          </a:p>
+          <a:p>
+            <a:pPr marL="0" indent="0">
+              <a:buNone/>
+            </a:pPr>
+            <a:endParaRPr lang="cs-CZ" dirty="0" smtClean="0">
+              <a:latin typeface="Consolas" panose="020B0609020204030204" pitchFamily="49" charset="0"/>
+            </a:endParaRPr>
+          </a:p>
+          <a:p>
+            <a:pPr marL="0" indent="0">
+              <a:buNone/>
+            </a:pPr>
+            <a:r>
+              <a:rPr lang="cs-CZ" dirty="0" smtClean="0">
+                <a:latin typeface="Consolas" panose="020B0609020204030204" pitchFamily="49" charset="0"/>
+              </a:rPr>
+              <a:t>int main()</a:t>
+            </a:r>
+          </a:p>
+          <a:p>
+            <a:pPr marL="0" indent="0">
+              <a:buNone/>
+            </a:pPr>
+            <a:r>
+              <a:rPr lang="cs-CZ" dirty="0" smtClean="0">
+                <a:latin typeface="Consolas" panose="020B0609020204030204" pitchFamily="49" charset="0"/>
+              </a:rPr>
+              <a:t>{</a:t>
+            </a:r>
+          </a:p>
+          <a:p>
+            <a:pPr marL="0" indent="0">
+              <a:buNone/>
+            </a:pPr>
+            <a:r>
+              <a:rPr lang="cs-CZ" dirty="0" smtClean="0">
+                <a:latin typeface="Consolas" panose="020B0609020204030204" pitchFamily="49" charset="0"/>
+              </a:rPr>
+              <a:t>    int array[] = {1, 2, 3, 4, 5, 6, 7, 8, 9, 10};</a:t>
+            </a:r>
+          </a:p>
+          <a:p>
+            <a:pPr marL="0" indent="0">
+              <a:buNone/>
+            </a:pPr>
+            <a:r>
+              <a:rPr lang="cs-CZ" dirty="0" smtClean="0">
+                <a:latin typeface="Consolas" panose="020B0609020204030204" pitchFamily="49" charset="0"/>
+              </a:rPr>
+              <a:t>    int res = fn1(array, 9);</a:t>
+            </a:r>
+          </a:p>
+          <a:p>
+            <a:pPr marL="0" indent="0">
+              <a:buNone/>
+            </a:pPr>
+            <a:r>
+              <a:rPr lang="cs-CZ" dirty="0" smtClean="0">
+                <a:latin typeface="Consolas" panose="020B0609020204030204" pitchFamily="49" charset="0"/>
+              </a:rPr>
+              <a:t>    printf("Result: %d", res);</a:t>
+            </a:r>
+          </a:p>
+          <a:p>
+            <a:pPr marL="0" indent="0">
+              <a:buNone/>
+            </a:pPr>
+            <a:r>
+              <a:rPr lang="cs-CZ" dirty="0" smtClean="0">
+                <a:latin typeface="Consolas" panose="020B0609020204030204" pitchFamily="49" charset="0"/>
+              </a:rPr>
+              <a:t>}</a:t>
+            </a:r>
+            <a:endParaRPr lang="cs-CZ" dirty="0">
+              <a:latin typeface="Consolas" panose="020B0609020204030204" pitchFamily="49" charset="0"/>
+            </a:endParaRPr>
+          </a:p>
         </p:txBody>
       </p:sp>
     </p:spTree>
     <p:extLst>
       <p:ext uri="{BB962C8B-B14F-4D97-AF65-F5344CB8AC3E}">
-        <p14:creationId xmlns:p14="http://schemas.microsoft.com/office/powerpoint/2010/main" val="2608351430"/>
+        <p14:creationId xmlns:p14="http://schemas.microsoft.com/office/powerpoint/2010/main" val="3082639224"/>
       </p:ext>
     </p:extLst>
   </p:cSld>
@@ -15457,6 +14858,835 @@
           <a:lstStyle/>
           <a:p>
             <a:r>
+              <a:rPr lang="en-US" dirty="0" err="1" smtClean="0"/>
+              <a:t>Tajemn</a:t>
+            </a:r>
+            <a:r>
+              <a:rPr lang="cs-CZ" dirty="0"/>
+              <a:t>á</a:t>
+            </a:r>
+            <a:r>
+              <a:rPr lang="cs-CZ" dirty="0" smtClean="0"/>
+              <a:t> funkce 2</a:t>
+            </a:r>
+            <a:endParaRPr lang="cs-CZ" dirty="0"/>
+          </a:p>
+        </p:txBody>
+      </p:sp>
+      <p:sp>
+        <p:nvSpPr>
+          <p:cNvPr id="3" name="Content Placeholder 2"/>
+          <p:cNvSpPr>
+            <a:spLocks noGrp="1"/>
+          </p:cNvSpPr>
+          <p:nvPr>
+            <p:ph idx="1"/>
+          </p:nvPr>
+        </p:nvSpPr>
+        <p:spPr>
+          <a:xfrm>
+            <a:off x="838200" y="1173892"/>
+            <a:ext cx="10515600" cy="5003071"/>
+          </a:xfrm>
+        </p:spPr>
+        <p:txBody>
+          <a:bodyPr>
+            <a:normAutofit fontScale="47500" lnSpcReduction="20000"/>
+          </a:bodyPr>
+          <a:lstStyle/>
+          <a:p>
+            <a:pPr marL="0" indent="0">
+              <a:buNone/>
+            </a:pPr>
+            <a:r>
+              <a:rPr lang="cs-CZ" dirty="0" smtClean="0">
+                <a:latin typeface="Consolas" panose="020B0609020204030204" pitchFamily="49" charset="0"/>
+              </a:rPr>
+              <a:t>#include &lt;stdio.h&gt;</a:t>
+            </a:r>
+          </a:p>
+          <a:p>
+            <a:pPr marL="0" indent="0">
+              <a:buNone/>
+            </a:pPr>
+            <a:endParaRPr lang="cs-CZ" dirty="0" smtClean="0">
+              <a:latin typeface="Consolas" panose="020B0609020204030204" pitchFamily="49" charset="0"/>
+            </a:endParaRPr>
+          </a:p>
+          <a:p>
+            <a:pPr marL="0" indent="0">
+              <a:buNone/>
+            </a:pPr>
+            <a:r>
+              <a:rPr lang="cs-CZ" dirty="0" smtClean="0">
+                <a:latin typeface="Consolas" panose="020B0609020204030204" pitchFamily="49" charset="0"/>
+              </a:rPr>
+              <a:t>int fn2(int array[], int length, int number) {</a:t>
+            </a:r>
+          </a:p>
+          <a:p>
+            <a:pPr marL="0" indent="0">
+              <a:buNone/>
+            </a:pPr>
+            <a:r>
+              <a:rPr lang="cs-CZ" dirty="0" smtClean="0">
+                <a:latin typeface="Consolas" panose="020B0609020204030204" pitchFamily="49" charset="0"/>
+              </a:rPr>
+              <a:t>    int i = 0;</a:t>
+            </a:r>
+          </a:p>
+          <a:p>
+            <a:pPr marL="0" indent="0">
+              <a:buNone/>
+            </a:pPr>
+            <a:r>
+              <a:rPr lang="cs-CZ" dirty="0" smtClean="0">
+                <a:latin typeface="Consolas" panose="020B0609020204030204" pitchFamily="49" charset="0"/>
+              </a:rPr>
+              <a:t>    while(i &lt; length &amp;&amp; array[i] != number) {</a:t>
+            </a:r>
+          </a:p>
+          <a:p>
+            <a:pPr marL="0" indent="0">
+              <a:buNone/>
+            </a:pPr>
+            <a:r>
+              <a:rPr lang="cs-CZ" dirty="0" smtClean="0">
+                <a:latin typeface="Consolas" panose="020B0609020204030204" pitchFamily="49" charset="0"/>
+              </a:rPr>
+              <a:t>        ++i;    </a:t>
+            </a:r>
+          </a:p>
+          <a:p>
+            <a:pPr marL="0" indent="0">
+              <a:buNone/>
+            </a:pPr>
+            <a:r>
+              <a:rPr lang="cs-CZ" dirty="0" smtClean="0">
+                <a:latin typeface="Consolas" panose="020B0609020204030204" pitchFamily="49" charset="0"/>
+              </a:rPr>
+              <a:t>    }</a:t>
+            </a:r>
+          </a:p>
+          <a:p>
+            <a:pPr marL="0" indent="0">
+              <a:buNone/>
+            </a:pPr>
+            <a:r>
+              <a:rPr lang="cs-CZ" dirty="0" smtClean="0">
+                <a:latin typeface="Consolas" panose="020B0609020204030204" pitchFamily="49" charset="0"/>
+              </a:rPr>
+              <a:t>    </a:t>
+            </a:r>
+          </a:p>
+          <a:p>
+            <a:pPr marL="0" indent="0">
+              <a:buNone/>
+            </a:pPr>
+            <a:r>
+              <a:rPr lang="cs-CZ" dirty="0" smtClean="0">
+                <a:latin typeface="Consolas" panose="020B0609020204030204" pitchFamily="49" charset="0"/>
+              </a:rPr>
+              <a:t>    return i;</a:t>
+            </a:r>
+          </a:p>
+          <a:p>
+            <a:pPr marL="0" indent="0">
+              <a:buNone/>
+            </a:pPr>
+            <a:r>
+              <a:rPr lang="cs-CZ" dirty="0" smtClean="0">
+                <a:latin typeface="Consolas" panose="020B0609020204030204" pitchFamily="49" charset="0"/>
+              </a:rPr>
+              <a:t>}</a:t>
+            </a:r>
+          </a:p>
+          <a:p>
+            <a:pPr marL="0" indent="0">
+              <a:buNone/>
+            </a:pPr>
+            <a:endParaRPr lang="cs-CZ" dirty="0" smtClean="0">
+              <a:latin typeface="Consolas" panose="020B0609020204030204" pitchFamily="49" charset="0"/>
+            </a:endParaRPr>
+          </a:p>
+          <a:p>
+            <a:pPr marL="0" indent="0">
+              <a:buNone/>
+            </a:pPr>
+            <a:r>
+              <a:rPr lang="cs-CZ" dirty="0" smtClean="0">
+                <a:latin typeface="Consolas" panose="020B0609020204030204" pitchFamily="49" charset="0"/>
+              </a:rPr>
+              <a:t>int main()</a:t>
+            </a:r>
+          </a:p>
+          <a:p>
+            <a:pPr marL="0" indent="0">
+              <a:buNone/>
+            </a:pPr>
+            <a:r>
+              <a:rPr lang="cs-CZ" dirty="0" smtClean="0">
+                <a:latin typeface="Consolas" panose="020B0609020204030204" pitchFamily="49" charset="0"/>
+              </a:rPr>
+              <a:t>{</a:t>
+            </a:r>
+          </a:p>
+          <a:p>
+            <a:pPr marL="0" indent="0">
+              <a:buNone/>
+            </a:pPr>
+            <a:r>
+              <a:rPr lang="cs-CZ" dirty="0" smtClean="0">
+                <a:latin typeface="Consolas" panose="020B0609020204030204" pitchFamily="49" charset="0"/>
+              </a:rPr>
+              <a:t>    int array[] = {1, 2, 3, 4, 5, 6, 7, 8, 9, 10};</a:t>
+            </a:r>
+          </a:p>
+          <a:p>
+            <a:pPr marL="0" indent="0">
+              <a:buNone/>
+            </a:pPr>
+            <a:r>
+              <a:rPr lang="cs-CZ" dirty="0">
+                <a:latin typeface="Consolas" panose="020B0609020204030204" pitchFamily="49" charset="0"/>
+              </a:rPr>
+              <a:t> </a:t>
+            </a:r>
+            <a:r>
+              <a:rPr lang="cs-CZ" dirty="0" smtClean="0">
+                <a:latin typeface="Consolas" panose="020B0609020204030204" pitchFamily="49" charset="0"/>
+              </a:rPr>
+              <a:t>   static constexpr int SIZE = 10</a:t>
+            </a:r>
+            <a:r>
+              <a:rPr lang="en-US" dirty="0" smtClean="0">
+                <a:latin typeface="Consolas" panose="020B0609020204030204" pitchFamily="49" charset="0"/>
+              </a:rPr>
+              <a:t>0</a:t>
+            </a:r>
+            <a:r>
+              <a:rPr lang="cs-CZ" dirty="0" smtClean="0">
+                <a:latin typeface="Consolas" panose="020B0609020204030204" pitchFamily="49" charset="0"/>
+              </a:rPr>
+              <a:t>;</a:t>
+            </a:r>
+          </a:p>
+          <a:p>
+            <a:pPr marL="0" indent="0">
+              <a:buNone/>
+            </a:pPr>
+            <a:r>
+              <a:rPr lang="cs-CZ" dirty="0" smtClean="0">
+                <a:latin typeface="Consolas" panose="020B0609020204030204" pitchFamily="49" charset="0"/>
+              </a:rPr>
+              <a:t>    int res = fn2(array, SIZE, 4);</a:t>
+            </a:r>
+          </a:p>
+          <a:p>
+            <a:pPr marL="0" indent="0">
+              <a:buNone/>
+            </a:pPr>
+            <a:r>
+              <a:rPr lang="cs-CZ" dirty="0" smtClean="0">
+                <a:latin typeface="Consolas" panose="020B0609020204030204" pitchFamily="49" charset="0"/>
+              </a:rPr>
+              <a:t>    printf("Result: %d", res);</a:t>
+            </a:r>
+          </a:p>
+          <a:p>
+            <a:pPr marL="0" indent="0">
+              <a:buNone/>
+            </a:pPr>
+            <a:r>
+              <a:rPr lang="cs-CZ" dirty="0" smtClean="0">
+                <a:latin typeface="Consolas" panose="020B0609020204030204" pitchFamily="49" charset="0"/>
+              </a:rPr>
+              <a:t>}</a:t>
+            </a:r>
+            <a:endParaRPr lang="cs-CZ" dirty="0"/>
+          </a:p>
+        </p:txBody>
+      </p:sp>
+    </p:spTree>
+    <p:extLst>
+      <p:ext uri="{BB962C8B-B14F-4D97-AF65-F5344CB8AC3E}">
+        <p14:creationId xmlns:p14="http://schemas.microsoft.com/office/powerpoint/2010/main" val="3390748553"/>
+      </p:ext>
+    </p:extLst>
+  </p:cSld>
+  <p:clrMapOvr>
+    <a:masterClrMapping/>
+  </p:clrMapOvr>
+  <p:timing>
+    <p:tnLst>
+      <p:par>
+        <p:cTn id="1" dur="indefinite" restart="never" nodeType="tmRoot"/>
+      </p:par>
+    </p:tnLst>
+  </p:timing>
+</p:sld>
+</file>
+
+<file path=ppt/slides/slide44.xml><?xml version="1.0" encoding="utf-8"?>
+<p:sld xmlns:a="http://schemas.openxmlformats.org/drawingml/2006/main" xmlns:r="http://schemas.openxmlformats.org/officeDocument/2006/relationships" xmlns:p="http://schemas.openxmlformats.org/presentationml/2006/main">
+  <p:cSld>
+    <p:spTree>
+      <p:nvGrpSpPr>
+        <p:cNvPr id="1" name=""/>
+        <p:cNvGrpSpPr/>
+        <p:nvPr/>
+      </p:nvGrpSpPr>
+      <p:grpSpPr>
+        <a:xfrm>
+          <a:off x="0" y="0"/>
+          <a:ext cx="0" cy="0"/>
+          <a:chOff x="0" y="0"/>
+          <a:chExt cx="0" cy="0"/>
+        </a:xfrm>
+      </p:grpSpPr>
+      <p:sp>
+        <p:nvSpPr>
+          <p:cNvPr id="2" name="Title 1"/>
+          <p:cNvSpPr>
+            <a:spLocks noGrp="1"/>
+          </p:cNvSpPr>
+          <p:nvPr>
+            <p:ph type="title"/>
+          </p:nvPr>
+        </p:nvSpPr>
+        <p:spPr>
+          <a:xfrm>
+            <a:off x="838200" y="365125"/>
+            <a:ext cx="10515600" cy="808767"/>
+          </a:xfrm>
+        </p:spPr>
+        <p:txBody>
+          <a:bodyPr>
+            <a:normAutofit/>
+          </a:bodyPr>
+          <a:lstStyle/>
+          <a:p>
+            <a:r>
+              <a:rPr lang="cs-CZ" dirty="0" smtClean="0"/>
+              <a:t>Tajemná funkce 3 (1/2)</a:t>
+            </a:r>
+            <a:endParaRPr lang="cs-CZ" dirty="0"/>
+          </a:p>
+        </p:txBody>
+      </p:sp>
+      <p:sp>
+        <p:nvSpPr>
+          <p:cNvPr id="3" name="Content Placeholder 2"/>
+          <p:cNvSpPr>
+            <a:spLocks noGrp="1"/>
+          </p:cNvSpPr>
+          <p:nvPr>
+            <p:ph idx="1"/>
+          </p:nvPr>
+        </p:nvSpPr>
+        <p:spPr>
+          <a:xfrm>
+            <a:off x="838200" y="1173892"/>
+            <a:ext cx="10515600" cy="5003071"/>
+          </a:xfrm>
+        </p:spPr>
+        <p:txBody>
+          <a:bodyPr>
+            <a:normAutofit fontScale="47500" lnSpcReduction="20000"/>
+          </a:bodyPr>
+          <a:lstStyle/>
+          <a:p>
+            <a:pPr marL="0" indent="0">
+              <a:buNone/>
+            </a:pPr>
+            <a:r>
+              <a:rPr lang="cs-CZ" dirty="0" smtClean="0">
+                <a:latin typeface="Consolas" panose="020B0609020204030204" pitchFamily="49" charset="0"/>
+              </a:rPr>
+              <a:t>#include &lt;stdio.h&gt;</a:t>
+            </a:r>
+            <a:r>
+              <a:rPr lang="en-US" dirty="0" smtClean="0">
+                <a:latin typeface="Consolas" panose="020B0609020204030204" pitchFamily="49" charset="0"/>
+              </a:rPr>
+              <a:t/>
+            </a:r>
+            <a:br>
+              <a:rPr lang="en-US" dirty="0" smtClean="0">
+                <a:latin typeface="Consolas" panose="020B0609020204030204" pitchFamily="49" charset="0"/>
+              </a:rPr>
+            </a:br>
+            <a:r>
+              <a:rPr lang="en-US" dirty="0" smtClean="0">
+                <a:latin typeface="Consolas" panose="020B0609020204030204" pitchFamily="49" charset="0"/>
+              </a:rPr>
+              <a:t/>
+            </a:r>
+            <a:br>
+              <a:rPr lang="en-US" dirty="0" smtClean="0">
+                <a:latin typeface="Consolas" panose="020B0609020204030204" pitchFamily="49" charset="0"/>
+              </a:rPr>
+            </a:br>
+            <a:r>
+              <a:rPr lang="cs-CZ" dirty="0" smtClean="0">
+                <a:latin typeface="Consolas" panose="020B0609020204030204" pitchFamily="49" charset="0"/>
+              </a:rPr>
+              <a:t>int fn3(int array[], int length) {</a:t>
+            </a:r>
+            <a:r>
+              <a:rPr lang="en-US" dirty="0" smtClean="0">
+                <a:latin typeface="Consolas" panose="020B0609020204030204" pitchFamily="49" charset="0"/>
+              </a:rPr>
+              <a:t/>
+            </a:r>
+            <a:br>
+              <a:rPr lang="en-US" dirty="0" smtClean="0">
+                <a:latin typeface="Consolas" panose="020B0609020204030204" pitchFamily="49" charset="0"/>
+              </a:rPr>
+            </a:br>
+            <a:r>
+              <a:rPr lang="cs-CZ" dirty="0" smtClean="0">
+                <a:latin typeface="Consolas" panose="020B0609020204030204" pitchFamily="49" charset="0"/>
+              </a:rPr>
+              <a:t>    int j = 0;</a:t>
+            </a:r>
+            <a:r>
+              <a:rPr lang="en-US" dirty="0" smtClean="0">
+                <a:latin typeface="Consolas" panose="020B0609020204030204" pitchFamily="49" charset="0"/>
+              </a:rPr>
+              <a:t/>
+            </a:r>
+            <a:br>
+              <a:rPr lang="en-US" dirty="0" smtClean="0">
+                <a:latin typeface="Consolas" panose="020B0609020204030204" pitchFamily="49" charset="0"/>
+              </a:rPr>
+            </a:br>
+            <a:r>
+              <a:rPr lang="cs-CZ" dirty="0" smtClean="0">
+                <a:latin typeface="Consolas" panose="020B0609020204030204" pitchFamily="49" charset="0"/>
+              </a:rPr>
+              <a:t>    int k = 0;</a:t>
+            </a:r>
+            <a:r>
+              <a:rPr lang="en-US" dirty="0" smtClean="0">
+                <a:latin typeface="Consolas" panose="020B0609020204030204" pitchFamily="49" charset="0"/>
+              </a:rPr>
+              <a:t/>
+            </a:r>
+            <a:br>
+              <a:rPr lang="en-US" dirty="0" smtClean="0">
+                <a:latin typeface="Consolas" panose="020B0609020204030204" pitchFamily="49" charset="0"/>
+              </a:rPr>
+            </a:br>
+            <a:r>
+              <a:rPr lang="cs-CZ" dirty="0" smtClean="0">
+                <a:latin typeface="Consolas" panose="020B0609020204030204" pitchFamily="49" charset="0"/>
+              </a:rPr>
+              <a:t>    for(int i = 0; i &lt; length; ++i) {</a:t>
+            </a:r>
+            <a:r>
+              <a:rPr lang="en-US" dirty="0" smtClean="0">
+                <a:latin typeface="Consolas" panose="020B0609020204030204" pitchFamily="49" charset="0"/>
+              </a:rPr>
+              <a:t/>
+            </a:r>
+            <a:br>
+              <a:rPr lang="en-US" dirty="0" smtClean="0">
+                <a:latin typeface="Consolas" panose="020B0609020204030204" pitchFamily="49" charset="0"/>
+              </a:rPr>
+            </a:br>
+            <a:r>
+              <a:rPr lang="cs-CZ" dirty="0" smtClean="0">
+                <a:latin typeface="Consolas" panose="020B0609020204030204" pitchFamily="49" charset="0"/>
+              </a:rPr>
+              <a:t>        if (array[i] % 2 == 0) {</a:t>
+            </a:r>
+            <a:r>
+              <a:rPr lang="en-US" dirty="0" smtClean="0">
+                <a:latin typeface="Consolas" panose="020B0609020204030204" pitchFamily="49" charset="0"/>
+              </a:rPr>
+              <a:t/>
+            </a:r>
+            <a:br>
+              <a:rPr lang="en-US" dirty="0" smtClean="0">
+                <a:latin typeface="Consolas" panose="020B0609020204030204" pitchFamily="49" charset="0"/>
+              </a:rPr>
+            </a:br>
+            <a:r>
+              <a:rPr lang="cs-CZ" dirty="0" smtClean="0">
+                <a:latin typeface="Consolas" panose="020B0609020204030204" pitchFamily="49" charset="0"/>
+              </a:rPr>
+              <a:t>            ++j;</a:t>
+            </a:r>
+            <a:r>
+              <a:rPr lang="en-US" dirty="0" smtClean="0">
+                <a:latin typeface="Consolas" panose="020B0609020204030204" pitchFamily="49" charset="0"/>
+              </a:rPr>
+              <a:t/>
+            </a:r>
+            <a:br>
+              <a:rPr lang="en-US" dirty="0" smtClean="0">
+                <a:latin typeface="Consolas" panose="020B0609020204030204" pitchFamily="49" charset="0"/>
+              </a:rPr>
+            </a:br>
+            <a:r>
+              <a:rPr lang="cs-CZ" dirty="0" smtClean="0">
+                <a:latin typeface="Consolas" panose="020B0609020204030204" pitchFamily="49" charset="0"/>
+              </a:rPr>
+              <a:t>        } else {</a:t>
+            </a:r>
+            <a:r>
+              <a:rPr lang="en-US" dirty="0" smtClean="0">
+                <a:latin typeface="Consolas" panose="020B0609020204030204" pitchFamily="49" charset="0"/>
+              </a:rPr>
+              <a:t/>
+            </a:r>
+            <a:br>
+              <a:rPr lang="en-US" dirty="0" smtClean="0">
+                <a:latin typeface="Consolas" panose="020B0609020204030204" pitchFamily="49" charset="0"/>
+              </a:rPr>
+            </a:br>
+            <a:r>
+              <a:rPr lang="cs-CZ" dirty="0" smtClean="0">
+                <a:latin typeface="Consolas" panose="020B0609020204030204" pitchFamily="49" charset="0"/>
+              </a:rPr>
+              <a:t>            ++k;</a:t>
+            </a:r>
+            <a:r>
+              <a:rPr lang="en-US" dirty="0" smtClean="0">
+                <a:latin typeface="Consolas" panose="020B0609020204030204" pitchFamily="49" charset="0"/>
+              </a:rPr>
+              <a:t/>
+            </a:r>
+            <a:br>
+              <a:rPr lang="en-US" dirty="0" smtClean="0">
+                <a:latin typeface="Consolas" panose="020B0609020204030204" pitchFamily="49" charset="0"/>
+              </a:rPr>
+            </a:br>
+            <a:r>
+              <a:rPr lang="cs-CZ" dirty="0" smtClean="0">
+                <a:latin typeface="Consolas" panose="020B0609020204030204" pitchFamily="49" charset="0"/>
+              </a:rPr>
+              <a:t>        }</a:t>
+            </a:r>
+            <a:br>
+              <a:rPr lang="cs-CZ" dirty="0" smtClean="0">
+                <a:latin typeface="Consolas" panose="020B0609020204030204" pitchFamily="49" charset="0"/>
+              </a:rPr>
+            </a:br>
+            <a:r>
+              <a:rPr lang="en-US" dirty="0" smtClean="0">
+                <a:latin typeface="Consolas" panose="020B0609020204030204" pitchFamily="49" charset="0"/>
+              </a:rPr>
+              <a:t>    </a:t>
+            </a:r>
+            <a:r>
+              <a:rPr lang="cs-CZ" dirty="0" smtClean="0">
+                <a:latin typeface="Consolas" panose="020B0609020204030204" pitchFamily="49" charset="0"/>
+              </a:rPr>
+              <a:t>}</a:t>
+            </a:r>
+            <a:r>
+              <a:rPr lang="en-US" dirty="0" smtClean="0">
+                <a:latin typeface="Consolas" panose="020B0609020204030204" pitchFamily="49" charset="0"/>
+              </a:rPr>
+              <a:t/>
+            </a:r>
+            <a:br>
+              <a:rPr lang="en-US" dirty="0" smtClean="0">
+                <a:latin typeface="Consolas" panose="020B0609020204030204" pitchFamily="49" charset="0"/>
+              </a:rPr>
+            </a:br>
+            <a:r>
+              <a:rPr lang="en-US" dirty="0" smtClean="0">
+                <a:latin typeface="Consolas" panose="020B0609020204030204" pitchFamily="49" charset="0"/>
+              </a:rPr>
+              <a:t/>
+            </a:r>
+            <a:br>
+              <a:rPr lang="en-US" dirty="0" smtClean="0">
+                <a:latin typeface="Consolas" panose="020B0609020204030204" pitchFamily="49" charset="0"/>
+              </a:rPr>
+            </a:br>
+            <a:r>
+              <a:rPr lang="en-US" dirty="0" smtClean="0">
+                <a:latin typeface="Consolas" panose="020B0609020204030204" pitchFamily="49" charset="0"/>
+              </a:rPr>
+              <a:t>    </a:t>
+            </a:r>
+            <a:r>
+              <a:rPr lang="cs-CZ" dirty="0" smtClean="0">
+                <a:latin typeface="Consolas" panose="020B0609020204030204" pitchFamily="49" charset="0"/>
+              </a:rPr>
+              <a:t>if (j &gt; k) {</a:t>
+            </a:r>
+            <a:br>
+              <a:rPr lang="cs-CZ" dirty="0" smtClean="0">
+                <a:latin typeface="Consolas" panose="020B0609020204030204" pitchFamily="49" charset="0"/>
+              </a:rPr>
+            </a:br>
+            <a:r>
+              <a:rPr lang="cs-CZ" dirty="0" smtClean="0">
+                <a:latin typeface="Consolas" panose="020B0609020204030204" pitchFamily="49" charset="0"/>
+              </a:rPr>
+              <a:t>        return j;</a:t>
+            </a:r>
+            <a:br>
+              <a:rPr lang="cs-CZ" dirty="0" smtClean="0">
+                <a:latin typeface="Consolas" panose="020B0609020204030204" pitchFamily="49" charset="0"/>
+              </a:rPr>
+            </a:br>
+            <a:r>
+              <a:rPr lang="cs-CZ" dirty="0" smtClean="0">
+                <a:latin typeface="Consolas" panose="020B0609020204030204" pitchFamily="49" charset="0"/>
+              </a:rPr>
+              <a:t>    } else if (k &gt; j) {</a:t>
+            </a:r>
+            <a:br>
+              <a:rPr lang="cs-CZ" dirty="0" smtClean="0">
+                <a:latin typeface="Consolas" panose="020B0609020204030204" pitchFamily="49" charset="0"/>
+              </a:rPr>
+            </a:br>
+            <a:r>
+              <a:rPr lang="cs-CZ" dirty="0" smtClean="0">
+                <a:latin typeface="Consolas" panose="020B0609020204030204" pitchFamily="49" charset="0"/>
+              </a:rPr>
+              <a:t>        return -k;</a:t>
+            </a:r>
+            <a:br>
+              <a:rPr lang="cs-CZ" dirty="0" smtClean="0">
+                <a:latin typeface="Consolas" panose="020B0609020204030204" pitchFamily="49" charset="0"/>
+              </a:rPr>
+            </a:br>
+            <a:r>
+              <a:rPr lang="cs-CZ" dirty="0" smtClean="0">
+                <a:latin typeface="Consolas" panose="020B0609020204030204" pitchFamily="49" charset="0"/>
+              </a:rPr>
+              <a:t>    } else {</a:t>
+            </a:r>
+            <a:br>
+              <a:rPr lang="cs-CZ" dirty="0" smtClean="0">
+                <a:latin typeface="Consolas" panose="020B0609020204030204" pitchFamily="49" charset="0"/>
+              </a:rPr>
+            </a:br>
+            <a:r>
+              <a:rPr lang="cs-CZ" dirty="0" smtClean="0">
+                <a:latin typeface="Consolas" panose="020B0609020204030204" pitchFamily="49" charset="0"/>
+              </a:rPr>
+              <a:t>        return 0;</a:t>
+            </a:r>
+            <a:br>
+              <a:rPr lang="cs-CZ" dirty="0" smtClean="0">
+                <a:latin typeface="Consolas" panose="020B0609020204030204" pitchFamily="49" charset="0"/>
+              </a:rPr>
+            </a:br>
+            <a:r>
+              <a:rPr lang="cs-CZ" dirty="0" smtClean="0">
+                <a:latin typeface="Consolas" panose="020B0609020204030204" pitchFamily="49" charset="0"/>
+              </a:rPr>
+              <a:t>    }</a:t>
+            </a:r>
+            <a:br>
+              <a:rPr lang="cs-CZ" dirty="0" smtClean="0">
+                <a:latin typeface="Consolas" panose="020B0609020204030204" pitchFamily="49" charset="0"/>
+              </a:rPr>
+            </a:br>
+            <a:r>
+              <a:rPr lang="cs-CZ" dirty="0" smtClean="0">
+                <a:latin typeface="Consolas" panose="020B0609020204030204" pitchFamily="49" charset="0"/>
+              </a:rPr>
+              <a:t>}</a:t>
+            </a:r>
+            <a:r>
+              <a:rPr lang="en-US" dirty="0" smtClean="0">
+                <a:latin typeface="Consolas" panose="020B0609020204030204" pitchFamily="49" charset="0"/>
+              </a:rPr>
+              <a:t/>
+            </a:r>
+            <a:br>
+              <a:rPr lang="en-US" dirty="0" smtClean="0">
+                <a:latin typeface="Consolas" panose="020B0609020204030204" pitchFamily="49" charset="0"/>
+              </a:rPr>
+            </a:br>
+            <a:r>
+              <a:rPr lang="en-US" dirty="0" smtClean="0">
+                <a:latin typeface="Consolas" panose="020B0609020204030204" pitchFamily="49" charset="0"/>
+              </a:rPr>
+              <a:t/>
+            </a:r>
+            <a:br>
+              <a:rPr lang="en-US" dirty="0" smtClean="0">
+                <a:latin typeface="Consolas" panose="020B0609020204030204" pitchFamily="49" charset="0"/>
+              </a:rPr>
+            </a:br>
+            <a:r>
+              <a:rPr lang="cs-CZ" dirty="0" smtClean="0">
+                <a:latin typeface="Consolas" panose="020B0609020204030204" pitchFamily="49" charset="0"/>
+              </a:rPr>
+              <a:t>int main()</a:t>
+            </a:r>
+          </a:p>
+          <a:p>
+            <a:pPr marL="0" indent="0">
+              <a:buNone/>
+            </a:pPr>
+            <a:r>
+              <a:rPr lang="cs-CZ" dirty="0" smtClean="0">
+                <a:latin typeface="Consolas" panose="020B0609020204030204" pitchFamily="49" charset="0"/>
+              </a:rPr>
+              <a:t>{</a:t>
+            </a:r>
+          </a:p>
+          <a:p>
+            <a:pPr marL="0" indent="0">
+              <a:buNone/>
+            </a:pPr>
+            <a:r>
+              <a:rPr lang="cs-CZ" dirty="0" smtClean="0">
+                <a:latin typeface="Consolas" panose="020B0609020204030204" pitchFamily="49" charset="0"/>
+              </a:rPr>
+              <a:t>    int array[] = {1, 2, 3, 4, 5, 6, 7, 8, 9};</a:t>
+            </a:r>
+          </a:p>
+          <a:p>
+            <a:pPr marL="0" indent="0">
+              <a:buNone/>
+            </a:pPr>
+            <a:r>
+              <a:rPr lang="cs-CZ" dirty="0" smtClean="0">
+                <a:latin typeface="Consolas" panose="020B0609020204030204" pitchFamily="49" charset="0"/>
+              </a:rPr>
+              <a:t>    static constexpr int SIZE = </a:t>
+            </a:r>
+            <a:r>
+              <a:rPr lang="en-US" dirty="0" smtClean="0">
+                <a:latin typeface="Consolas" panose="020B0609020204030204" pitchFamily="49" charset="0"/>
+              </a:rPr>
+              <a:t>9</a:t>
+            </a:r>
+            <a:r>
+              <a:rPr lang="cs-CZ" dirty="0" smtClean="0">
+                <a:latin typeface="Consolas" panose="020B0609020204030204" pitchFamily="49" charset="0"/>
+              </a:rPr>
+              <a:t>;</a:t>
+            </a:r>
+          </a:p>
+          <a:p>
+            <a:pPr marL="0" indent="0">
+              <a:buNone/>
+            </a:pPr>
+            <a:r>
+              <a:rPr lang="cs-CZ" dirty="0" smtClean="0">
+                <a:latin typeface="Consolas" panose="020B0609020204030204" pitchFamily="49" charset="0"/>
+              </a:rPr>
+              <a:t>    int res = fn</a:t>
+            </a:r>
+            <a:r>
+              <a:rPr lang="en-US" dirty="0" smtClean="0">
+                <a:latin typeface="Consolas" panose="020B0609020204030204" pitchFamily="49" charset="0"/>
+              </a:rPr>
+              <a:t>3</a:t>
+            </a:r>
+            <a:r>
+              <a:rPr lang="cs-CZ" dirty="0" smtClean="0">
+                <a:latin typeface="Consolas" panose="020B0609020204030204" pitchFamily="49" charset="0"/>
+              </a:rPr>
+              <a:t>(array, SIZE);</a:t>
+            </a:r>
+          </a:p>
+          <a:p>
+            <a:pPr marL="0" indent="0">
+              <a:buNone/>
+            </a:pPr>
+            <a:r>
+              <a:rPr lang="cs-CZ" dirty="0" smtClean="0">
+                <a:latin typeface="Consolas" panose="020B0609020204030204" pitchFamily="49" charset="0"/>
+              </a:rPr>
+              <a:t>    printf("Result: %d", res);</a:t>
+            </a:r>
+          </a:p>
+          <a:p>
+            <a:pPr marL="0" indent="0">
+              <a:buNone/>
+            </a:pPr>
+            <a:r>
+              <a:rPr lang="cs-CZ" dirty="0" smtClean="0">
+                <a:latin typeface="Consolas" panose="020B0609020204030204" pitchFamily="49" charset="0"/>
+              </a:rPr>
+              <a:t>}</a:t>
+            </a:r>
+            <a:endParaRPr lang="cs-CZ" dirty="0" smtClean="0"/>
+          </a:p>
+          <a:p>
+            <a:pPr marL="0" indent="0">
+              <a:buNone/>
+            </a:pPr>
+            <a:endParaRPr lang="cs-CZ" dirty="0" smtClean="0">
+              <a:latin typeface="Consolas" panose="020B0609020204030204" pitchFamily="49" charset="0"/>
+            </a:endParaRPr>
+          </a:p>
+        </p:txBody>
+      </p:sp>
+    </p:spTree>
+    <p:extLst>
+      <p:ext uri="{BB962C8B-B14F-4D97-AF65-F5344CB8AC3E}">
+        <p14:creationId xmlns:p14="http://schemas.microsoft.com/office/powerpoint/2010/main" val="2608351430"/>
+      </p:ext>
+    </p:extLst>
+  </p:cSld>
+  <p:clrMapOvr>
+    <a:masterClrMapping/>
+  </p:clrMapOvr>
+  <p:timing>
+    <p:tnLst>
+      <p:par>
+        <p:cTn id="1" dur="indefinite" restart="never" nodeType="tmRoot"/>
+      </p:par>
+    </p:tnLst>
+  </p:timing>
+</p:sld>
+</file>
+
+<file path=ppt/slides/slide45.xml><?xml version="1.0" encoding="utf-8"?>
+<p:sld xmlns:a="http://schemas.openxmlformats.org/drawingml/2006/main" xmlns:r="http://schemas.openxmlformats.org/officeDocument/2006/relationships" xmlns:p="http://schemas.openxmlformats.org/presentationml/2006/main">
+  <p:cSld>
+    <p:spTree>
+      <p:nvGrpSpPr>
+        <p:cNvPr id="1" name=""/>
+        <p:cNvGrpSpPr/>
+        <p:nvPr/>
+      </p:nvGrpSpPr>
+      <p:grpSpPr>
+        <a:xfrm>
+          <a:off x="0" y="0"/>
+          <a:ext cx="0" cy="0"/>
+          <a:chOff x="0" y="0"/>
+          <a:chExt cx="0" cy="0"/>
+        </a:xfrm>
+      </p:grpSpPr>
+      <p:sp>
+        <p:nvSpPr>
+          <p:cNvPr id="2" name="Title 1"/>
+          <p:cNvSpPr>
+            <a:spLocks noGrp="1"/>
+          </p:cNvSpPr>
+          <p:nvPr>
+            <p:ph type="title"/>
+          </p:nvPr>
+        </p:nvSpPr>
+        <p:spPr>
+          <a:xfrm>
+            <a:off x="838200" y="365125"/>
+            <a:ext cx="10515600" cy="808767"/>
+          </a:xfrm>
+        </p:spPr>
+        <p:txBody>
+          <a:bodyPr>
+            <a:normAutofit/>
+          </a:bodyPr>
+          <a:lstStyle/>
+          <a:p>
+            <a:r>
               <a:rPr lang="cs-CZ" dirty="0" smtClean="0"/>
               <a:t>Tajemná funkce 3 (2/2)</a:t>
             </a:r>
@@ -16078,7 +16308,7 @@
 </p:sld>
 </file>
 
-<file path=ppt/slides/slide44.xml><?xml version="1.0" encoding="utf-8"?>
+<file path=ppt/slides/slide46.xml><?xml version="1.0" encoding="utf-8"?>
 <p:sld xmlns:a="http://schemas.openxmlformats.org/drawingml/2006/main" xmlns:r="http://schemas.openxmlformats.org/officeDocument/2006/relationships" xmlns:p="http://schemas.openxmlformats.org/presentationml/2006/main">
   <p:cSld>
     <p:spTree>
@@ -17466,6 +17696,13 @@
   <p:clrMapOvr>
     <a:masterClrMapping/>
   </p:clrMapOvr>
+  <p:timing>
+    <p:tnLst>
+      <p:par>
+        <p:cTn id="1" dur="indefinite" restart="never" nodeType="tmRoot"/>
+      </p:par>
+    </p:tnLst>
+  </p:timing>
 </p:sld>
 </file>
 
@@ -18424,6 +18661,13 @@
   <p:clrMapOvr>
     <a:masterClrMapping/>
   </p:clrMapOvr>
+  <p:timing>
+    <p:tnLst>
+      <p:par>
+        <p:cTn id="1" dur="indefinite" restart="never" nodeType="tmRoot"/>
+      </p:par>
+    </p:tnLst>
+  </p:timing>
 </p:sld>
 </file>
 
@@ -19754,6 +19998,13 @@
   <p:clrMapOvr>
     <a:masterClrMapping/>
   </p:clrMapOvr>
+  <p:timing>
+    <p:tnLst>
+      <p:par>
+        <p:cTn id="1" dur="indefinite" restart="never" nodeType="tmRoot"/>
+      </p:par>
+    </p:tnLst>
+  </p:timing>
 </p:sld>
 </file>
 
@@ -20367,6 +20618,13 @@
   <p:clrMapOvr>
     <a:masterClrMapping/>
   </p:clrMapOvr>
+  <p:timing>
+    <p:tnLst>
+      <p:par>
+        <p:cTn id="1" dur="indefinite" restart="never" nodeType="tmRoot"/>
+      </p:par>
+    </p:tnLst>
+  </p:timing>
 </p:sld>
 </file>
 
@@ -20538,6 +20796,13 @@
   <p:clrMapOvr>
     <a:masterClrMapping/>
   </p:clrMapOvr>
+  <p:timing>
+    <p:tnLst>
+      <p:par>
+        <p:cTn id="1" dur="indefinite" restart="never" nodeType="tmRoot"/>
+      </p:par>
+    </p:tnLst>
+  </p:timing>
 </p:sld>
 </file>
 
